--- a/Presentation/Presentation.pptx
+++ b/Presentation/Presentation.pptx
@@ -4,24 +4,30 @@
   <p:sldMasterIdLst>
     <p:sldMasterId id="2147483660" r:id="rId1"/>
   </p:sldMasterIdLst>
+  <p:notesMasterIdLst>
+    <p:notesMasterId r:id="rId22"/>
+  </p:notesMasterIdLst>
   <p:sldIdLst>
     <p:sldId id="256" r:id="rId2"/>
     <p:sldId id="257" r:id="rId3"/>
-    <p:sldId id="258" r:id="rId4"/>
-    <p:sldId id="265" r:id="rId5"/>
-    <p:sldId id="269" r:id="rId6"/>
-    <p:sldId id="270" r:id="rId7"/>
-    <p:sldId id="271" r:id="rId8"/>
-    <p:sldId id="273" r:id="rId9"/>
+    <p:sldId id="275" r:id="rId4"/>
+    <p:sldId id="258" r:id="rId5"/>
+    <p:sldId id="265" r:id="rId6"/>
+    <p:sldId id="269" r:id="rId7"/>
+    <p:sldId id="270" r:id="rId8"/>
+    <p:sldId id="271" r:id="rId9"/>
     <p:sldId id="260" r:id="rId10"/>
     <p:sldId id="267" r:id="rId11"/>
     <p:sldId id="268" r:id="rId12"/>
     <p:sldId id="266" r:id="rId13"/>
     <p:sldId id="261" r:id="rId14"/>
-    <p:sldId id="262" r:id="rId15"/>
+    <p:sldId id="276" r:id="rId15"/>
     <p:sldId id="272" r:id="rId16"/>
-    <p:sldId id="263" r:id="rId17"/>
-    <p:sldId id="264" r:id="rId18"/>
+    <p:sldId id="262" r:id="rId17"/>
+    <p:sldId id="273" r:id="rId18"/>
+    <p:sldId id="263" r:id="rId19"/>
+    <p:sldId id="264" r:id="rId20"/>
+    <p:sldId id="274" r:id="rId21"/>
   </p:sldIdLst>
   <p:sldSz cx="12192000" cy="6858000"/>
   <p:notesSz cx="6858000" cy="9144000"/>
@@ -3036,8 +3042,12 @@
             </a:lnSpc>
           </a:pPr>
           <a:r>
-            <a:rPr lang="en-US"/>
-            <a:t>[NFR-P2] The system shall return internship search results within 2 seconds, assuming up to 500 results.</a:t>
+            <a:rPr lang="en-US" b="1" dirty="0"/>
+            <a:t>[NFR-P2]</a:t>
+          </a:r>
+          <a:r>
+            <a:rPr lang="en-US" dirty="0"/>
+            <a:t> The system shall return internship search results within 2 seconds, assuming up to 500 results.</a:t>
           </a:r>
         </a:p>
       </dgm:t>
@@ -3082,8 +3092,12 @@
             </a:lnSpc>
           </a:pPr>
           <a:r>
-            <a:rPr lang="en-US"/>
-            <a:t>[NFR-P3] The system shall process and post a new internship advertisement within 15 seconds.</a:t>
+            <a:rPr lang="en-US" b="1" dirty="0"/>
+            <a:t>[NFR-P3]</a:t>
+          </a:r>
+          <a:r>
+            <a:rPr lang="en-US" dirty="0"/>
+            <a:t> The system shall process and post a new internship advertisement within 15 seconds.</a:t>
           </a:r>
         </a:p>
       </dgm:t>
@@ -3128,8 +3142,12 @@
             </a:lnSpc>
           </a:pPr>
           <a:r>
-            <a:rPr lang="en-US"/>
-            <a:t>[NFR-P4] The system shall support at least 30,000 concurrent users actively interacting with the platform.</a:t>
+            <a:rPr lang="en-US" b="1" dirty="0"/>
+            <a:t>[NFR-P4] </a:t>
+          </a:r>
+          <a:r>
+            <a:rPr lang="en-US" dirty="0"/>
+            <a:t>The system shall support at least 30,000 concurrent users actively interacting with the platform.</a:t>
           </a:r>
         </a:p>
       </dgm:t>
@@ -3174,8 +3192,12 @@
             </a:lnSpc>
           </a:pPr>
           <a:r>
-            <a:rPr lang="en-US"/>
-            <a:t>[NFR-P6] The system shall maintain a response time under 5 seconds at all times.</a:t>
+            <a:rPr lang="en-US" b="1" dirty="0"/>
+            <a:t>[NFR-P6]</a:t>
+          </a:r>
+          <a:r>
+            <a:rPr lang="en-US" dirty="0"/>
+            <a:t> The system shall maintain a response time under 5 seconds at all times.</a:t>
           </a:r>
         </a:p>
       </dgm:t>
@@ -5491,8 +5513,12 @@
             <a:buNone/>
           </a:pPr>
           <a:r>
-            <a:rPr lang="en-US" sz="1700" kern="1200"/>
-            <a:t>[NFR-P2] The system shall return internship search results within 2 seconds, assuming up to 500 results.</a:t>
+            <a:rPr lang="en-US" sz="1700" b="1" kern="1200" dirty="0"/>
+            <a:t>[NFR-P2]</a:t>
+          </a:r>
+          <a:r>
+            <a:rPr lang="en-US" sz="1700" kern="1200" dirty="0"/>
+            <a:t> The system shall return internship search results within 2 seconds, assuming up to 500 results.</a:t>
           </a:r>
         </a:p>
       </dsp:txBody>
@@ -5648,8 +5674,12 @@
             <a:buNone/>
           </a:pPr>
           <a:r>
-            <a:rPr lang="en-US" sz="1700" kern="1200"/>
-            <a:t>[NFR-P3] The system shall process and post a new internship advertisement within 15 seconds.</a:t>
+            <a:rPr lang="en-US" sz="1700" b="1" kern="1200" dirty="0"/>
+            <a:t>[NFR-P3]</a:t>
+          </a:r>
+          <a:r>
+            <a:rPr lang="en-US" sz="1700" kern="1200" dirty="0"/>
+            <a:t> The system shall process and post a new internship advertisement within 15 seconds.</a:t>
           </a:r>
         </a:p>
       </dsp:txBody>
@@ -5805,8 +5835,12 @@
             <a:buNone/>
           </a:pPr>
           <a:r>
-            <a:rPr lang="en-US" sz="1700" kern="1200"/>
-            <a:t>[NFR-P4] The system shall support at least 30,000 concurrent users actively interacting with the platform.</a:t>
+            <a:rPr lang="en-US" sz="1700" b="1" kern="1200" dirty="0"/>
+            <a:t>[NFR-P4] </a:t>
+          </a:r>
+          <a:r>
+            <a:rPr lang="en-US" sz="1700" kern="1200" dirty="0"/>
+            <a:t>The system shall support at least 30,000 concurrent users actively interacting with the platform.</a:t>
           </a:r>
         </a:p>
       </dsp:txBody>
@@ -5962,8 +5996,12 @@
             <a:buNone/>
           </a:pPr>
           <a:r>
-            <a:rPr lang="en-US" sz="1700" kern="1200"/>
-            <a:t>[NFR-P6] The system shall maintain a response time under 5 seconds at all times.</a:t>
+            <a:rPr lang="en-US" sz="1700" b="1" kern="1200" dirty="0"/>
+            <a:t>[NFR-P6]</a:t>
+          </a:r>
+          <a:r>
+            <a:rPr lang="en-US" sz="1700" kern="1200" dirty="0"/>
+            <a:t> The system shall maintain a response time under 5 seconds at all times.</a:t>
           </a:r>
         </a:p>
       </dsp:txBody>
@@ -11236,6 +11274,355 @@
 </dgm:styleDef>
 </file>
 
+<file path=ppt/notesMasters/notesMaster1.xml><?xml version="1.0" encoding="utf-8"?>
+<p:notesMaster xmlns:a="http://schemas.openxmlformats.org/drawingml/2006/main" xmlns:r="http://schemas.openxmlformats.org/officeDocument/2006/relationships" xmlns:p="http://schemas.openxmlformats.org/presentationml/2006/main">
+  <p:cSld>
+    <p:bg>
+      <p:bgRef idx="1001">
+        <a:schemeClr val="bg1"/>
+      </p:bgRef>
+    </p:bg>
+    <p:spTree>
+      <p:nvGrpSpPr>
+        <p:cNvPr id="1" name=""/>
+        <p:cNvGrpSpPr/>
+        <p:nvPr/>
+      </p:nvGrpSpPr>
+      <p:grpSpPr>
+        <a:xfrm>
+          <a:off x="0" y="0"/>
+          <a:ext cx="0" cy="0"/>
+          <a:chOff x="0" y="0"/>
+          <a:chExt cx="0" cy="0"/>
+        </a:xfrm>
+      </p:grpSpPr>
+      <p:sp>
+        <p:nvSpPr>
+          <p:cNvPr id="2" name="Header Placeholder 1"/>
+          <p:cNvSpPr>
+            <a:spLocks noGrp="1"/>
+          </p:cNvSpPr>
+          <p:nvPr>
+            <p:ph type="hdr" sz="quarter"/>
+          </p:nvPr>
+        </p:nvSpPr>
+        <p:spPr>
+          <a:xfrm>
+            <a:off x="0" y="0"/>
+            <a:ext cx="2971800" cy="458788"/>
+          </a:xfrm>
+          <a:prstGeom prst="rect">
+            <a:avLst/>
+          </a:prstGeom>
+        </p:spPr>
+        <p:txBody>
+          <a:bodyPr vert="horz" lIns="91440" tIns="45720" rIns="91440" bIns="45720" rtlCol="0"/>
+          <a:lstStyle>
+            <a:lvl1pPr algn="l">
+              <a:defRPr sz="1200"/>
+            </a:lvl1pPr>
+          </a:lstStyle>
+          <a:p>
+            <a:endParaRPr lang="en-US"/>
+          </a:p>
+        </p:txBody>
+      </p:sp>
+      <p:sp>
+        <p:nvSpPr>
+          <p:cNvPr id="3" name="Date Placeholder 2"/>
+          <p:cNvSpPr>
+            <a:spLocks noGrp="1"/>
+          </p:cNvSpPr>
+          <p:nvPr>
+            <p:ph type="dt" idx="1"/>
+          </p:nvPr>
+        </p:nvSpPr>
+        <p:spPr>
+          <a:xfrm>
+            <a:off x="3884613" y="0"/>
+            <a:ext cx="2971800" cy="458788"/>
+          </a:xfrm>
+          <a:prstGeom prst="rect">
+            <a:avLst/>
+          </a:prstGeom>
+        </p:spPr>
+        <p:txBody>
+          <a:bodyPr vert="horz" lIns="91440" tIns="45720" rIns="91440" bIns="45720" rtlCol="0"/>
+          <a:lstStyle>
+            <a:lvl1pPr algn="r">
+              <a:defRPr sz="1200"/>
+            </a:lvl1pPr>
+          </a:lstStyle>
+          <a:p>
+            <a:fld id="{AB33575F-BA9B-40BF-89DE-5B488AECC5DD}" type="datetimeFigureOut">
+              <a:rPr lang="en-US" smtClean="0"/>
+              <a:t>16-Jan-25</a:t>
+            </a:fld>
+            <a:endParaRPr lang="en-US"/>
+          </a:p>
+        </p:txBody>
+      </p:sp>
+      <p:sp>
+        <p:nvSpPr>
+          <p:cNvPr id="4" name="Slide Image Placeholder 3"/>
+          <p:cNvSpPr>
+            <a:spLocks noGrp="1" noRot="1" noChangeAspect="1"/>
+          </p:cNvSpPr>
+          <p:nvPr>
+            <p:ph type="sldImg" idx="2"/>
+          </p:nvPr>
+        </p:nvSpPr>
+        <p:spPr>
+          <a:xfrm>
+            <a:off x="685800" y="1143000"/>
+            <a:ext cx="5486400" cy="3086100"/>
+          </a:xfrm>
+          <a:prstGeom prst="rect">
+            <a:avLst/>
+          </a:prstGeom>
+          <a:noFill/>
+          <a:ln w="12700">
+            <a:solidFill>
+              <a:prstClr val="black"/>
+            </a:solidFill>
+          </a:ln>
+        </p:spPr>
+        <p:txBody>
+          <a:bodyPr vert="horz" lIns="91440" tIns="45720" rIns="91440" bIns="45720" rtlCol="0" anchor="ctr"/>
+          <a:lstStyle/>
+          <a:p>
+            <a:endParaRPr lang="en-US"/>
+          </a:p>
+        </p:txBody>
+      </p:sp>
+      <p:sp>
+        <p:nvSpPr>
+          <p:cNvPr id="5" name="Notes Placeholder 4"/>
+          <p:cNvSpPr>
+            <a:spLocks noGrp="1"/>
+          </p:cNvSpPr>
+          <p:nvPr>
+            <p:ph type="body" sz="quarter" idx="3"/>
+          </p:nvPr>
+        </p:nvSpPr>
+        <p:spPr>
+          <a:xfrm>
+            <a:off x="685800" y="4400550"/>
+            <a:ext cx="5486400" cy="3600450"/>
+          </a:xfrm>
+          <a:prstGeom prst="rect">
+            <a:avLst/>
+          </a:prstGeom>
+        </p:spPr>
+        <p:txBody>
+          <a:bodyPr vert="horz" lIns="91440" tIns="45720" rIns="91440" bIns="45720" rtlCol="0"/>
+          <a:lstStyle/>
+          <a:p>
+            <a:pPr lvl="0"/>
+            <a:r>
+              <a:rPr lang="en-US"/>
+              <a:t>Click to edit Master text styles</a:t>
+            </a:r>
+          </a:p>
+          <a:p>
+            <a:pPr lvl="1"/>
+            <a:r>
+              <a:rPr lang="en-US"/>
+              <a:t>Second level</a:t>
+            </a:r>
+          </a:p>
+          <a:p>
+            <a:pPr lvl="2"/>
+            <a:r>
+              <a:rPr lang="en-US"/>
+              <a:t>Third level</a:t>
+            </a:r>
+          </a:p>
+          <a:p>
+            <a:pPr lvl="3"/>
+            <a:r>
+              <a:rPr lang="en-US"/>
+              <a:t>Fourth level</a:t>
+            </a:r>
+          </a:p>
+          <a:p>
+            <a:pPr lvl="4"/>
+            <a:r>
+              <a:rPr lang="en-US"/>
+              <a:t>Fifth level</a:t>
+            </a:r>
+          </a:p>
+        </p:txBody>
+      </p:sp>
+      <p:sp>
+        <p:nvSpPr>
+          <p:cNvPr id="6" name="Footer Placeholder 5"/>
+          <p:cNvSpPr>
+            <a:spLocks noGrp="1"/>
+          </p:cNvSpPr>
+          <p:nvPr>
+            <p:ph type="ftr" sz="quarter" idx="4"/>
+          </p:nvPr>
+        </p:nvSpPr>
+        <p:spPr>
+          <a:xfrm>
+            <a:off x="0" y="8685213"/>
+            <a:ext cx="2971800" cy="458787"/>
+          </a:xfrm>
+          <a:prstGeom prst="rect">
+            <a:avLst/>
+          </a:prstGeom>
+        </p:spPr>
+        <p:txBody>
+          <a:bodyPr vert="horz" lIns="91440" tIns="45720" rIns="91440" bIns="45720" rtlCol="0" anchor="b"/>
+          <a:lstStyle>
+            <a:lvl1pPr algn="l">
+              <a:defRPr sz="1200"/>
+            </a:lvl1pPr>
+          </a:lstStyle>
+          <a:p>
+            <a:endParaRPr lang="en-US"/>
+          </a:p>
+        </p:txBody>
+      </p:sp>
+      <p:sp>
+        <p:nvSpPr>
+          <p:cNvPr id="7" name="Slide Number Placeholder 6"/>
+          <p:cNvSpPr>
+            <a:spLocks noGrp="1"/>
+          </p:cNvSpPr>
+          <p:nvPr>
+            <p:ph type="sldNum" sz="quarter" idx="5"/>
+          </p:nvPr>
+        </p:nvSpPr>
+        <p:spPr>
+          <a:xfrm>
+            <a:off x="3884613" y="8685213"/>
+            <a:ext cx="2971800" cy="458787"/>
+          </a:xfrm>
+          <a:prstGeom prst="rect">
+            <a:avLst/>
+          </a:prstGeom>
+        </p:spPr>
+        <p:txBody>
+          <a:bodyPr vert="horz" lIns="91440" tIns="45720" rIns="91440" bIns="45720" rtlCol="0" anchor="b"/>
+          <a:lstStyle>
+            <a:lvl1pPr algn="r">
+              <a:defRPr sz="1200"/>
+            </a:lvl1pPr>
+          </a:lstStyle>
+          <a:p>
+            <a:fld id="{086AB99A-E2F7-4683-AB46-B9CA0E325B7F}" type="slidenum">
+              <a:rPr lang="en-US" smtClean="0"/>
+              <a:t>‹#›</a:t>
+            </a:fld>
+            <a:endParaRPr lang="en-US"/>
+          </a:p>
+        </p:txBody>
+      </p:sp>
+    </p:spTree>
+    <p:extLst>
+      <p:ext uri="{BB962C8B-B14F-4D97-AF65-F5344CB8AC3E}">
+        <p14:creationId xmlns:p14="http://schemas.microsoft.com/office/powerpoint/2010/main" val="3753144166"/>
+      </p:ext>
+    </p:extLst>
+  </p:cSld>
+  <p:clrMap bg1="lt1" tx1="dk1" bg2="lt2" tx2="dk2" accent1="accent1" accent2="accent2" accent3="accent3" accent4="accent4" accent5="accent5" accent6="accent6" hlink="hlink" folHlink="folHlink"/>
+  <p:notesStyle>
+    <a:lvl1pPr marL="0" algn="l" defTabSz="914400" rtl="0" eaLnBrk="1" latinLnBrk="0" hangingPunct="1">
+      <a:defRPr sz="1200" kern="1200">
+        <a:solidFill>
+          <a:schemeClr val="tx1"/>
+        </a:solidFill>
+        <a:latin typeface="+mn-lt"/>
+        <a:ea typeface="+mn-ea"/>
+        <a:cs typeface="+mn-cs"/>
+      </a:defRPr>
+    </a:lvl1pPr>
+    <a:lvl2pPr marL="457200" algn="l" defTabSz="914400" rtl="0" eaLnBrk="1" latinLnBrk="0" hangingPunct="1">
+      <a:defRPr sz="1200" kern="1200">
+        <a:solidFill>
+          <a:schemeClr val="tx1"/>
+        </a:solidFill>
+        <a:latin typeface="+mn-lt"/>
+        <a:ea typeface="+mn-ea"/>
+        <a:cs typeface="+mn-cs"/>
+      </a:defRPr>
+    </a:lvl2pPr>
+    <a:lvl3pPr marL="914400" algn="l" defTabSz="914400" rtl="0" eaLnBrk="1" latinLnBrk="0" hangingPunct="1">
+      <a:defRPr sz="1200" kern="1200">
+        <a:solidFill>
+          <a:schemeClr val="tx1"/>
+        </a:solidFill>
+        <a:latin typeface="+mn-lt"/>
+        <a:ea typeface="+mn-ea"/>
+        <a:cs typeface="+mn-cs"/>
+      </a:defRPr>
+    </a:lvl3pPr>
+    <a:lvl4pPr marL="1371600" algn="l" defTabSz="914400" rtl="0" eaLnBrk="1" latinLnBrk="0" hangingPunct="1">
+      <a:defRPr sz="1200" kern="1200">
+        <a:solidFill>
+          <a:schemeClr val="tx1"/>
+        </a:solidFill>
+        <a:latin typeface="+mn-lt"/>
+        <a:ea typeface="+mn-ea"/>
+        <a:cs typeface="+mn-cs"/>
+      </a:defRPr>
+    </a:lvl4pPr>
+    <a:lvl5pPr marL="1828800" algn="l" defTabSz="914400" rtl="0" eaLnBrk="1" latinLnBrk="0" hangingPunct="1">
+      <a:defRPr sz="1200" kern="1200">
+        <a:solidFill>
+          <a:schemeClr val="tx1"/>
+        </a:solidFill>
+        <a:latin typeface="+mn-lt"/>
+        <a:ea typeface="+mn-ea"/>
+        <a:cs typeface="+mn-cs"/>
+      </a:defRPr>
+    </a:lvl5pPr>
+    <a:lvl6pPr marL="2286000" algn="l" defTabSz="914400" rtl="0" eaLnBrk="1" latinLnBrk="0" hangingPunct="1">
+      <a:defRPr sz="1200" kern="1200">
+        <a:solidFill>
+          <a:schemeClr val="tx1"/>
+        </a:solidFill>
+        <a:latin typeface="+mn-lt"/>
+        <a:ea typeface="+mn-ea"/>
+        <a:cs typeface="+mn-cs"/>
+      </a:defRPr>
+    </a:lvl6pPr>
+    <a:lvl7pPr marL="2743200" algn="l" defTabSz="914400" rtl="0" eaLnBrk="1" latinLnBrk="0" hangingPunct="1">
+      <a:defRPr sz="1200" kern="1200">
+        <a:solidFill>
+          <a:schemeClr val="tx1"/>
+        </a:solidFill>
+        <a:latin typeface="+mn-lt"/>
+        <a:ea typeface="+mn-ea"/>
+        <a:cs typeface="+mn-cs"/>
+      </a:defRPr>
+    </a:lvl7pPr>
+    <a:lvl8pPr marL="3200400" algn="l" defTabSz="914400" rtl="0" eaLnBrk="1" latinLnBrk="0" hangingPunct="1">
+      <a:defRPr sz="1200" kern="1200">
+        <a:solidFill>
+          <a:schemeClr val="tx1"/>
+        </a:solidFill>
+        <a:latin typeface="+mn-lt"/>
+        <a:ea typeface="+mn-ea"/>
+        <a:cs typeface="+mn-cs"/>
+      </a:defRPr>
+    </a:lvl8pPr>
+    <a:lvl9pPr marL="3657600" algn="l" defTabSz="914400" rtl="0" eaLnBrk="1" latinLnBrk="0" hangingPunct="1">
+      <a:defRPr sz="1200" kern="1200">
+        <a:solidFill>
+          <a:schemeClr val="tx1"/>
+        </a:solidFill>
+        <a:latin typeface="+mn-lt"/>
+        <a:ea typeface="+mn-ea"/>
+        <a:cs typeface="+mn-cs"/>
+      </a:defRPr>
+    </a:lvl9pPr>
+  </p:notesStyle>
+</p:notesMaster>
+</file>
+
 <file path=ppt/slideLayouts/slideLayout1.xml><?xml version="1.0" encoding="utf-8"?>
 <p:sldLayout xmlns:a="http://schemas.openxmlformats.org/drawingml/2006/main" xmlns:r="http://schemas.openxmlformats.org/officeDocument/2006/relationships" xmlns:p="http://schemas.openxmlformats.org/presentationml/2006/main" type="title" preserve="1">
   <p:cSld name="Title Slide">
@@ -11388,7 +11775,7 @@
           <a:bodyPr/>
           <a:lstStyle/>
           <a:p>
-            <a:fld id="{A1E45834-53BD-4C8F-B791-CD5378F4150E}" type="datetimeFigureOut">
+            <a:fld id="{1B6E1C55-BACF-4FC9-A408-C4FE3728FAA4}" type="datetime1">
               <a:rPr lang="en-US" smtClean="0"/>
               <a:t>16-Jan-25</a:t>
             </a:fld>
@@ -11586,7 +11973,7 @@
           <a:bodyPr/>
           <a:lstStyle/>
           <a:p>
-            <a:fld id="{A1E45834-53BD-4C8F-B791-CD5378F4150E}" type="datetimeFigureOut">
+            <a:fld id="{858A64EA-4A27-4F6E-8BCC-8730A3E28166}" type="datetime1">
               <a:rPr lang="en-US" smtClean="0"/>
               <a:t>16-Jan-25</a:t>
             </a:fld>
@@ -11794,7 +12181,7 @@
           <a:bodyPr/>
           <a:lstStyle/>
           <a:p>
-            <a:fld id="{A1E45834-53BD-4C8F-B791-CD5378F4150E}" type="datetimeFigureOut">
+            <a:fld id="{2A74FAA8-659A-4575-AF65-B523FE66657A}" type="datetime1">
               <a:rPr lang="en-US" smtClean="0"/>
               <a:t>16-Jan-25</a:t>
             </a:fld>
@@ -12035,7 +12422,7 @@
           <a:bodyPr/>
           <a:lstStyle/>
           <a:p>
-            <a:fld id="{A1E45834-53BD-4C8F-B791-CD5378F4150E}" type="datetimeFigureOut">
+            <a:fld id="{83DD0FDD-535C-4FD8-AA5A-2EA9B327D3DA}" type="datetime1">
               <a:rPr lang="en-US" smtClean="0"/>
               <a:t>16-Jan-25</a:t>
             </a:fld>
@@ -12313,7 +12700,7 @@
           <a:bodyPr/>
           <a:lstStyle/>
           <a:p>
-            <a:fld id="{A1E45834-53BD-4C8F-B791-CD5378F4150E}" type="datetimeFigureOut">
+            <a:fld id="{A552AF6B-AB81-4102-8133-B89198EBB078}" type="datetime1">
               <a:rPr lang="en-US" smtClean="0"/>
               <a:t>16-Jan-25</a:t>
             </a:fld>
@@ -12583,7 +12970,7 @@
           <a:bodyPr/>
           <a:lstStyle/>
           <a:p>
-            <a:fld id="{A1E45834-53BD-4C8F-B791-CD5378F4150E}" type="datetimeFigureOut">
+            <a:fld id="{524F7525-CEFE-4DDA-8362-05BC3D51B09B}" type="datetime1">
               <a:rPr lang="en-US" smtClean="0"/>
               <a:t>16-Jan-25</a:t>
             </a:fld>
@@ -13005,7 +13392,7 @@
           <a:bodyPr/>
           <a:lstStyle/>
           <a:p>
-            <a:fld id="{A1E45834-53BD-4C8F-B791-CD5378F4150E}" type="datetimeFigureOut">
+            <a:fld id="{E0771112-55E1-44BA-8232-C59C1812F79D}" type="datetime1">
               <a:rPr lang="en-US" smtClean="0"/>
               <a:t>16-Jan-25</a:t>
             </a:fld>
@@ -13150,7 +13537,7 @@
           <a:bodyPr/>
           <a:lstStyle/>
           <a:p>
-            <a:fld id="{A1E45834-53BD-4C8F-B791-CD5378F4150E}" type="datetimeFigureOut">
+            <a:fld id="{911AE9FF-B770-4BAE-8598-16C45E4B8F5B}" type="datetime1">
               <a:rPr lang="en-US" smtClean="0"/>
               <a:t>16-Jan-25</a:t>
             </a:fld>
@@ -13263,7 +13650,7 @@
           <a:bodyPr/>
           <a:lstStyle/>
           <a:p>
-            <a:fld id="{A1E45834-53BD-4C8F-B791-CD5378F4150E}" type="datetimeFigureOut">
+            <a:fld id="{CF6E1497-62BA-4EC5-A035-AFC111C0E386}" type="datetime1">
               <a:rPr lang="en-US" smtClean="0"/>
               <a:t>16-Jan-25</a:t>
             </a:fld>
@@ -13577,7 +13964,7 @@
           <a:bodyPr/>
           <a:lstStyle/>
           <a:p>
-            <a:fld id="{A1E45834-53BD-4C8F-B791-CD5378F4150E}" type="datetimeFigureOut">
+            <a:fld id="{6E0B6F1F-31E9-403C-99B6-D3C6ED3A374D}" type="datetime1">
               <a:rPr lang="en-US" smtClean="0"/>
               <a:t>16-Jan-25</a:t>
             </a:fld>
@@ -13871,7 +14258,7 @@
           <a:bodyPr/>
           <a:lstStyle/>
           <a:p>
-            <a:fld id="{A1E45834-53BD-4C8F-B791-CD5378F4150E}" type="datetimeFigureOut">
+            <a:fld id="{0FEE7A50-B30D-4B5E-BF08-776391A61F24}" type="datetime1">
               <a:rPr lang="en-US" smtClean="0"/>
               <a:t>16-Jan-25</a:t>
             </a:fld>
@@ -14110,7 +14497,7 @@
             </a:lvl1pPr>
           </a:lstStyle>
           <a:p>
-            <a:fld id="{A1E45834-53BD-4C8F-B791-CD5378F4150E}" type="datetimeFigureOut">
+            <a:fld id="{8384E3D2-44B5-4E5E-BE15-57BBCFA6695D}" type="datetime1">
               <a:rPr lang="en-US" smtClean="0"/>
               <a:t>16-Jan-25</a:t>
             </a:fld>
@@ -14268,6 +14655,7 @@
     <p:sldLayoutId id="2147483662" r:id="rId10"/>
     <p:sldLayoutId id="2147483661" r:id="rId11"/>
   </p:sldLayoutIdLst>
+  <p:hf hdr="0" ftr="0" dt="0"/>
   <p:txStyles>
     <p:titleStyle>
       <a:lvl1pPr algn="l" defTabSz="914400" rtl="0" eaLnBrk="1" latinLnBrk="0" hangingPunct="1">
@@ -14873,7 +15261,7 @@
                   <a:srgbClr val="FFFFFF"/>
                 </a:solidFill>
               </a:rPr>
-              <a:t>A presentation by</a:t>
+              <a:t>A presentation by:</a:t>
             </a:r>
             <a:endParaRPr lang="bs-Latn-BA" sz="1500" dirty="0">
               <a:solidFill>
@@ -15246,6 +15634,35 @@
           </a:p>
         </p:txBody>
       </p:sp>
+      <p:sp>
+        <p:nvSpPr>
+          <p:cNvPr id="6" name="Slide Number Placeholder 5">
+            <a:extLst>
+              <a:ext uri="{FF2B5EF4-FFF2-40B4-BE49-F238E27FC236}">
+                <a16:creationId xmlns:a16="http://schemas.microsoft.com/office/drawing/2014/main" id="{EA7D65DE-B03B-A7A5-B753-AF31A09A7A23}"/>
+              </a:ext>
+            </a:extLst>
+          </p:cNvPr>
+          <p:cNvSpPr>
+            <a:spLocks noGrp="1"/>
+          </p:cNvSpPr>
+          <p:nvPr>
+            <p:ph type="sldNum" sz="quarter" idx="12"/>
+          </p:nvPr>
+        </p:nvSpPr>
+        <p:spPr/>
+        <p:txBody>
+          <a:bodyPr/>
+          <a:lstStyle/>
+          <a:p>
+            <a:fld id="{719D7796-F675-488F-AC46-C88938C80352}" type="slidenum">
+              <a:rPr lang="en-US" smtClean="0"/>
+              <a:t>1</a:t>
+            </a:fld>
+            <a:endParaRPr lang="en-US"/>
+          </a:p>
+        </p:txBody>
+      </p:sp>
     </p:spTree>
     <p:extLst>
       <p:ext uri="{BB962C8B-B14F-4D97-AF65-F5344CB8AC3E}">
@@ -15329,27 +15746,72 @@
           <a:lstStyle/>
           <a:p>
             <a:r>
-              <a:rPr lang="en-US" dirty="0"/>
-              <a:t>[FR1] The system shall allow new student users to register on the platform using their respective institutional accounts.</a:t>
+              <a:rPr lang="en-US" b="1" dirty="0"/>
+              <a:t>[FR1]</a:t>
             </a:r>
-          </a:p>
-          <a:p>
             <a:r>
               <a:rPr lang="en-US" dirty="0"/>
-              <a:t>[FR16] The system shall allow each field to be configured as public or private, provided that data is present in the respective field.</a:t>
+              <a:t> The system shall allow new student users to register on the platform using their respective institutional accounts.</a:t>
             </a:r>
           </a:p>
           <a:p>
+            <a:r>
+              <a:rPr lang="en-US" b="1" dirty="0"/>
+              <a:t>[FR16]</a:t>
+            </a:r>
             <a:r>
               <a:rPr lang="en-US" dirty="0"/>
-              <a:t>[FR18] The system shall allow all users to provide public hyperlinks to other platforms which the system shall display in a format that clearly indicates the platform to which the hyperlink leads to.</a:t>
+              <a:t> The system shall allow each field to be configured as public or private, provided that data is present in the respective field.</a:t>
             </a:r>
           </a:p>
           <a:p>
+            <a:r>
+              <a:rPr lang="en-US" b="1" dirty="0"/>
+              <a:t>[FR18]</a:t>
+            </a:r>
             <a:r>
               <a:rPr lang="en-US" dirty="0"/>
-              <a:t>[FR26] The system shall analyze the profile of the student user upon lo- gin and recommend 3 internship advertisements based on matching qualifications and background, and display these recommendations prominently to the student user.</a:t>
+              <a:t> The system shall allow all users to provide public hyperlinks to other platforms which the system shall display in a format that clearly indicates the platform to which the hyperlink leads to.</a:t>
             </a:r>
+          </a:p>
+          <a:p>
+            <a:r>
+              <a:rPr lang="en-US" b="1" dirty="0"/>
+              <a:t>[FR26]</a:t>
+            </a:r>
+            <a:r>
+              <a:rPr lang="en-US" dirty="0"/>
+              <a:t> The system shall analyze the profile of the student user upon lo- gin and recommend 3 internship advertisements based on matching qualifications and background, and display these recommendations prominently to the student user.</a:t>
+            </a:r>
+          </a:p>
+        </p:txBody>
+      </p:sp>
+      <p:sp>
+        <p:nvSpPr>
+          <p:cNvPr id="6" name="Slide Number Placeholder 5">
+            <a:extLst>
+              <a:ext uri="{FF2B5EF4-FFF2-40B4-BE49-F238E27FC236}">
+                <a16:creationId xmlns:a16="http://schemas.microsoft.com/office/drawing/2014/main" id="{289E4251-4A8E-85B1-053B-EB75FAF77F03}"/>
+              </a:ext>
+            </a:extLst>
+          </p:cNvPr>
+          <p:cNvSpPr>
+            <a:spLocks noGrp="1"/>
+          </p:cNvSpPr>
+          <p:nvPr>
+            <p:ph type="sldNum" sz="quarter" idx="12"/>
+          </p:nvPr>
+        </p:nvSpPr>
+        <p:spPr/>
+        <p:txBody>
+          <a:bodyPr/>
+          <a:lstStyle/>
+          <a:p>
+            <a:fld id="{719D7796-F675-488F-AC46-C88938C80352}" type="slidenum">
+              <a:rPr lang="en-US" smtClean="0"/>
+              <a:t>10</a:t>
+            </a:fld>
+            <a:endParaRPr lang="en-US"/>
           </a:p>
         </p:txBody>
       </p:sp>
@@ -15426,6 +15888,11 @@
           </p:cNvGraphicFramePr>
           <p:nvPr>
             <p:ph idx="1"/>
+            <p:extLst>
+              <p:ext uri="{D42A27DB-BD31-4B8C-83A1-F6EECF244321}">
+                <p14:modId xmlns:p14="http://schemas.microsoft.com/office/powerpoint/2010/main" val="1560535307"/>
+              </p:ext>
+            </p:extLst>
           </p:nvPr>
         </p:nvGraphicFramePr>
         <p:xfrm>
@@ -15438,6 +15905,35 @@
           </a:graphicData>
         </a:graphic>
       </p:graphicFrame>
+      <p:sp>
+        <p:nvSpPr>
+          <p:cNvPr id="3" name="Slide Number Placeholder 2">
+            <a:extLst>
+              <a:ext uri="{FF2B5EF4-FFF2-40B4-BE49-F238E27FC236}">
+                <a16:creationId xmlns:a16="http://schemas.microsoft.com/office/drawing/2014/main" id="{77C21A74-C5CE-C50E-09F0-5B217EEFB741}"/>
+              </a:ext>
+            </a:extLst>
+          </p:cNvPr>
+          <p:cNvSpPr>
+            <a:spLocks noGrp="1"/>
+          </p:cNvSpPr>
+          <p:nvPr>
+            <p:ph type="sldNum" sz="quarter" idx="12"/>
+          </p:nvPr>
+        </p:nvSpPr>
+        <p:spPr/>
+        <p:txBody>
+          <a:bodyPr/>
+          <a:lstStyle/>
+          <a:p>
+            <a:fld id="{719D7796-F675-488F-AC46-C88938C80352}" type="slidenum">
+              <a:rPr lang="en-US" smtClean="0"/>
+              <a:t>11</a:t>
+            </a:fld>
+            <a:endParaRPr lang="en-US"/>
+          </a:p>
+        </p:txBody>
+      </p:sp>
     </p:spTree>
     <p:extLst>
       <p:ext uri="{BB962C8B-B14F-4D97-AF65-F5344CB8AC3E}">
@@ -15528,6 +16024,35 @@
           </a:graphicData>
         </a:graphic>
       </p:graphicFrame>
+      <p:sp>
+        <p:nvSpPr>
+          <p:cNvPr id="3" name="Slide Number Placeholder 2">
+            <a:extLst>
+              <a:ext uri="{FF2B5EF4-FFF2-40B4-BE49-F238E27FC236}">
+                <a16:creationId xmlns:a16="http://schemas.microsoft.com/office/drawing/2014/main" id="{931304E4-107D-9BF6-4989-FE6942FA72EF}"/>
+              </a:ext>
+            </a:extLst>
+          </p:cNvPr>
+          <p:cNvSpPr>
+            <a:spLocks noGrp="1"/>
+          </p:cNvSpPr>
+          <p:nvPr>
+            <p:ph type="sldNum" sz="quarter" idx="12"/>
+          </p:nvPr>
+        </p:nvSpPr>
+        <p:spPr/>
+        <p:txBody>
+          <a:bodyPr/>
+          <a:lstStyle/>
+          <a:p>
+            <a:fld id="{719D7796-F675-488F-AC46-C88938C80352}" type="slidenum">
+              <a:rPr lang="en-US" smtClean="0"/>
+              <a:t>12</a:t>
+            </a:fld>
+            <a:endParaRPr lang="en-US"/>
+          </a:p>
+        </p:txBody>
+      </p:sp>
     </p:spTree>
     <p:extLst>
       <p:ext uri="{BB962C8B-B14F-4D97-AF65-F5344CB8AC3E}">
@@ -15820,6 +16345,35 @@
           </a:prstGeom>
         </p:spPr>
       </p:pic>
+      <p:sp>
+        <p:nvSpPr>
+          <p:cNvPr id="3" name="Slide Number Placeholder 2">
+            <a:extLst>
+              <a:ext uri="{FF2B5EF4-FFF2-40B4-BE49-F238E27FC236}">
+                <a16:creationId xmlns:a16="http://schemas.microsoft.com/office/drawing/2014/main" id="{66A1EF32-B747-4E4D-56D4-89C0A236C85F}"/>
+              </a:ext>
+            </a:extLst>
+          </p:cNvPr>
+          <p:cNvSpPr>
+            <a:spLocks noGrp="1"/>
+          </p:cNvSpPr>
+          <p:nvPr>
+            <p:ph type="sldNum" sz="quarter" idx="12"/>
+          </p:nvPr>
+        </p:nvSpPr>
+        <p:spPr/>
+        <p:txBody>
+          <a:bodyPr/>
+          <a:lstStyle/>
+          <a:p>
+            <a:fld id="{719D7796-F675-488F-AC46-C88938C80352}" type="slidenum">
+              <a:rPr lang="en-US" smtClean="0"/>
+              <a:t>13</a:t>
+            </a:fld>
+            <a:endParaRPr lang="en-US"/>
+          </a:p>
+        </p:txBody>
+      </p:sp>
     </p:spTree>
     <p:extLst>
       <p:ext uri="{BB962C8B-B14F-4D97-AF65-F5344CB8AC3E}">
@@ -15834,650 +16388,6 @@
 </file>
 
 <file path=ppt/slides/slide14.xml><?xml version="1.0" encoding="utf-8"?>
-<p:sld xmlns:a="http://schemas.openxmlformats.org/drawingml/2006/main" xmlns:r="http://schemas.openxmlformats.org/officeDocument/2006/relationships" xmlns:p="http://schemas.openxmlformats.org/presentationml/2006/main">
-  <p:cSld>
-    <p:spTree>
-      <p:nvGrpSpPr>
-        <p:cNvPr id="1" name=""/>
-        <p:cNvGrpSpPr/>
-        <p:nvPr/>
-      </p:nvGrpSpPr>
-      <p:grpSpPr>
-        <a:xfrm>
-          <a:off x="0" y="0"/>
-          <a:ext cx="0" cy="0"/>
-          <a:chOff x="0" y="0"/>
-          <a:chExt cx="0" cy="0"/>
-        </a:xfrm>
-      </p:grpSpPr>
-      <p:pic>
-        <p:nvPicPr>
-          <p:cNvPr id="5" name="Content Placeholder 4" descr="A diagram of a software system&#10;&#10;Description automatically generated">
-            <a:extLst>
-              <a:ext uri="{FF2B5EF4-FFF2-40B4-BE49-F238E27FC236}">
-                <a16:creationId xmlns:a16="http://schemas.microsoft.com/office/drawing/2014/main" id="{F1301859-239B-7E8E-CE03-BCC7C98ED802}"/>
-              </a:ext>
-            </a:extLst>
-          </p:cNvPr>
-          <p:cNvPicPr>
-            <a:picLocks noGrp="1" noChangeAspect="1"/>
-          </p:cNvPicPr>
-          <p:nvPr>
-            <p:ph idx="1"/>
-          </p:nvPr>
-        </p:nvPicPr>
-        <p:blipFill>
-          <a:blip r:embed="rId2">
-            <a:extLst>
-              <a:ext uri="{28A0092B-C50C-407E-A947-70E740481C1C}">
-                <a14:useLocalDpi xmlns:a14="http://schemas.microsoft.com/office/drawing/2010/main" val="0"/>
-              </a:ext>
-            </a:extLst>
-          </a:blip>
-          <a:stretch>
-            <a:fillRect/>
-          </a:stretch>
-        </p:blipFill>
-        <p:spPr>
-          <a:xfrm>
-            <a:off x="2486678" y="831748"/>
-            <a:ext cx="7218643" cy="5782234"/>
-          </a:xfrm>
-        </p:spPr>
-      </p:pic>
-      <p:sp>
-        <p:nvSpPr>
-          <p:cNvPr id="8" name="Title 1">
-            <a:extLst>
-              <a:ext uri="{FF2B5EF4-FFF2-40B4-BE49-F238E27FC236}">
-                <a16:creationId xmlns:a16="http://schemas.microsoft.com/office/drawing/2014/main" id="{686CEC19-05C7-3430-0036-6CE2942C7A14}"/>
-              </a:ext>
-            </a:extLst>
-          </p:cNvPr>
-          <p:cNvSpPr>
-            <a:spLocks noGrp="1"/>
-          </p:cNvSpPr>
-          <p:nvPr>
-            <p:ph type="title"/>
-          </p:nvPr>
-        </p:nvSpPr>
-        <p:spPr>
-          <a:xfrm>
-            <a:off x="116852" y="244018"/>
-            <a:ext cx="2834578" cy="744766"/>
-          </a:xfrm>
-        </p:spPr>
-        <p:txBody>
-          <a:bodyPr>
-            <a:normAutofit/>
-          </a:bodyPr>
-          <a:lstStyle/>
-          <a:p>
-            <a:r>
-              <a:rPr lang="en-US" sz="2400" dirty="0"/>
-              <a:t>Component View Diagram</a:t>
-            </a:r>
-          </a:p>
-        </p:txBody>
-      </p:sp>
-    </p:spTree>
-    <p:extLst>
-      <p:ext uri="{BB962C8B-B14F-4D97-AF65-F5344CB8AC3E}">
-        <p14:creationId xmlns:p14="http://schemas.microsoft.com/office/powerpoint/2010/main" val="3188986996"/>
-      </p:ext>
-    </p:extLst>
-  </p:cSld>
-  <p:clrMapOvr>
-    <a:masterClrMapping/>
-  </p:clrMapOvr>
-</p:sld>
-</file>
-
-<file path=ppt/slides/slide15.xml><?xml version="1.0" encoding="utf-8"?>
-<p:sld xmlns:a="http://schemas.openxmlformats.org/drawingml/2006/main" xmlns:r="http://schemas.openxmlformats.org/officeDocument/2006/relationships" xmlns:p="http://schemas.openxmlformats.org/presentationml/2006/main">
-  <p:cSld>
-    <p:spTree>
-      <p:nvGrpSpPr>
-        <p:cNvPr id="1" name=""/>
-        <p:cNvGrpSpPr/>
-        <p:nvPr/>
-      </p:nvGrpSpPr>
-      <p:grpSpPr>
-        <a:xfrm>
-          <a:off x="0" y="0"/>
-          <a:ext cx="0" cy="0"/>
-          <a:chOff x="0" y="0"/>
-          <a:chExt cx="0" cy="0"/>
-        </a:xfrm>
-      </p:grpSpPr>
-      <p:sp>
-        <p:nvSpPr>
-          <p:cNvPr id="2" name="Title 1">
-            <a:extLst>
-              <a:ext uri="{FF2B5EF4-FFF2-40B4-BE49-F238E27FC236}">
-                <a16:creationId xmlns:a16="http://schemas.microsoft.com/office/drawing/2014/main" id="{55E6FA9A-FE89-44FC-57EE-DCD66BDB2928}"/>
-              </a:ext>
-            </a:extLst>
-          </p:cNvPr>
-          <p:cNvSpPr>
-            <a:spLocks noGrp="1"/>
-          </p:cNvSpPr>
-          <p:nvPr>
-            <p:ph type="title"/>
-          </p:nvPr>
-        </p:nvSpPr>
-        <p:spPr/>
-        <p:txBody>
-          <a:bodyPr/>
-          <a:lstStyle/>
-          <a:p>
-            <a:r>
-              <a:rPr lang="en-US"/>
-              <a:t>Components Listed</a:t>
-            </a:r>
-            <a:endParaRPr lang="en-US" dirty="0"/>
-          </a:p>
-        </p:txBody>
-      </p:sp>
-      <p:sp>
-        <p:nvSpPr>
-          <p:cNvPr id="3" name="Content Placeholder 2">
-            <a:extLst>
-              <a:ext uri="{FF2B5EF4-FFF2-40B4-BE49-F238E27FC236}">
-                <a16:creationId xmlns:a16="http://schemas.microsoft.com/office/drawing/2014/main" id="{27E75447-1DE9-0832-113A-8FAAC483FC31}"/>
-              </a:ext>
-            </a:extLst>
-          </p:cNvPr>
-          <p:cNvSpPr>
-            <a:spLocks noGrp="1"/>
-          </p:cNvSpPr>
-          <p:nvPr>
-            <p:ph idx="1"/>
-          </p:nvPr>
-        </p:nvSpPr>
-        <p:spPr/>
-        <p:txBody>
-          <a:bodyPr>
-            <a:normAutofit fontScale="70000" lnSpcReduction="20000"/>
-          </a:bodyPr>
-          <a:lstStyle/>
-          <a:p>
-            <a:r>
-              <a:rPr lang="en-US" b="1" dirty="0" err="1"/>
-              <a:t>ApplicationManager</a:t>
-            </a:r>
-            <a:r>
-              <a:rPr lang="en-US" dirty="0"/>
-              <a:t>: Processes student internship applications, including stage transitions, rejections, acceptances, and internship initialization.</a:t>
-            </a:r>
-          </a:p>
-          <a:p>
-            <a:r>
-              <a:rPr lang="en-US" b="1" dirty="0" err="1"/>
-              <a:t>AuthenticationManager</a:t>
-            </a:r>
-            <a:r>
-              <a:rPr lang="en-US" dirty="0"/>
-              <a:t>: Handles user authentication and routes authentication requests to institutional authenticators.</a:t>
-            </a:r>
-          </a:p>
-          <a:p>
-            <a:r>
-              <a:rPr lang="en-US" b="1" dirty="0" err="1"/>
-              <a:t>ComplaintManager</a:t>
-            </a:r>
-            <a:r>
-              <a:rPr lang="en-US" dirty="0"/>
-              <a:t>: Processes the submission of complaints during active internships.</a:t>
-            </a:r>
-          </a:p>
-          <a:p>
-            <a:r>
-              <a:rPr lang="en-US" b="1" dirty="0" err="1"/>
-              <a:t>FeedbackManager</a:t>
-            </a:r>
-            <a:r>
-              <a:rPr lang="en-US" dirty="0"/>
-              <a:t>: Processes feedback for users involved in internships.</a:t>
-            </a:r>
-          </a:p>
-          <a:p>
-            <a:r>
-              <a:rPr lang="en-US" b="1" dirty="0" err="1"/>
-              <a:t>InternshipManager</a:t>
-            </a:r>
-            <a:r>
-              <a:rPr lang="en-US" dirty="0"/>
-              <a:t>: Manages internships and the associated users. Handles user state transitions during internships and initiates feedback requests.</a:t>
-            </a:r>
-          </a:p>
-          <a:p>
-            <a:r>
-              <a:rPr lang="en-US" b="1" dirty="0" err="1"/>
-              <a:t>RecommendationManager</a:t>
-            </a:r>
-            <a:r>
-              <a:rPr lang="en-US" dirty="0"/>
-              <a:t>: Provides recommendations to students based on user data.</a:t>
-            </a:r>
-          </a:p>
-          <a:p>
-            <a:pPr marL="0" indent="0">
-              <a:buNone/>
-            </a:pPr>
-            <a:r>
-              <a:rPr lang="en-US" b="1" dirty="0"/>
-              <a:t>Presentation Layer and Database Layer components:</a:t>
-            </a:r>
-          </a:p>
-          <a:p>
-            <a:r>
-              <a:rPr lang="en-US" b="1" dirty="0"/>
-              <a:t>Database</a:t>
-            </a:r>
-            <a:r>
-              <a:rPr lang="en-US" dirty="0"/>
-              <a:t>: Stores platform data (Layer 3).</a:t>
-            </a:r>
-          </a:p>
-          <a:p>
-            <a:r>
-              <a:rPr lang="en-US" b="1" dirty="0"/>
-              <a:t>Institutional Authenticator</a:t>
-            </a:r>
-            <a:r>
-              <a:rPr lang="en-US" dirty="0"/>
-              <a:t>: An external service whose API enables institutional login for users.</a:t>
-            </a:r>
-          </a:p>
-          <a:p>
-            <a:r>
-              <a:rPr lang="en-US" b="1" dirty="0"/>
-              <a:t>S&amp;C Web App Instance</a:t>
-            </a:r>
-            <a:r>
-              <a:rPr lang="en-US" dirty="0"/>
-              <a:t>: An instance of the web application (Layer 1).</a:t>
-            </a:r>
-          </a:p>
-        </p:txBody>
-      </p:sp>
-    </p:spTree>
-    <p:extLst>
-      <p:ext uri="{BB962C8B-B14F-4D97-AF65-F5344CB8AC3E}">
-        <p14:creationId xmlns:p14="http://schemas.microsoft.com/office/powerpoint/2010/main" val="2824940603"/>
-      </p:ext>
-    </p:extLst>
-  </p:cSld>
-  <p:clrMapOvr>
-    <a:masterClrMapping/>
-  </p:clrMapOvr>
-</p:sld>
-</file>
-
-<file path=ppt/slides/slide16.xml><?xml version="1.0" encoding="utf-8"?>
-<p:sld xmlns:a="http://schemas.openxmlformats.org/drawingml/2006/main" xmlns:r="http://schemas.openxmlformats.org/officeDocument/2006/relationships" xmlns:p="http://schemas.openxmlformats.org/presentationml/2006/main">
-  <p:cSld>
-    <p:spTree>
-      <p:nvGrpSpPr>
-        <p:cNvPr id="1" name=""/>
-        <p:cNvGrpSpPr/>
-        <p:nvPr/>
-      </p:nvGrpSpPr>
-      <p:grpSpPr>
-        <a:xfrm>
-          <a:off x="0" y="0"/>
-          <a:ext cx="0" cy="0"/>
-          <a:chOff x="0" y="0"/>
-          <a:chExt cx="0" cy="0"/>
-        </a:xfrm>
-      </p:grpSpPr>
-      <p:sp>
-        <p:nvSpPr>
-          <p:cNvPr id="2" name="Title 1">
-            <a:extLst>
-              <a:ext uri="{FF2B5EF4-FFF2-40B4-BE49-F238E27FC236}">
-                <a16:creationId xmlns:a16="http://schemas.microsoft.com/office/drawing/2014/main" id="{B30639DB-6E81-ABAD-9859-6BFF24EFC747}"/>
-              </a:ext>
-            </a:extLst>
-          </p:cNvPr>
-          <p:cNvSpPr>
-            <a:spLocks noGrp="1"/>
-          </p:cNvSpPr>
-          <p:nvPr>
-            <p:ph type="title"/>
-          </p:nvPr>
-        </p:nvSpPr>
-        <p:spPr/>
-        <p:txBody>
-          <a:bodyPr>
-            <a:normAutofit/>
-          </a:bodyPr>
-          <a:lstStyle/>
-          <a:p>
-            <a:r>
-              <a:rPr lang="en-US" sz="3600" dirty="0"/>
-              <a:t>Architectural Styles and Patters</a:t>
-            </a:r>
-          </a:p>
-        </p:txBody>
-      </p:sp>
-      <p:pic>
-        <p:nvPicPr>
-          <p:cNvPr id="7" name="Picture 6" descr="A logo of a company&#10;&#10;Description automatically generated">
-            <a:extLst>
-              <a:ext uri="{FF2B5EF4-FFF2-40B4-BE49-F238E27FC236}">
-                <a16:creationId xmlns:a16="http://schemas.microsoft.com/office/drawing/2014/main" id="{D51033CB-F549-3CE6-E5B5-67E7B13202ED}"/>
-              </a:ext>
-            </a:extLst>
-          </p:cNvPr>
-          <p:cNvPicPr>
-            <a:picLocks noChangeAspect="1"/>
-          </p:cNvPicPr>
-          <p:nvPr/>
-        </p:nvPicPr>
-        <p:blipFill>
-          <a:blip r:embed="rId2">
-            <a:extLst>
-              <a:ext uri="{28A0092B-C50C-407E-A947-70E740481C1C}">
-                <a14:useLocalDpi xmlns:a14="http://schemas.microsoft.com/office/drawing/2010/main" val="0"/>
-              </a:ext>
-            </a:extLst>
-          </a:blip>
-          <a:stretch>
-            <a:fillRect/>
-          </a:stretch>
-        </p:blipFill>
-        <p:spPr>
-          <a:xfrm>
-            <a:off x="10098127" y="378032"/>
-            <a:ext cx="1825545" cy="1093806"/>
-          </a:xfrm>
-          <a:prstGeom prst="rect">
-            <a:avLst/>
-          </a:prstGeom>
-        </p:spPr>
-      </p:pic>
-      <p:sp>
-        <p:nvSpPr>
-          <p:cNvPr id="9" name="Content Placeholder 8">
-            <a:extLst>
-              <a:ext uri="{FF2B5EF4-FFF2-40B4-BE49-F238E27FC236}">
-                <a16:creationId xmlns:a16="http://schemas.microsoft.com/office/drawing/2014/main" id="{8AC2B36E-09CF-7503-A90E-0E0C03693177}"/>
-              </a:ext>
-            </a:extLst>
-          </p:cNvPr>
-          <p:cNvSpPr>
-            <a:spLocks noGrp="1"/>
-          </p:cNvSpPr>
-          <p:nvPr>
-            <p:ph idx="1"/>
-          </p:nvPr>
-        </p:nvSpPr>
-        <p:spPr>
-          <a:xfrm>
-            <a:off x="1088136" y="1950152"/>
-            <a:ext cx="8560689" cy="2069587"/>
-          </a:xfrm>
-        </p:spPr>
-        <p:txBody>
-          <a:bodyPr/>
-          <a:lstStyle/>
-          <a:p>
-            <a:r>
-              <a:rPr lang="en-US" dirty="0"/>
-              <a:t>All implemented using Amazon Web Services (AWS)</a:t>
-            </a:r>
-          </a:p>
-          <a:p>
-            <a:r>
-              <a:rPr lang="en-US" dirty="0"/>
-              <a:t>Three tier Architecture</a:t>
-            </a:r>
-          </a:p>
-          <a:p>
-            <a:r>
-              <a:rPr lang="en-US" dirty="0"/>
-              <a:t>Model View Controller Pattern</a:t>
-            </a:r>
-          </a:p>
-          <a:p>
-            <a:r>
-              <a:rPr lang="en-US"/>
-              <a:t>Façade Pattern</a:t>
-            </a:r>
-            <a:endParaRPr lang="en-US" dirty="0"/>
-          </a:p>
-        </p:txBody>
-      </p:sp>
-      <p:pic>
-        <p:nvPicPr>
-          <p:cNvPr id="13" name="Picture 12" descr="A diagram of a block&#10;&#10;Description automatically generated">
-            <a:extLst>
-              <a:ext uri="{FF2B5EF4-FFF2-40B4-BE49-F238E27FC236}">
-                <a16:creationId xmlns:a16="http://schemas.microsoft.com/office/drawing/2014/main" id="{482685BC-B0B0-A5BE-48D5-B85C0C7D2DBE}"/>
-              </a:ext>
-            </a:extLst>
-          </p:cNvPr>
-          <p:cNvPicPr>
-            <a:picLocks noChangeAspect="1"/>
-          </p:cNvPicPr>
-          <p:nvPr/>
-        </p:nvPicPr>
-        <p:blipFill>
-          <a:blip r:embed="rId3">
-            <a:extLst>
-              <a:ext uri="{28A0092B-C50C-407E-A947-70E740481C1C}">
-                <a14:useLocalDpi xmlns:a14="http://schemas.microsoft.com/office/drawing/2010/main" val="0"/>
-              </a:ext>
-            </a:extLst>
-          </a:blip>
-          <a:stretch>
-            <a:fillRect/>
-          </a:stretch>
-        </p:blipFill>
-        <p:spPr>
-          <a:xfrm>
-            <a:off x="978552" y="4203946"/>
-            <a:ext cx="10234896" cy="2276022"/>
-          </a:xfrm>
-          <a:prstGeom prst="rect">
-            <a:avLst/>
-          </a:prstGeom>
-        </p:spPr>
-      </p:pic>
-    </p:spTree>
-    <p:extLst>
-      <p:ext uri="{BB962C8B-B14F-4D97-AF65-F5344CB8AC3E}">
-        <p14:creationId xmlns:p14="http://schemas.microsoft.com/office/powerpoint/2010/main" val="907964434"/>
-      </p:ext>
-    </p:extLst>
-  </p:cSld>
-  <p:clrMapOvr>
-    <a:masterClrMapping/>
-  </p:clrMapOvr>
-</p:sld>
-</file>
-
-<file path=ppt/slides/slide17.xml><?xml version="1.0" encoding="utf-8"?>
-<p:sld xmlns:a="http://schemas.openxmlformats.org/drawingml/2006/main" xmlns:r="http://schemas.openxmlformats.org/officeDocument/2006/relationships" xmlns:p="http://schemas.openxmlformats.org/presentationml/2006/main">
-  <p:cSld>
-    <p:spTree>
-      <p:nvGrpSpPr>
-        <p:cNvPr id="1" name=""/>
-        <p:cNvGrpSpPr/>
-        <p:nvPr/>
-      </p:nvGrpSpPr>
-      <p:grpSpPr>
-        <a:xfrm>
-          <a:off x="0" y="0"/>
-          <a:ext cx="0" cy="0"/>
-          <a:chOff x="0" y="0"/>
-          <a:chExt cx="0" cy="0"/>
-        </a:xfrm>
-      </p:grpSpPr>
-      <p:sp>
-        <p:nvSpPr>
-          <p:cNvPr id="2" name="Title 1">
-            <a:extLst>
-              <a:ext uri="{FF2B5EF4-FFF2-40B4-BE49-F238E27FC236}">
-                <a16:creationId xmlns:a16="http://schemas.microsoft.com/office/drawing/2014/main" id="{CAE9DC56-1C47-17A6-F65A-7681DF7BD144}"/>
-              </a:ext>
-            </a:extLst>
-          </p:cNvPr>
-          <p:cNvSpPr>
-            <a:spLocks noGrp="1"/>
-          </p:cNvSpPr>
-          <p:nvPr>
-            <p:ph type="title"/>
-          </p:nvPr>
-        </p:nvSpPr>
-        <p:spPr/>
-        <p:txBody>
-          <a:bodyPr>
-            <a:normAutofit fontScale="90000"/>
-          </a:bodyPr>
-          <a:lstStyle/>
-          <a:p>
-            <a:r>
-              <a:rPr lang="en-US" dirty="0"/>
-              <a:t>Implementation, Integration and Testing</a:t>
-            </a:r>
-            <a:br>
-              <a:rPr lang="en-US" dirty="0"/>
-            </a:br>
-            <a:endParaRPr lang="en-US" dirty="0"/>
-          </a:p>
-        </p:txBody>
-      </p:sp>
-      <p:sp>
-        <p:nvSpPr>
-          <p:cNvPr id="3" name="Content Placeholder 2">
-            <a:extLst>
-              <a:ext uri="{FF2B5EF4-FFF2-40B4-BE49-F238E27FC236}">
-                <a16:creationId xmlns:a16="http://schemas.microsoft.com/office/drawing/2014/main" id="{95477F1D-8267-B541-D87C-53D5B741B47F}"/>
-              </a:ext>
-            </a:extLst>
-          </p:cNvPr>
-          <p:cNvSpPr>
-            <a:spLocks noGrp="1"/>
-          </p:cNvSpPr>
-          <p:nvPr>
-            <p:ph idx="1"/>
-          </p:nvPr>
-        </p:nvSpPr>
-        <p:spPr/>
-        <p:txBody>
-          <a:bodyPr/>
-          <a:lstStyle/>
-          <a:p>
-            <a:r>
-              <a:rPr lang="bs-Cyrl-BA" dirty="0"/>
-              <a:t>Унесите овдје шта вам је битно</a:t>
-            </a:r>
-            <a:endParaRPr lang="en-US" dirty="0"/>
-          </a:p>
-        </p:txBody>
-      </p:sp>
-    </p:spTree>
-    <p:extLst>
-      <p:ext uri="{BB962C8B-B14F-4D97-AF65-F5344CB8AC3E}">
-        <p14:creationId xmlns:p14="http://schemas.microsoft.com/office/powerpoint/2010/main" val="3104911057"/>
-      </p:ext>
-    </p:extLst>
-  </p:cSld>
-  <p:clrMapOvr>
-    <a:masterClrMapping/>
-  </p:clrMapOvr>
-</p:sld>
-</file>
-
-<file path=ppt/slides/slide2.xml><?xml version="1.0" encoding="utf-8"?>
-<p:sld xmlns:a="http://schemas.openxmlformats.org/drawingml/2006/main" xmlns:r="http://schemas.openxmlformats.org/officeDocument/2006/relationships" xmlns:p="http://schemas.openxmlformats.org/presentationml/2006/main">
-  <p:cSld>
-    <p:spTree>
-      <p:nvGrpSpPr>
-        <p:cNvPr id="1" name=""/>
-        <p:cNvGrpSpPr/>
-        <p:nvPr/>
-      </p:nvGrpSpPr>
-      <p:grpSpPr>
-        <a:xfrm>
-          <a:off x="0" y="0"/>
-          <a:ext cx="0" cy="0"/>
-          <a:chOff x="0" y="0"/>
-          <a:chExt cx="0" cy="0"/>
-        </a:xfrm>
-      </p:grpSpPr>
-      <p:sp>
-        <p:nvSpPr>
-          <p:cNvPr id="2" name="Title 1">
-            <a:extLst>
-              <a:ext uri="{FF2B5EF4-FFF2-40B4-BE49-F238E27FC236}">
-                <a16:creationId xmlns:a16="http://schemas.microsoft.com/office/drawing/2014/main" id="{87128E23-AF85-30CF-2440-4DDB4110ECE8}"/>
-              </a:ext>
-            </a:extLst>
-          </p:cNvPr>
-          <p:cNvSpPr>
-            <a:spLocks noGrp="1"/>
-          </p:cNvSpPr>
-          <p:nvPr>
-            <p:ph type="title"/>
-          </p:nvPr>
-        </p:nvSpPr>
-        <p:spPr/>
-        <p:txBody>
-          <a:bodyPr/>
-          <a:lstStyle/>
-          <a:p>
-            <a:r>
-              <a:rPr lang="en-US"/>
-              <a:t>Outline</a:t>
-            </a:r>
-            <a:endParaRPr lang="en-US" dirty="0"/>
-          </a:p>
-        </p:txBody>
-      </p:sp>
-      <p:graphicFrame>
-        <p:nvGraphicFramePr>
-          <p:cNvPr id="13" name="Content Placeholder 2">
-            <a:extLst>
-              <a:ext uri="{FF2B5EF4-FFF2-40B4-BE49-F238E27FC236}">
-                <a16:creationId xmlns:a16="http://schemas.microsoft.com/office/drawing/2014/main" id="{6AC01279-C0D1-9102-CADE-B670E58D9BD0}"/>
-              </a:ext>
-            </a:extLst>
-          </p:cNvPr>
-          <p:cNvGraphicFramePr>
-            <a:graphicFrameLocks noGrp="1"/>
-          </p:cNvGraphicFramePr>
-          <p:nvPr>
-            <p:ph idx="1"/>
-          </p:nvPr>
-        </p:nvGraphicFramePr>
-        <p:xfrm>
-          <a:off x="1088136" y="2447778"/>
-          <a:ext cx="9922764" cy="3838722"/>
-        </p:xfrm>
-        <a:graphic>
-          <a:graphicData uri="http://schemas.openxmlformats.org/drawingml/2006/diagram">
-            <dgm:relIds xmlns:dgm="http://schemas.openxmlformats.org/drawingml/2006/diagram" xmlns:r="http://schemas.openxmlformats.org/officeDocument/2006/relationships" r:dm="rId2" r:lo="rId3" r:qs="rId4" r:cs="rId5"/>
-          </a:graphicData>
-        </a:graphic>
-      </p:graphicFrame>
-    </p:spTree>
-    <p:extLst>
-      <p:ext uri="{BB962C8B-B14F-4D97-AF65-F5344CB8AC3E}">
-        <p14:creationId xmlns:p14="http://schemas.microsoft.com/office/powerpoint/2010/main" val="1337332293"/>
-      </p:ext>
-    </p:extLst>
-  </p:cSld>
-  <p:clrMapOvr>
-    <a:masterClrMapping/>
-  </p:clrMapOvr>
-</p:sld>
-</file>
-
-<file path=ppt/slides/slide3.xml><?xml version="1.0" encoding="utf-8"?>
 <p:sld xmlns:a="http://schemas.openxmlformats.org/drawingml/2006/main" xmlns:r="http://schemas.openxmlformats.org/officeDocument/2006/relationships" xmlns:p="http://schemas.openxmlformats.org/presentationml/2006/main">
   <p:cSld>
     <p:bg>
@@ -16502,12 +16412,64 @@
           <a:chExt cx="0" cy="0"/>
         </a:xfrm>
       </p:grpSpPr>
+      <p:cxnSp>
+        <p:nvCxnSpPr>
+          <p:cNvPr id="10" name="Straight Connector 9">
+            <a:extLst>
+              <a:ext uri="{FF2B5EF4-FFF2-40B4-BE49-F238E27FC236}">
+                <a16:creationId xmlns:a16="http://schemas.microsoft.com/office/drawing/2014/main" id="{D8689CE0-64D2-447C-9C1F-872D111D8AC3}"/>
+              </a:ext>
+              <a:ext uri="{C183D7F6-B498-43B3-948B-1728B52AA6E4}">
+                <adec:decorative xmlns:adec="http://schemas.microsoft.com/office/drawing/2017/decorative" val="1"/>
+              </a:ext>
+            </a:extLst>
+          </p:cNvPr>
+          <p:cNvCxnSpPr>
+            <a:cxnSpLocks noGrp="1" noRot="1" noChangeAspect="1" noMove="1" noResize="1" noEditPoints="1" noAdjustHandles="1" noChangeArrowheads="1" noChangeShapeType="1"/>
+          </p:cNvCxnSpPr>
+          <p:nvPr>
+            <p:extLst>
+              <p:ext uri="{386F3935-93C4-4BCD-93E2-E3B085C9AB24}">
+                <p16:designElem xmlns:p16="http://schemas.microsoft.com/office/powerpoint/2015/main" val="1"/>
+              </p:ext>
+            </p:extLst>
+          </p:nvPr>
+        </p:nvCxnSpPr>
+        <p:spPr>
+          <a:xfrm>
+            <a:off x="0" y="1185205"/>
+            <a:ext cx="804195" cy="0"/>
+          </a:xfrm>
+          <a:prstGeom prst="line">
+            <a:avLst/>
+          </a:prstGeom>
+          <a:ln w="85725">
+            <a:solidFill>
+              <a:schemeClr val="tx1"/>
+            </a:solidFill>
+          </a:ln>
+        </p:spPr>
+        <p:style>
+          <a:lnRef idx="1">
+            <a:schemeClr val="accent1"/>
+          </a:lnRef>
+          <a:fillRef idx="0">
+            <a:schemeClr val="accent1"/>
+          </a:fillRef>
+          <a:effectRef idx="0">
+            <a:schemeClr val="accent1"/>
+          </a:effectRef>
+          <a:fontRef idx="minor">
+            <a:schemeClr val="tx1"/>
+          </a:fontRef>
+        </p:style>
+      </p:cxnSp>
       <p:sp useBgFill="1">
         <p:nvSpPr>
-          <p:cNvPr id="9" name="Rectangle 8">
+          <p:cNvPr id="12" name="Rectangle 11">
             <a:extLst>
               <a:ext uri="{FF2B5EF4-FFF2-40B4-BE49-F238E27FC236}">
-                <a16:creationId xmlns:a16="http://schemas.microsoft.com/office/drawing/2014/main" id="{561B1731-39D9-4145-8343-C209E1F09BC7}"/>
+                <a16:creationId xmlns:a16="http://schemas.microsoft.com/office/drawing/2014/main" id="{902D1A37-7C2A-4258-95A8-919D781C6992}"/>
               </a:ext>
               <a:ext uri="{C183D7F6-B498-43B3-948B-1728B52AA6E4}">
                 <adec:decorative xmlns:adec="http://schemas.microsoft.com/office/drawing/2017/decorative" val="1"/>
@@ -16578,12 +16540,123 @@
           </a:p>
         </p:txBody>
       </p:sp>
+      <p:pic>
+        <p:nvPicPr>
+          <p:cNvPr id="6" name="Picture 5" descr="Autoradiogram on white paper">
+            <a:extLst>
+              <a:ext uri="{FF2B5EF4-FFF2-40B4-BE49-F238E27FC236}">
+                <a16:creationId xmlns:a16="http://schemas.microsoft.com/office/drawing/2014/main" id="{51569F94-EBAF-C29D-33A2-AAD9663A65A1}"/>
+              </a:ext>
+            </a:extLst>
+          </p:cNvPr>
+          <p:cNvPicPr>
+            <a:picLocks noChangeAspect="1"/>
+          </p:cNvPicPr>
+          <p:nvPr/>
+        </p:nvPicPr>
+        <p:blipFill>
+          <a:blip r:embed="rId2">
+            <a:alphaModFix/>
+          </a:blip>
+          <a:srcRect b="25000"/>
+          <a:stretch/>
+        </p:blipFill>
+        <p:spPr>
+          <a:xfrm>
+            <a:off x="20" y="10"/>
+            <a:ext cx="12191980" cy="6857990"/>
+          </a:xfrm>
+          <a:prstGeom prst="rect">
+            <a:avLst/>
+          </a:prstGeom>
+        </p:spPr>
+      </p:pic>
+      <p:sp>
+        <p:nvSpPr>
+          <p:cNvPr id="14" name="Rectangle 13">
+            <a:extLst>
+              <a:ext uri="{FF2B5EF4-FFF2-40B4-BE49-F238E27FC236}">
+                <a16:creationId xmlns:a16="http://schemas.microsoft.com/office/drawing/2014/main" id="{5C0776A0-F3D1-AEC9-DE44-3676E3568899}"/>
+              </a:ext>
+              <a:ext uri="{C183D7F6-B498-43B3-948B-1728B52AA6E4}">
+                <adec:decorative xmlns:adec="http://schemas.microsoft.com/office/drawing/2017/decorative" val="1"/>
+              </a:ext>
+            </a:extLst>
+          </p:cNvPr>
+          <p:cNvSpPr>
+            <a:spLocks noGrp="1" noRot="1" noChangeAspect="1" noMove="1" noResize="1" noEditPoints="1" noAdjustHandles="1" noChangeArrowheads="1" noChangeShapeType="1" noTextEdit="1"/>
+          </p:cNvSpPr>
+          <p:nvPr>
+            <p:extLst>
+              <p:ext uri="{386F3935-93C4-4BCD-93E2-E3B085C9AB24}">
+                <p16:designElem xmlns:p16="http://schemas.microsoft.com/office/powerpoint/2015/main" val="1"/>
+              </p:ext>
+            </p:extLst>
+          </p:nvPr>
+        </p:nvSpPr>
+        <p:spPr>
+          <a:xfrm rot="16200000">
+            <a:off x="1010651" y="-1010655"/>
+            <a:ext cx="6858003" cy="8879304"/>
+          </a:xfrm>
+          <a:prstGeom prst="rect">
+            <a:avLst/>
+          </a:prstGeom>
+          <a:gradFill>
+            <a:gsLst>
+              <a:gs pos="0">
+                <a:srgbClr val="000000">
+                  <a:alpha val="36000"/>
+                </a:srgbClr>
+              </a:gs>
+              <a:gs pos="51600">
+                <a:srgbClr val="000000">
+                  <a:alpha val="34000"/>
+                </a:srgbClr>
+              </a:gs>
+              <a:gs pos="100000">
+                <a:srgbClr val="000000">
+                  <a:alpha val="0"/>
+                </a:srgbClr>
+              </a:gs>
+            </a:gsLst>
+            <a:lin ang="5400000" scaled="1"/>
+          </a:gradFill>
+          <a:ln>
+            <a:noFill/>
+          </a:ln>
+        </p:spPr>
+        <p:style>
+          <a:lnRef idx="2">
+            <a:schemeClr val="accent1">
+              <a:shade val="50000"/>
+            </a:schemeClr>
+          </a:lnRef>
+          <a:fillRef idx="1">
+            <a:schemeClr val="accent1"/>
+          </a:fillRef>
+          <a:effectRef idx="0">
+            <a:schemeClr val="accent1"/>
+          </a:effectRef>
+          <a:fontRef idx="minor">
+            <a:schemeClr val="lt1"/>
+          </a:fontRef>
+        </p:style>
+        <p:txBody>
+          <a:bodyPr rtlCol="0" anchor="ctr"/>
+          <a:lstStyle/>
+          <a:p>
+            <a:pPr algn="ctr"/>
+            <a:endParaRPr lang="en-US"/>
+          </a:p>
+        </p:txBody>
+      </p:sp>
       <p:sp>
         <p:nvSpPr>
           <p:cNvPr id="2" name="Title 1">
             <a:extLst>
               <a:ext uri="{FF2B5EF4-FFF2-40B4-BE49-F238E27FC236}">
-                <a16:creationId xmlns:a16="http://schemas.microsoft.com/office/drawing/2014/main" id="{42A46EC9-EF3E-33D1-2FB6-A32B9D0C1DDC}"/>
+                <a16:creationId xmlns:a16="http://schemas.microsoft.com/office/drawing/2014/main" id="{236CA6A0-3ED9-DC1E-075F-6B2263A0F8FE}"/>
               </a:ext>
             </a:extLst>
           </p:cNvPr>
@@ -16596,29 +16669,33 @@
         </p:nvSpPr>
         <p:spPr>
           <a:xfrm>
-            <a:off x="1091203" y="1069848"/>
-            <a:ext cx="6308775" cy="2049620"/>
+            <a:off x="1059318" y="2223018"/>
+            <a:ext cx="7819987" cy="2579642"/>
           </a:xfrm>
         </p:spPr>
         <p:txBody>
-          <a:bodyPr>
+          <a:bodyPr vert="horz" lIns="91440" tIns="45720" rIns="91440" bIns="45720" rtlCol="0" anchor="t">
             <a:normAutofit/>
           </a:bodyPr>
           <a:lstStyle/>
           <a:p>
             <a:r>
-              <a:rPr lang="en-US" sz="6000" dirty="0"/>
-              <a:t>Goals</a:t>
+              <a:rPr lang="en-US" sz="6000" cap="all">
+                <a:solidFill>
+                  <a:srgbClr val="FFFFFF"/>
+                </a:solidFill>
+              </a:rPr>
+              <a:t>Design Document (DD)</a:t>
             </a:r>
           </a:p>
         </p:txBody>
       </p:sp>
       <p:cxnSp>
         <p:nvCxnSpPr>
-          <p:cNvPr id="11" name="Straight Connector 10">
+          <p:cNvPr id="16" name="Straight Connector 15">
             <a:extLst>
               <a:ext uri="{FF2B5EF4-FFF2-40B4-BE49-F238E27FC236}">
-                <a16:creationId xmlns:a16="http://schemas.microsoft.com/office/drawing/2014/main" id="{F0748755-DDBC-46D0-91EC-1212A8EE2B40}"/>
+                <a16:creationId xmlns:a16="http://schemas.microsoft.com/office/drawing/2014/main" id="{B0AA360F-DECB-4836-8FB6-22C4BC3FB02D}"/>
               </a:ext>
               <a:ext uri="{C183D7F6-B498-43B3-948B-1728B52AA6E4}">
                 <adec:decorative xmlns:adec="http://schemas.microsoft.com/office/drawing/2017/decorative" val="1"/>
@@ -16638,7 +16715,1082 @@
         </p:nvCxnSpPr>
         <p:spPr>
           <a:xfrm>
-            <a:off x="0" y="1186683"/>
+            <a:off x="0" y="2335591"/>
+            <a:ext cx="804195" cy="0"/>
+          </a:xfrm>
+          <a:prstGeom prst="line">
+            <a:avLst/>
+          </a:prstGeom>
+          <a:ln w="85725">
+            <a:solidFill>
+              <a:srgbClr val="FFFFFF"/>
+            </a:solidFill>
+          </a:ln>
+        </p:spPr>
+        <p:style>
+          <a:lnRef idx="1">
+            <a:schemeClr val="accent1"/>
+          </a:lnRef>
+          <a:fillRef idx="0">
+            <a:schemeClr val="accent1"/>
+          </a:fillRef>
+          <a:effectRef idx="0">
+            <a:schemeClr val="accent1"/>
+          </a:effectRef>
+          <a:fontRef idx="minor">
+            <a:schemeClr val="tx1"/>
+          </a:fontRef>
+        </p:style>
+      </p:cxnSp>
+      <p:sp>
+        <p:nvSpPr>
+          <p:cNvPr id="4" name="Slide Number Placeholder 3">
+            <a:extLst>
+              <a:ext uri="{FF2B5EF4-FFF2-40B4-BE49-F238E27FC236}">
+                <a16:creationId xmlns:a16="http://schemas.microsoft.com/office/drawing/2014/main" id="{BF13C6F3-24AC-34D1-BC49-16D47EB6EFB5}"/>
+              </a:ext>
+            </a:extLst>
+          </p:cNvPr>
+          <p:cNvSpPr>
+            <a:spLocks noGrp="1"/>
+          </p:cNvSpPr>
+          <p:nvPr>
+            <p:ph type="sldNum" sz="quarter" idx="12"/>
+          </p:nvPr>
+        </p:nvSpPr>
+        <p:spPr>
+          <a:xfrm>
+            <a:off x="10983190" y="6389688"/>
+            <a:ext cx="940296" cy="365125"/>
+          </a:xfrm>
+        </p:spPr>
+        <p:txBody>
+          <a:bodyPr vert="horz" lIns="91440" tIns="45720" rIns="91440" bIns="45720" rtlCol="0" anchor="ctr">
+            <a:normAutofit/>
+          </a:bodyPr>
+          <a:lstStyle/>
+          <a:p>
+            <a:pPr>
+              <a:spcAft>
+                <a:spcPts val="600"/>
+              </a:spcAft>
+            </a:pPr>
+            <a:fld id="{719D7796-F675-488F-AC46-C88938C80352}" type="slidenum">
+              <a:rPr lang="en-US">
+                <a:solidFill>
+                  <a:srgbClr val="FFFFFF"/>
+                </a:solidFill>
+              </a:rPr>
+              <a:pPr>
+                <a:spcAft>
+                  <a:spcPts val="600"/>
+                </a:spcAft>
+              </a:pPr>
+              <a:t>14</a:t>
+            </a:fld>
+            <a:endParaRPr lang="en-US">
+              <a:solidFill>
+                <a:srgbClr val="FFFFFF"/>
+              </a:solidFill>
+            </a:endParaRPr>
+          </a:p>
+        </p:txBody>
+      </p:sp>
+    </p:spTree>
+    <p:extLst>
+      <p:ext uri="{BB962C8B-B14F-4D97-AF65-F5344CB8AC3E}">
+        <p14:creationId xmlns:p14="http://schemas.microsoft.com/office/powerpoint/2010/main" val="104104841"/>
+      </p:ext>
+    </p:extLst>
+  </p:cSld>
+  <p:clrMapOvr>
+    <a:masterClrMapping/>
+  </p:clrMapOvr>
+</p:sld>
+</file>
+
+<file path=ppt/slides/slide15.xml><?xml version="1.0" encoding="utf-8"?>
+<p:sld xmlns:a="http://schemas.openxmlformats.org/drawingml/2006/main" xmlns:r="http://schemas.openxmlformats.org/officeDocument/2006/relationships" xmlns:p="http://schemas.openxmlformats.org/presentationml/2006/main">
+  <p:cSld>
+    <p:spTree>
+      <p:nvGrpSpPr>
+        <p:cNvPr id="1" name=""/>
+        <p:cNvGrpSpPr/>
+        <p:nvPr/>
+      </p:nvGrpSpPr>
+      <p:grpSpPr>
+        <a:xfrm>
+          <a:off x="0" y="0"/>
+          <a:ext cx="0" cy="0"/>
+          <a:chOff x="0" y="0"/>
+          <a:chExt cx="0" cy="0"/>
+        </a:xfrm>
+      </p:grpSpPr>
+      <p:sp>
+        <p:nvSpPr>
+          <p:cNvPr id="2" name="Title 1">
+            <a:extLst>
+              <a:ext uri="{FF2B5EF4-FFF2-40B4-BE49-F238E27FC236}">
+                <a16:creationId xmlns:a16="http://schemas.microsoft.com/office/drawing/2014/main" id="{55E6FA9A-FE89-44FC-57EE-DCD66BDB2928}"/>
+              </a:ext>
+            </a:extLst>
+          </p:cNvPr>
+          <p:cNvSpPr>
+            <a:spLocks noGrp="1"/>
+          </p:cNvSpPr>
+          <p:nvPr>
+            <p:ph type="title"/>
+          </p:nvPr>
+        </p:nvSpPr>
+        <p:spPr/>
+        <p:txBody>
+          <a:bodyPr/>
+          <a:lstStyle/>
+          <a:p>
+            <a:r>
+              <a:rPr lang="en-US"/>
+              <a:t>Components Listed</a:t>
+            </a:r>
+            <a:endParaRPr lang="en-US" dirty="0"/>
+          </a:p>
+        </p:txBody>
+      </p:sp>
+      <p:sp>
+        <p:nvSpPr>
+          <p:cNvPr id="3" name="Content Placeholder 2">
+            <a:extLst>
+              <a:ext uri="{FF2B5EF4-FFF2-40B4-BE49-F238E27FC236}">
+                <a16:creationId xmlns:a16="http://schemas.microsoft.com/office/drawing/2014/main" id="{27E75447-1DE9-0832-113A-8FAAC483FC31}"/>
+              </a:ext>
+            </a:extLst>
+          </p:cNvPr>
+          <p:cNvSpPr>
+            <a:spLocks noGrp="1"/>
+          </p:cNvSpPr>
+          <p:nvPr>
+            <p:ph idx="1"/>
+          </p:nvPr>
+        </p:nvSpPr>
+        <p:spPr>
+          <a:xfrm>
+            <a:off x="1088136" y="1943100"/>
+            <a:ext cx="9922764" cy="4343400"/>
+          </a:xfrm>
+        </p:spPr>
+        <p:txBody>
+          <a:bodyPr>
+            <a:normAutofit fontScale="77500" lnSpcReduction="20000"/>
+          </a:bodyPr>
+          <a:lstStyle/>
+          <a:p>
+            <a:r>
+              <a:rPr lang="en-US" b="1" dirty="0" err="1"/>
+              <a:t>ApplicationManager</a:t>
+            </a:r>
+            <a:r>
+              <a:rPr lang="en-US" dirty="0"/>
+              <a:t>: Processes student internship applications, including stage transitions, rejections, acceptances, and internship initialization.</a:t>
+            </a:r>
+          </a:p>
+          <a:p>
+            <a:r>
+              <a:rPr lang="en-US" b="1" dirty="0" err="1"/>
+              <a:t>AuthenticationManager</a:t>
+            </a:r>
+            <a:r>
+              <a:rPr lang="en-US" dirty="0"/>
+              <a:t>: Handles user authentication and routes authentication requests to institutional authenticators.</a:t>
+            </a:r>
+          </a:p>
+          <a:p>
+            <a:r>
+              <a:rPr lang="en-US" b="1" dirty="0" err="1"/>
+              <a:t>ComplaintManager</a:t>
+            </a:r>
+            <a:r>
+              <a:rPr lang="en-US" dirty="0"/>
+              <a:t>: Processes the submission of complaints during active internships.</a:t>
+            </a:r>
+          </a:p>
+          <a:p>
+            <a:r>
+              <a:rPr lang="en-US" b="1" dirty="0" err="1"/>
+              <a:t>FeedbackManager</a:t>
+            </a:r>
+            <a:r>
+              <a:rPr lang="en-US" dirty="0"/>
+              <a:t>: Processes feedback for users involved in internships.</a:t>
+            </a:r>
+          </a:p>
+          <a:p>
+            <a:r>
+              <a:rPr lang="en-US" b="1" dirty="0" err="1"/>
+              <a:t>InternshipManager</a:t>
+            </a:r>
+            <a:r>
+              <a:rPr lang="en-US" dirty="0"/>
+              <a:t>: Manages internships and the associated users. Handles user state transitions during internships and initiates feedback requests.</a:t>
+            </a:r>
+          </a:p>
+          <a:p>
+            <a:r>
+              <a:rPr lang="en-US" b="1" dirty="0" err="1"/>
+              <a:t>RecommendationManager</a:t>
+            </a:r>
+            <a:r>
+              <a:rPr lang="en-US" dirty="0"/>
+              <a:t>: Provides recommendations to students based on user data.</a:t>
+            </a:r>
+          </a:p>
+          <a:p>
+            <a:pPr marL="0" indent="0">
+              <a:buNone/>
+            </a:pPr>
+            <a:r>
+              <a:rPr lang="en-US" b="1" dirty="0"/>
+              <a:t>Presentation Layer and Database Layer components:</a:t>
+            </a:r>
+          </a:p>
+          <a:p>
+            <a:r>
+              <a:rPr lang="en-US" b="1" dirty="0"/>
+              <a:t>Database</a:t>
+            </a:r>
+            <a:r>
+              <a:rPr lang="en-US" dirty="0"/>
+              <a:t>: Stores platform data (Layer 3).</a:t>
+            </a:r>
+          </a:p>
+          <a:p>
+            <a:r>
+              <a:rPr lang="en-US" b="1" dirty="0"/>
+              <a:t>Institutional Authenticator</a:t>
+            </a:r>
+            <a:r>
+              <a:rPr lang="en-US" dirty="0"/>
+              <a:t>: An external service whose API enables institutional login for users.</a:t>
+            </a:r>
+          </a:p>
+          <a:p>
+            <a:r>
+              <a:rPr lang="en-US" b="1" dirty="0"/>
+              <a:t>S&amp;C Web App Instance</a:t>
+            </a:r>
+            <a:r>
+              <a:rPr lang="en-US" dirty="0"/>
+              <a:t>: An instance of the web application (Layer 1).</a:t>
+            </a:r>
+          </a:p>
+        </p:txBody>
+      </p:sp>
+      <p:sp>
+        <p:nvSpPr>
+          <p:cNvPr id="4" name="Slide Number Placeholder 3">
+            <a:extLst>
+              <a:ext uri="{FF2B5EF4-FFF2-40B4-BE49-F238E27FC236}">
+                <a16:creationId xmlns:a16="http://schemas.microsoft.com/office/drawing/2014/main" id="{AF13555F-215A-358E-18D6-41815C90A98D}"/>
+              </a:ext>
+            </a:extLst>
+          </p:cNvPr>
+          <p:cNvSpPr>
+            <a:spLocks noGrp="1"/>
+          </p:cNvSpPr>
+          <p:nvPr>
+            <p:ph type="sldNum" sz="quarter" idx="12"/>
+          </p:nvPr>
+        </p:nvSpPr>
+        <p:spPr/>
+        <p:txBody>
+          <a:bodyPr/>
+          <a:lstStyle/>
+          <a:p>
+            <a:fld id="{719D7796-F675-488F-AC46-C88938C80352}" type="slidenum">
+              <a:rPr lang="en-US" smtClean="0"/>
+              <a:t>15</a:t>
+            </a:fld>
+            <a:endParaRPr lang="en-US"/>
+          </a:p>
+        </p:txBody>
+      </p:sp>
+    </p:spTree>
+    <p:extLst>
+      <p:ext uri="{BB962C8B-B14F-4D97-AF65-F5344CB8AC3E}">
+        <p14:creationId xmlns:p14="http://schemas.microsoft.com/office/powerpoint/2010/main" val="2824940603"/>
+      </p:ext>
+    </p:extLst>
+  </p:cSld>
+  <p:clrMapOvr>
+    <a:masterClrMapping/>
+  </p:clrMapOvr>
+</p:sld>
+</file>
+
+<file path=ppt/slides/slide16.xml><?xml version="1.0" encoding="utf-8"?>
+<p:sld xmlns:a="http://schemas.openxmlformats.org/drawingml/2006/main" xmlns:r="http://schemas.openxmlformats.org/officeDocument/2006/relationships" xmlns:p="http://schemas.openxmlformats.org/presentationml/2006/main">
+  <p:cSld>
+    <p:spTree>
+      <p:nvGrpSpPr>
+        <p:cNvPr id="1" name=""/>
+        <p:cNvGrpSpPr/>
+        <p:nvPr/>
+      </p:nvGrpSpPr>
+      <p:grpSpPr>
+        <a:xfrm>
+          <a:off x="0" y="0"/>
+          <a:ext cx="0" cy="0"/>
+          <a:chOff x="0" y="0"/>
+          <a:chExt cx="0" cy="0"/>
+        </a:xfrm>
+      </p:grpSpPr>
+      <p:pic>
+        <p:nvPicPr>
+          <p:cNvPr id="5" name="Content Placeholder 4" descr="A diagram of a software system&#10;&#10;Description automatically generated">
+            <a:extLst>
+              <a:ext uri="{FF2B5EF4-FFF2-40B4-BE49-F238E27FC236}">
+                <a16:creationId xmlns:a16="http://schemas.microsoft.com/office/drawing/2014/main" id="{F1301859-239B-7E8E-CE03-BCC7C98ED802}"/>
+              </a:ext>
+            </a:extLst>
+          </p:cNvPr>
+          <p:cNvPicPr>
+            <a:picLocks noGrp="1" noChangeAspect="1"/>
+          </p:cNvPicPr>
+          <p:nvPr>
+            <p:ph idx="1"/>
+          </p:nvPr>
+        </p:nvPicPr>
+        <p:blipFill>
+          <a:blip r:embed="rId2">
+            <a:extLst>
+              <a:ext uri="{28A0092B-C50C-407E-A947-70E740481C1C}">
+                <a14:useLocalDpi xmlns:a14="http://schemas.microsoft.com/office/drawing/2010/main" val="0"/>
+              </a:ext>
+            </a:extLst>
+          </a:blip>
+          <a:stretch>
+            <a:fillRect/>
+          </a:stretch>
+        </p:blipFill>
+        <p:spPr>
+          <a:xfrm>
+            <a:off x="2486678" y="831748"/>
+            <a:ext cx="7218643" cy="5782234"/>
+          </a:xfrm>
+        </p:spPr>
+      </p:pic>
+      <p:sp>
+        <p:nvSpPr>
+          <p:cNvPr id="8" name="Title 1">
+            <a:extLst>
+              <a:ext uri="{FF2B5EF4-FFF2-40B4-BE49-F238E27FC236}">
+                <a16:creationId xmlns:a16="http://schemas.microsoft.com/office/drawing/2014/main" id="{686CEC19-05C7-3430-0036-6CE2942C7A14}"/>
+              </a:ext>
+            </a:extLst>
+          </p:cNvPr>
+          <p:cNvSpPr>
+            <a:spLocks noGrp="1"/>
+          </p:cNvSpPr>
+          <p:nvPr>
+            <p:ph type="title"/>
+          </p:nvPr>
+        </p:nvSpPr>
+        <p:spPr>
+          <a:xfrm>
+            <a:off x="116852" y="244018"/>
+            <a:ext cx="2834578" cy="744766"/>
+          </a:xfrm>
+        </p:spPr>
+        <p:txBody>
+          <a:bodyPr>
+            <a:normAutofit/>
+          </a:bodyPr>
+          <a:lstStyle/>
+          <a:p>
+            <a:r>
+              <a:rPr lang="en-US" sz="2400" dirty="0"/>
+              <a:t>Component View Diagram</a:t>
+            </a:r>
+          </a:p>
+        </p:txBody>
+      </p:sp>
+      <p:sp>
+        <p:nvSpPr>
+          <p:cNvPr id="2" name="Slide Number Placeholder 1">
+            <a:extLst>
+              <a:ext uri="{FF2B5EF4-FFF2-40B4-BE49-F238E27FC236}">
+                <a16:creationId xmlns:a16="http://schemas.microsoft.com/office/drawing/2014/main" id="{E3975ACB-A48C-7196-FCA5-1EC02D19D8CE}"/>
+              </a:ext>
+            </a:extLst>
+          </p:cNvPr>
+          <p:cNvSpPr>
+            <a:spLocks noGrp="1"/>
+          </p:cNvSpPr>
+          <p:nvPr>
+            <p:ph type="sldNum" sz="quarter" idx="12"/>
+          </p:nvPr>
+        </p:nvSpPr>
+        <p:spPr/>
+        <p:txBody>
+          <a:bodyPr/>
+          <a:lstStyle/>
+          <a:p>
+            <a:fld id="{719D7796-F675-488F-AC46-C88938C80352}" type="slidenum">
+              <a:rPr lang="en-US" smtClean="0"/>
+              <a:t>16</a:t>
+            </a:fld>
+            <a:endParaRPr lang="en-US"/>
+          </a:p>
+        </p:txBody>
+      </p:sp>
+    </p:spTree>
+    <p:extLst>
+      <p:ext uri="{BB962C8B-B14F-4D97-AF65-F5344CB8AC3E}">
+        <p14:creationId xmlns:p14="http://schemas.microsoft.com/office/powerpoint/2010/main" val="3188986996"/>
+      </p:ext>
+    </p:extLst>
+  </p:cSld>
+  <p:clrMapOvr>
+    <a:masterClrMapping/>
+  </p:clrMapOvr>
+</p:sld>
+</file>
+
+<file path=ppt/slides/slide17.xml><?xml version="1.0" encoding="utf-8"?>
+<p:sld xmlns:a="http://schemas.openxmlformats.org/drawingml/2006/main" xmlns:r="http://schemas.openxmlformats.org/officeDocument/2006/relationships" xmlns:p="http://schemas.openxmlformats.org/presentationml/2006/main">
+  <p:cSld>
+    <p:spTree>
+      <p:nvGrpSpPr>
+        <p:cNvPr id="1" name=""/>
+        <p:cNvGrpSpPr/>
+        <p:nvPr/>
+      </p:nvGrpSpPr>
+      <p:grpSpPr>
+        <a:xfrm>
+          <a:off x="0" y="0"/>
+          <a:ext cx="0" cy="0"/>
+          <a:chOff x="0" y="0"/>
+          <a:chExt cx="0" cy="0"/>
+        </a:xfrm>
+      </p:grpSpPr>
+      <p:sp>
+        <p:nvSpPr>
+          <p:cNvPr id="6" name="Title 1">
+            <a:extLst>
+              <a:ext uri="{FF2B5EF4-FFF2-40B4-BE49-F238E27FC236}">
+                <a16:creationId xmlns:a16="http://schemas.microsoft.com/office/drawing/2014/main" id="{6E577B74-631C-4750-6C47-ADD66C8D10FB}"/>
+              </a:ext>
+            </a:extLst>
+          </p:cNvPr>
+          <p:cNvSpPr>
+            <a:spLocks noGrp="1"/>
+          </p:cNvSpPr>
+          <p:nvPr>
+            <p:ph type="title"/>
+          </p:nvPr>
+        </p:nvSpPr>
+        <p:spPr>
+          <a:xfrm>
+            <a:off x="116852" y="244018"/>
+            <a:ext cx="3578848" cy="744766"/>
+          </a:xfrm>
+        </p:spPr>
+        <p:txBody>
+          <a:bodyPr>
+            <a:normAutofit/>
+          </a:bodyPr>
+          <a:lstStyle/>
+          <a:p>
+            <a:r>
+              <a:rPr lang="en-US" sz="2400" dirty="0"/>
+              <a:t>[UC6] Runtime View</a:t>
+            </a:r>
+            <a:br>
+              <a:rPr lang="en-US" sz="2400" dirty="0"/>
+            </a:br>
+            <a:r>
+              <a:rPr lang="en-US" sz="2400" dirty="0"/>
+              <a:t>Diagram</a:t>
+            </a:r>
+          </a:p>
+        </p:txBody>
+      </p:sp>
+      <p:pic>
+        <p:nvPicPr>
+          <p:cNvPr id="3" name="Picture 2" descr="A diagram of a diagram&#10;&#10;Description automatically generated">
+            <a:extLst>
+              <a:ext uri="{FF2B5EF4-FFF2-40B4-BE49-F238E27FC236}">
+                <a16:creationId xmlns:a16="http://schemas.microsoft.com/office/drawing/2014/main" id="{ADD6A4E0-14CE-DD71-95C7-1DFEAE2C43DB}"/>
+              </a:ext>
+            </a:extLst>
+          </p:cNvPr>
+          <p:cNvPicPr>
+            <a:picLocks noChangeAspect="1"/>
+          </p:cNvPicPr>
+          <p:nvPr/>
+        </p:nvPicPr>
+        <p:blipFill>
+          <a:blip r:embed="rId2">
+            <a:extLst>
+              <a:ext uri="{28A0092B-C50C-407E-A947-70E740481C1C}">
+                <a14:useLocalDpi xmlns:a14="http://schemas.microsoft.com/office/drawing/2010/main" val="0"/>
+              </a:ext>
+            </a:extLst>
+          </a:blip>
+          <a:stretch>
+            <a:fillRect/>
+          </a:stretch>
+        </p:blipFill>
+        <p:spPr>
+          <a:xfrm>
+            <a:off x="328612" y="1509901"/>
+            <a:ext cx="11534775" cy="4581525"/>
+          </a:xfrm>
+          <a:prstGeom prst="rect">
+            <a:avLst/>
+          </a:prstGeom>
+        </p:spPr>
+      </p:pic>
+      <p:sp>
+        <p:nvSpPr>
+          <p:cNvPr id="4" name="Slide Number Placeholder 3">
+            <a:extLst>
+              <a:ext uri="{FF2B5EF4-FFF2-40B4-BE49-F238E27FC236}">
+                <a16:creationId xmlns:a16="http://schemas.microsoft.com/office/drawing/2014/main" id="{33C59469-6D8A-8BF5-C5BD-3AA6A25243E3}"/>
+              </a:ext>
+            </a:extLst>
+          </p:cNvPr>
+          <p:cNvSpPr>
+            <a:spLocks noGrp="1"/>
+          </p:cNvSpPr>
+          <p:nvPr>
+            <p:ph type="sldNum" sz="quarter" idx="12"/>
+          </p:nvPr>
+        </p:nvSpPr>
+        <p:spPr/>
+        <p:txBody>
+          <a:bodyPr/>
+          <a:lstStyle/>
+          <a:p>
+            <a:fld id="{719D7796-F675-488F-AC46-C88938C80352}" type="slidenum">
+              <a:rPr lang="en-US" smtClean="0"/>
+              <a:t>17</a:t>
+            </a:fld>
+            <a:endParaRPr lang="en-US"/>
+          </a:p>
+        </p:txBody>
+      </p:sp>
+    </p:spTree>
+    <p:extLst>
+      <p:ext uri="{BB962C8B-B14F-4D97-AF65-F5344CB8AC3E}">
+        <p14:creationId xmlns:p14="http://schemas.microsoft.com/office/powerpoint/2010/main" val="2996952182"/>
+      </p:ext>
+    </p:extLst>
+  </p:cSld>
+  <p:clrMapOvr>
+    <a:masterClrMapping/>
+  </p:clrMapOvr>
+</p:sld>
+</file>
+
+<file path=ppt/slides/slide18.xml><?xml version="1.0" encoding="utf-8"?>
+<p:sld xmlns:a="http://schemas.openxmlformats.org/drawingml/2006/main" xmlns:r="http://schemas.openxmlformats.org/officeDocument/2006/relationships" xmlns:p="http://schemas.openxmlformats.org/presentationml/2006/main">
+  <p:cSld>
+    <p:spTree>
+      <p:nvGrpSpPr>
+        <p:cNvPr id="1" name=""/>
+        <p:cNvGrpSpPr/>
+        <p:nvPr/>
+      </p:nvGrpSpPr>
+      <p:grpSpPr>
+        <a:xfrm>
+          <a:off x="0" y="0"/>
+          <a:ext cx="0" cy="0"/>
+          <a:chOff x="0" y="0"/>
+          <a:chExt cx="0" cy="0"/>
+        </a:xfrm>
+      </p:grpSpPr>
+      <p:sp>
+        <p:nvSpPr>
+          <p:cNvPr id="2" name="Title 1">
+            <a:extLst>
+              <a:ext uri="{FF2B5EF4-FFF2-40B4-BE49-F238E27FC236}">
+                <a16:creationId xmlns:a16="http://schemas.microsoft.com/office/drawing/2014/main" id="{B30639DB-6E81-ABAD-9859-6BFF24EFC747}"/>
+              </a:ext>
+            </a:extLst>
+          </p:cNvPr>
+          <p:cNvSpPr>
+            <a:spLocks noGrp="1"/>
+          </p:cNvSpPr>
+          <p:nvPr>
+            <p:ph type="title"/>
+          </p:nvPr>
+        </p:nvSpPr>
+        <p:spPr/>
+        <p:txBody>
+          <a:bodyPr>
+            <a:normAutofit/>
+          </a:bodyPr>
+          <a:lstStyle/>
+          <a:p>
+            <a:r>
+              <a:rPr lang="en-US" sz="3600" dirty="0"/>
+              <a:t>Architectural Styles and Patters</a:t>
+            </a:r>
+          </a:p>
+        </p:txBody>
+      </p:sp>
+      <p:pic>
+        <p:nvPicPr>
+          <p:cNvPr id="7" name="Picture 6" descr="A logo of a company&#10;&#10;Description automatically generated">
+            <a:extLst>
+              <a:ext uri="{FF2B5EF4-FFF2-40B4-BE49-F238E27FC236}">
+                <a16:creationId xmlns:a16="http://schemas.microsoft.com/office/drawing/2014/main" id="{D51033CB-F549-3CE6-E5B5-67E7B13202ED}"/>
+              </a:ext>
+            </a:extLst>
+          </p:cNvPr>
+          <p:cNvPicPr>
+            <a:picLocks noChangeAspect="1"/>
+          </p:cNvPicPr>
+          <p:nvPr/>
+        </p:nvPicPr>
+        <p:blipFill>
+          <a:blip r:embed="rId2">
+            <a:extLst>
+              <a:ext uri="{28A0092B-C50C-407E-A947-70E740481C1C}">
+                <a14:useLocalDpi xmlns:a14="http://schemas.microsoft.com/office/drawing/2010/main" val="0"/>
+              </a:ext>
+            </a:extLst>
+          </a:blip>
+          <a:stretch>
+            <a:fillRect/>
+          </a:stretch>
+        </p:blipFill>
+        <p:spPr>
+          <a:xfrm>
+            <a:off x="10098127" y="378032"/>
+            <a:ext cx="1825545" cy="1093806"/>
+          </a:xfrm>
+          <a:prstGeom prst="rect">
+            <a:avLst/>
+          </a:prstGeom>
+        </p:spPr>
+      </p:pic>
+      <p:sp>
+        <p:nvSpPr>
+          <p:cNvPr id="9" name="Content Placeholder 8">
+            <a:extLst>
+              <a:ext uri="{FF2B5EF4-FFF2-40B4-BE49-F238E27FC236}">
+                <a16:creationId xmlns:a16="http://schemas.microsoft.com/office/drawing/2014/main" id="{8AC2B36E-09CF-7503-A90E-0E0C03693177}"/>
+              </a:ext>
+            </a:extLst>
+          </p:cNvPr>
+          <p:cNvSpPr>
+            <a:spLocks noGrp="1"/>
+          </p:cNvSpPr>
+          <p:nvPr>
+            <p:ph idx="1"/>
+          </p:nvPr>
+        </p:nvSpPr>
+        <p:spPr>
+          <a:xfrm>
+            <a:off x="1088136" y="1950152"/>
+            <a:ext cx="8560689" cy="2069587"/>
+          </a:xfrm>
+        </p:spPr>
+        <p:txBody>
+          <a:bodyPr/>
+          <a:lstStyle/>
+          <a:p>
+            <a:r>
+              <a:rPr lang="en-US" dirty="0"/>
+              <a:t>All implemented using Amazon Web Services (AWS)</a:t>
+            </a:r>
+          </a:p>
+          <a:p>
+            <a:r>
+              <a:rPr lang="en-US" dirty="0"/>
+              <a:t>Three tier Architecture</a:t>
+            </a:r>
+          </a:p>
+          <a:p>
+            <a:r>
+              <a:rPr lang="en-US" dirty="0"/>
+              <a:t>Model View Controller Pattern</a:t>
+            </a:r>
+          </a:p>
+          <a:p>
+            <a:r>
+              <a:rPr lang="en-US"/>
+              <a:t>Façade Pattern</a:t>
+            </a:r>
+            <a:endParaRPr lang="en-US" dirty="0"/>
+          </a:p>
+        </p:txBody>
+      </p:sp>
+      <p:pic>
+        <p:nvPicPr>
+          <p:cNvPr id="13" name="Picture 12" descr="A diagram of a block&#10;&#10;Description automatically generated">
+            <a:extLst>
+              <a:ext uri="{FF2B5EF4-FFF2-40B4-BE49-F238E27FC236}">
+                <a16:creationId xmlns:a16="http://schemas.microsoft.com/office/drawing/2014/main" id="{482685BC-B0B0-A5BE-48D5-B85C0C7D2DBE}"/>
+              </a:ext>
+            </a:extLst>
+          </p:cNvPr>
+          <p:cNvPicPr>
+            <a:picLocks noChangeAspect="1"/>
+          </p:cNvPicPr>
+          <p:nvPr/>
+        </p:nvPicPr>
+        <p:blipFill>
+          <a:blip r:embed="rId3">
+            <a:extLst>
+              <a:ext uri="{28A0092B-C50C-407E-A947-70E740481C1C}">
+                <a14:useLocalDpi xmlns:a14="http://schemas.microsoft.com/office/drawing/2010/main" val="0"/>
+              </a:ext>
+            </a:extLst>
+          </a:blip>
+          <a:stretch>
+            <a:fillRect/>
+          </a:stretch>
+        </p:blipFill>
+        <p:spPr>
+          <a:xfrm>
+            <a:off x="978552" y="4203946"/>
+            <a:ext cx="10234896" cy="2276022"/>
+          </a:xfrm>
+          <a:prstGeom prst="rect">
+            <a:avLst/>
+          </a:prstGeom>
+        </p:spPr>
+      </p:pic>
+      <p:sp>
+        <p:nvSpPr>
+          <p:cNvPr id="3" name="Slide Number Placeholder 2">
+            <a:extLst>
+              <a:ext uri="{FF2B5EF4-FFF2-40B4-BE49-F238E27FC236}">
+                <a16:creationId xmlns:a16="http://schemas.microsoft.com/office/drawing/2014/main" id="{4B5C1FA3-835C-6CFF-57D4-86681B1CAEEA}"/>
+              </a:ext>
+            </a:extLst>
+          </p:cNvPr>
+          <p:cNvSpPr>
+            <a:spLocks noGrp="1"/>
+          </p:cNvSpPr>
+          <p:nvPr>
+            <p:ph type="sldNum" sz="quarter" idx="12"/>
+          </p:nvPr>
+        </p:nvSpPr>
+        <p:spPr/>
+        <p:txBody>
+          <a:bodyPr/>
+          <a:lstStyle/>
+          <a:p>
+            <a:fld id="{719D7796-F675-488F-AC46-C88938C80352}" type="slidenum">
+              <a:rPr lang="en-US" smtClean="0"/>
+              <a:t>18</a:t>
+            </a:fld>
+            <a:endParaRPr lang="en-US"/>
+          </a:p>
+        </p:txBody>
+      </p:sp>
+    </p:spTree>
+    <p:extLst>
+      <p:ext uri="{BB962C8B-B14F-4D97-AF65-F5344CB8AC3E}">
+        <p14:creationId xmlns:p14="http://schemas.microsoft.com/office/powerpoint/2010/main" val="907964434"/>
+      </p:ext>
+    </p:extLst>
+  </p:cSld>
+  <p:clrMapOvr>
+    <a:masterClrMapping/>
+  </p:clrMapOvr>
+</p:sld>
+</file>
+
+<file path=ppt/slides/slide19.xml><?xml version="1.0" encoding="utf-8"?>
+<p:sld xmlns:a="http://schemas.openxmlformats.org/drawingml/2006/main" xmlns:r="http://schemas.openxmlformats.org/officeDocument/2006/relationships" xmlns:p="http://schemas.openxmlformats.org/presentationml/2006/main">
+  <p:cSld>
+    <p:spTree>
+      <p:nvGrpSpPr>
+        <p:cNvPr id="1" name=""/>
+        <p:cNvGrpSpPr/>
+        <p:nvPr/>
+      </p:nvGrpSpPr>
+      <p:grpSpPr>
+        <a:xfrm>
+          <a:off x="0" y="0"/>
+          <a:ext cx="0" cy="0"/>
+          <a:chOff x="0" y="0"/>
+          <a:chExt cx="0" cy="0"/>
+        </a:xfrm>
+      </p:grpSpPr>
+      <p:sp>
+        <p:nvSpPr>
+          <p:cNvPr id="2" name="Title 1">
+            <a:extLst>
+              <a:ext uri="{FF2B5EF4-FFF2-40B4-BE49-F238E27FC236}">
+                <a16:creationId xmlns:a16="http://schemas.microsoft.com/office/drawing/2014/main" id="{CAE9DC56-1C47-17A6-F65A-7681DF7BD144}"/>
+              </a:ext>
+            </a:extLst>
+          </p:cNvPr>
+          <p:cNvSpPr>
+            <a:spLocks noGrp="1"/>
+          </p:cNvSpPr>
+          <p:nvPr>
+            <p:ph type="title"/>
+          </p:nvPr>
+        </p:nvSpPr>
+        <p:spPr/>
+        <p:txBody>
+          <a:bodyPr>
+            <a:normAutofit fontScale="90000"/>
+          </a:bodyPr>
+          <a:lstStyle/>
+          <a:p>
+            <a:r>
+              <a:rPr lang="en-US" dirty="0"/>
+              <a:t>Implementation, Integration and Testing</a:t>
+            </a:r>
+            <a:br>
+              <a:rPr lang="en-US" dirty="0"/>
+            </a:br>
+            <a:endParaRPr lang="en-US" dirty="0"/>
+          </a:p>
+        </p:txBody>
+      </p:sp>
+      <p:sp>
+        <p:nvSpPr>
+          <p:cNvPr id="3" name="Content Placeholder 2">
+            <a:extLst>
+              <a:ext uri="{FF2B5EF4-FFF2-40B4-BE49-F238E27FC236}">
+                <a16:creationId xmlns:a16="http://schemas.microsoft.com/office/drawing/2014/main" id="{95477F1D-8267-B541-D87C-53D5B741B47F}"/>
+              </a:ext>
+            </a:extLst>
+          </p:cNvPr>
+          <p:cNvSpPr>
+            <a:spLocks noGrp="1"/>
+          </p:cNvSpPr>
+          <p:nvPr>
+            <p:ph idx="1"/>
+          </p:nvPr>
+        </p:nvSpPr>
+        <p:spPr/>
+        <p:txBody>
+          <a:bodyPr/>
+          <a:lstStyle/>
+          <a:p>
+            <a:r>
+              <a:rPr lang="bs-Cyrl-BA" dirty="0"/>
+              <a:t>Унесите овдје шта вам је битно</a:t>
+            </a:r>
+            <a:endParaRPr lang="en-US" dirty="0"/>
+          </a:p>
+        </p:txBody>
+      </p:sp>
+      <p:sp>
+        <p:nvSpPr>
+          <p:cNvPr id="4" name="Slide Number Placeholder 3">
+            <a:extLst>
+              <a:ext uri="{FF2B5EF4-FFF2-40B4-BE49-F238E27FC236}">
+                <a16:creationId xmlns:a16="http://schemas.microsoft.com/office/drawing/2014/main" id="{5F952527-FF2D-740B-0DE5-16823760193F}"/>
+              </a:ext>
+            </a:extLst>
+          </p:cNvPr>
+          <p:cNvSpPr>
+            <a:spLocks noGrp="1"/>
+          </p:cNvSpPr>
+          <p:nvPr>
+            <p:ph type="sldNum" sz="quarter" idx="12"/>
+          </p:nvPr>
+        </p:nvSpPr>
+        <p:spPr/>
+        <p:txBody>
+          <a:bodyPr/>
+          <a:lstStyle/>
+          <a:p>
+            <a:fld id="{719D7796-F675-488F-AC46-C88938C80352}" type="slidenum">
+              <a:rPr lang="en-US" smtClean="0"/>
+              <a:t>19</a:t>
+            </a:fld>
+            <a:endParaRPr lang="en-US"/>
+          </a:p>
+        </p:txBody>
+      </p:sp>
+    </p:spTree>
+    <p:extLst>
+      <p:ext uri="{BB962C8B-B14F-4D97-AF65-F5344CB8AC3E}">
+        <p14:creationId xmlns:p14="http://schemas.microsoft.com/office/powerpoint/2010/main" val="3104911057"/>
+      </p:ext>
+    </p:extLst>
+  </p:cSld>
+  <p:clrMapOvr>
+    <a:masterClrMapping/>
+  </p:clrMapOvr>
+</p:sld>
+</file>
+
+<file path=ppt/slides/slide2.xml><?xml version="1.0" encoding="utf-8"?>
+<p:sld xmlns:a="http://schemas.openxmlformats.org/drawingml/2006/main" xmlns:r="http://schemas.openxmlformats.org/officeDocument/2006/relationships" xmlns:p="http://schemas.openxmlformats.org/presentationml/2006/main">
+  <p:cSld>
+    <p:spTree>
+      <p:nvGrpSpPr>
+        <p:cNvPr id="1" name=""/>
+        <p:cNvGrpSpPr/>
+        <p:nvPr/>
+      </p:nvGrpSpPr>
+      <p:grpSpPr>
+        <a:xfrm>
+          <a:off x="0" y="0"/>
+          <a:ext cx="0" cy="0"/>
+          <a:chOff x="0" y="0"/>
+          <a:chExt cx="0" cy="0"/>
+        </a:xfrm>
+      </p:grpSpPr>
+      <p:sp>
+        <p:nvSpPr>
+          <p:cNvPr id="2" name="Title 1">
+            <a:extLst>
+              <a:ext uri="{FF2B5EF4-FFF2-40B4-BE49-F238E27FC236}">
+                <a16:creationId xmlns:a16="http://schemas.microsoft.com/office/drawing/2014/main" id="{87128E23-AF85-30CF-2440-4DDB4110ECE8}"/>
+              </a:ext>
+            </a:extLst>
+          </p:cNvPr>
+          <p:cNvSpPr>
+            <a:spLocks noGrp="1"/>
+          </p:cNvSpPr>
+          <p:nvPr>
+            <p:ph type="title"/>
+          </p:nvPr>
+        </p:nvSpPr>
+        <p:spPr/>
+        <p:txBody>
+          <a:bodyPr/>
+          <a:lstStyle/>
+          <a:p>
+            <a:r>
+              <a:rPr lang="en-US"/>
+              <a:t>Outline</a:t>
+            </a:r>
+            <a:endParaRPr lang="en-US" dirty="0"/>
+          </a:p>
+        </p:txBody>
+      </p:sp>
+      <p:graphicFrame>
+        <p:nvGraphicFramePr>
+          <p:cNvPr id="13" name="Content Placeholder 2">
+            <a:extLst>
+              <a:ext uri="{FF2B5EF4-FFF2-40B4-BE49-F238E27FC236}">
+                <a16:creationId xmlns:a16="http://schemas.microsoft.com/office/drawing/2014/main" id="{6AC01279-C0D1-9102-CADE-B670E58D9BD0}"/>
+              </a:ext>
+            </a:extLst>
+          </p:cNvPr>
+          <p:cNvGraphicFramePr>
+            <a:graphicFrameLocks noGrp="1"/>
+          </p:cNvGraphicFramePr>
+          <p:nvPr>
+            <p:ph idx="1"/>
+          </p:nvPr>
+        </p:nvGraphicFramePr>
+        <p:xfrm>
+          <a:off x="1088136" y="2447778"/>
+          <a:ext cx="9922764" cy="3838722"/>
+        </p:xfrm>
+        <a:graphic>
+          <a:graphicData uri="http://schemas.openxmlformats.org/drawingml/2006/diagram">
+            <dgm:relIds xmlns:dgm="http://schemas.openxmlformats.org/drawingml/2006/diagram" xmlns:r="http://schemas.openxmlformats.org/officeDocument/2006/relationships" r:dm="rId2" r:lo="rId3" r:qs="rId4" r:cs="rId5"/>
+          </a:graphicData>
+        </a:graphic>
+      </p:graphicFrame>
+      <p:sp>
+        <p:nvSpPr>
+          <p:cNvPr id="3" name="Slide Number Placeholder 2">
+            <a:extLst>
+              <a:ext uri="{FF2B5EF4-FFF2-40B4-BE49-F238E27FC236}">
+                <a16:creationId xmlns:a16="http://schemas.microsoft.com/office/drawing/2014/main" id="{69141651-1FE9-10FC-4A11-793D4CD0993F}"/>
+              </a:ext>
+            </a:extLst>
+          </p:cNvPr>
+          <p:cNvSpPr>
+            <a:spLocks noGrp="1"/>
+          </p:cNvSpPr>
+          <p:nvPr>
+            <p:ph type="sldNum" sz="quarter" idx="12"/>
+          </p:nvPr>
+        </p:nvSpPr>
+        <p:spPr/>
+        <p:txBody>
+          <a:bodyPr/>
+          <a:lstStyle/>
+          <a:p>
+            <a:fld id="{719D7796-F675-488F-AC46-C88938C80352}" type="slidenum">
+              <a:rPr lang="en-US" smtClean="0"/>
+              <a:t>2</a:t>
+            </a:fld>
+            <a:endParaRPr lang="en-US"/>
+          </a:p>
+        </p:txBody>
+      </p:sp>
+    </p:spTree>
+    <p:extLst>
+      <p:ext uri="{BB962C8B-B14F-4D97-AF65-F5344CB8AC3E}">
+        <p14:creationId xmlns:p14="http://schemas.microsoft.com/office/powerpoint/2010/main" val="1337332293"/>
+      </p:ext>
+    </p:extLst>
+  </p:cSld>
+  <p:clrMapOvr>
+    <a:masterClrMapping/>
+  </p:clrMapOvr>
+</p:sld>
+</file>
+
+<file path=ppt/slides/slide20.xml><?xml version="1.0" encoding="utf-8"?>
+<p:sld xmlns:a="http://schemas.openxmlformats.org/drawingml/2006/main" xmlns:r="http://schemas.openxmlformats.org/officeDocument/2006/relationships" xmlns:p="http://schemas.openxmlformats.org/presentationml/2006/main">
+  <p:cSld>
+    <p:bg>
+      <p:bgPr>
+        <a:solidFill>
+          <a:schemeClr val="bg1"/>
+        </a:solidFill>
+        <a:effectLst/>
+      </p:bgPr>
+    </p:bg>
+    <p:spTree>
+      <p:nvGrpSpPr>
+        <p:cNvPr id="1" name=""/>
+        <p:cNvGrpSpPr/>
+        <p:nvPr/>
+      </p:nvGrpSpPr>
+      <p:grpSpPr>
+        <a:xfrm>
+          <a:off x="0" y="0"/>
+          <a:ext cx="0" cy="0"/>
+          <a:chOff x="0" y="0"/>
+          <a:chExt cx="0" cy="0"/>
+        </a:xfrm>
+      </p:grpSpPr>
+      <p:cxnSp>
+        <p:nvCxnSpPr>
+          <p:cNvPr id="10" name="Straight Connector 9">
+            <a:extLst>
+              <a:ext uri="{FF2B5EF4-FFF2-40B4-BE49-F238E27FC236}">
+                <a16:creationId xmlns:a16="http://schemas.microsoft.com/office/drawing/2014/main" id="{D8689CE0-64D2-447C-9C1F-872D111D8AC3}"/>
+              </a:ext>
+              <a:ext uri="{C183D7F6-B498-43B3-948B-1728B52AA6E4}">
+                <adec:decorative xmlns:adec="http://schemas.microsoft.com/office/drawing/2017/decorative" val="1"/>
+              </a:ext>
+            </a:extLst>
+          </p:cNvPr>
+          <p:cNvCxnSpPr>
+            <a:cxnSpLocks noGrp="1" noRot="1" noChangeAspect="1" noMove="1" noResize="1" noEditPoints="1" noAdjustHandles="1" noChangeArrowheads="1" noChangeShapeType="1"/>
+          </p:cNvCxnSpPr>
+          <p:nvPr>
+            <p:extLst>
+              <p:ext uri="{386F3935-93C4-4BCD-93E2-E3B085C9AB24}">
+                <p16:designElem xmlns:p16="http://schemas.microsoft.com/office/powerpoint/2015/main" val="1"/>
+              </p:ext>
+            </p:extLst>
+          </p:nvPr>
+        </p:nvCxnSpPr>
+        <p:spPr>
+          <a:xfrm>
+            <a:off x="0" y="1185205"/>
             <a:ext cx="804195" cy="0"/>
           </a:xfrm>
           <a:prstGeom prst="line">
@@ -16667,143 +17819,89 @@
       </p:cxnSp>
       <p:sp>
         <p:nvSpPr>
-          <p:cNvPr id="3" name="Content Placeholder 2">
+          <p:cNvPr id="12" name="Rectangle 11">
             <a:extLst>
               <a:ext uri="{FF2B5EF4-FFF2-40B4-BE49-F238E27FC236}">
-                <a16:creationId xmlns:a16="http://schemas.microsoft.com/office/drawing/2014/main" id="{3A65EB41-B088-0F37-9863-9E22A5D7DE1D}"/>
+                <a16:creationId xmlns:a16="http://schemas.microsoft.com/office/drawing/2014/main" id="{1FB59A6B-A73A-4B84-96FA-15B2C57AC0AB}"/>
+              </a:ext>
+              <a:ext uri="{C183D7F6-B498-43B3-948B-1728B52AA6E4}">
+                <adec:decorative xmlns:adec="http://schemas.microsoft.com/office/drawing/2017/decorative" val="1"/>
               </a:ext>
             </a:extLst>
           </p:cNvPr>
           <p:cNvSpPr>
-            <a:spLocks noGrp="1"/>
+            <a:spLocks noGrp="1" noRot="1" noChangeAspect="1" noMove="1" noResize="1" noEditPoints="1" noAdjustHandles="1" noChangeArrowheads="1" noChangeShapeType="1" noTextEdit="1"/>
           </p:cNvSpPr>
           <p:nvPr>
-            <p:ph idx="1"/>
+            <p:extLst>
+              <p:ext uri="{386F3935-93C4-4BCD-93E2-E3B085C9AB24}">
+                <p16:designElem xmlns:p16="http://schemas.microsoft.com/office/powerpoint/2015/main" val="1"/>
+              </p:ext>
+            </p:extLst>
           </p:nvPr>
         </p:nvSpPr>
         <p:spPr>
           <a:xfrm>
-            <a:off x="1097280" y="2066925"/>
-            <a:ext cx="6223996" cy="4219575"/>
+            <a:off x="0" y="0"/>
+            <a:ext cx="12192000" cy="6858000"/>
           </a:xfrm>
+          <a:prstGeom prst="rect">
+            <a:avLst/>
+          </a:prstGeom>
+          <a:solidFill>
+            <a:schemeClr val="bg1"/>
+          </a:solidFill>
+          <a:ln w="12700" cap="flat" cmpd="sng" algn="ctr">
+            <a:noFill/>
+            <a:prstDash val="solid"/>
+            <a:miter lim="800000"/>
+          </a:ln>
+          <a:effectLst/>
+          <a:extLst>
+            <a:ext uri="{91240B29-F687-4F45-9708-019B960494DF}">
+              <a14:hiddenLine xmlns:a14="http://schemas.microsoft.com/office/drawing/2010/main" w="12700" cap="flat" cmpd="sng" algn="ctr">
+                <a:solidFill>
+                  <a:schemeClr val="accent1">
+                    <a:shade val="50000"/>
+                  </a:schemeClr>
+                </a:solidFill>
+                <a:prstDash val="solid"/>
+                <a:miter lim="800000"/>
+              </a14:hiddenLine>
+            </a:ext>
+          </a:extLst>
         </p:spPr>
+        <p:style>
+          <a:lnRef idx="2">
+            <a:schemeClr val="accent1">
+              <a:shade val="50000"/>
+            </a:schemeClr>
+          </a:lnRef>
+          <a:fillRef idx="1">
+            <a:schemeClr val="accent1"/>
+          </a:fillRef>
+          <a:effectRef idx="0">
+            <a:schemeClr val="accent1"/>
+          </a:effectRef>
+          <a:fontRef idx="minor">
+            <a:schemeClr val="lt1"/>
+          </a:fontRef>
+        </p:style>
         <p:txBody>
-          <a:bodyPr>
-            <a:normAutofit lnSpcReduction="10000"/>
-          </a:bodyPr>
+          <a:bodyPr rtlCol="0" anchor="ctr"/>
           <a:lstStyle/>
           <a:p>
-            <a:pPr marL="342900" indent="-342900">
-              <a:lnSpc>
-                <a:spcPct val="120000"/>
-              </a:lnSpc>
-              <a:buFont typeface="+mj-lt"/>
-              <a:buAutoNum type="arabicPeriod"/>
-            </a:pPr>
-            <a:r>
-              <a:rPr lang="en-US" sz="1200" dirty="0"/>
-              <a:t>Companies create internship advertisement.</a:t>
-            </a:r>
-          </a:p>
-          <a:p>
-            <a:pPr marL="342900" indent="-342900">
-              <a:lnSpc>
-                <a:spcPct val="120000"/>
-              </a:lnSpc>
-              <a:buFont typeface="+mj-lt"/>
-              <a:buAutoNum type="arabicPeriod"/>
-            </a:pPr>
-            <a:r>
-              <a:rPr lang="en-US" sz="1200" dirty="0"/>
-              <a:t>Students find appropriate internship and initiate contact with the selected company.</a:t>
-            </a:r>
-          </a:p>
-          <a:p>
-            <a:pPr marL="342900" indent="-342900">
-              <a:lnSpc>
-                <a:spcPct val="120000"/>
-              </a:lnSpc>
-              <a:buFont typeface="+mj-lt"/>
-              <a:buAutoNum type="arabicPeriod"/>
-            </a:pPr>
-            <a:r>
-              <a:rPr lang="en-US" sz="1200" dirty="0"/>
-              <a:t>Students become interns in the companies in order to gain experience in the desired area of industry.</a:t>
-            </a:r>
-          </a:p>
-          <a:p>
-            <a:pPr marL="342900" indent="-342900">
-              <a:lnSpc>
-                <a:spcPct val="120000"/>
-              </a:lnSpc>
-              <a:buFont typeface="+mj-lt"/>
-              <a:buAutoNum type="arabicPeriod"/>
-            </a:pPr>
-            <a:r>
-              <a:rPr lang="en-US" sz="1200" dirty="0"/>
-              <a:t>The platform provides a transparent and fair selection process where companies can evaluate and select suitable candidates.</a:t>
-            </a:r>
-          </a:p>
-          <a:p>
-            <a:pPr marL="342900" indent="-342900">
-              <a:lnSpc>
-                <a:spcPct val="120000"/>
-              </a:lnSpc>
-              <a:buFont typeface="+mj-lt"/>
-              <a:buAutoNum type="arabicPeriod"/>
-            </a:pPr>
-            <a:r>
-              <a:rPr lang="en-US" sz="1200" dirty="0"/>
-              <a:t>The platform offers a recommendation system that matches students to internships based on their CVs, skills, and preferences, as well as company requirements.</a:t>
-            </a:r>
-          </a:p>
-          <a:p>
-            <a:pPr marL="342900" indent="-342900">
-              <a:lnSpc>
-                <a:spcPct val="120000"/>
-              </a:lnSpc>
-              <a:buFont typeface="+mj-lt"/>
-              <a:buAutoNum type="arabicPeriod"/>
-            </a:pPr>
-            <a:r>
-              <a:rPr lang="en-US" sz="1200" dirty="0"/>
-              <a:t>The platform allows universities to monitor internships to ensure alignment with academic standards.</a:t>
-            </a:r>
-          </a:p>
-          <a:p>
-            <a:pPr marL="342900" indent="-342900">
-              <a:lnSpc>
-                <a:spcPct val="120000"/>
-              </a:lnSpc>
-              <a:buFont typeface="+mj-lt"/>
-              <a:buAutoNum type="arabicPeriod"/>
-            </a:pPr>
-            <a:r>
-              <a:rPr lang="en-US" sz="1200" dirty="0"/>
-              <a:t>The platform collects feedback from both students and companies to improve the platform’s functionality.</a:t>
-            </a:r>
-          </a:p>
-          <a:p>
-            <a:pPr marL="342900" indent="-342900">
-              <a:lnSpc>
-                <a:spcPct val="120000"/>
-              </a:lnSpc>
-              <a:buFont typeface="+mj-lt"/>
-              <a:buAutoNum type="arabicPeriod"/>
-            </a:pPr>
-            <a:r>
-              <a:rPr lang="en-US" sz="1200" dirty="0"/>
-              <a:t>Ensure a safe and supportive environment by providing students with mechanisms to file complaints and enabling universities to resolve them.</a:t>
-            </a:r>
+            <a:pPr algn="ctr"/>
+            <a:endParaRPr lang="en-US"/>
           </a:p>
         </p:txBody>
       </p:sp>
       <p:pic>
         <p:nvPicPr>
-          <p:cNvPr id="5" name="Picture 4" descr="People at the meeting desk">
+          <p:cNvPr id="6" name="Picture 5" descr="Wood human figure">
             <a:extLst>
               <a:ext uri="{FF2B5EF4-FFF2-40B4-BE49-F238E27FC236}">
-                <a16:creationId xmlns:a16="http://schemas.microsoft.com/office/drawing/2014/main" id="{F6224CE8-5FDA-FFA0-4A11-A5A3F073082D}"/>
+                <a16:creationId xmlns:a16="http://schemas.microsoft.com/office/drawing/2014/main" id="{2EE9EF5B-4F8F-C249-1861-AB282473548A}"/>
               </a:ext>
             </a:extLst>
           </p:cNvPr>
@@ -16813,541 +17911,88 @@
           <p:nvPr/>
         </p:nvPicPr>
         <p:blipFill>
-          <a:blip r:embed="rId2"/>
-          <a:srcRect l="30299" r="39701"/>
+          <a:blip r:embed="rId2">
+            <a:alphaModFix/>
+          </a:blip>
+          <a:srcRect b="15730"/>
           <a:stretch/>
         </p:blipFill>
         <p:spPr>
           <a:xfrm>
-            <a:off x="8534400" y="10"/>
-            <a:ext cx="3657601" cy="6857990"/>
+            <a:off x="20" y="10"/>
+            <a:ext cx="12191979" cy="6857990"/>
           </a:xfrm>
           <a:prstGeom prst="rect">
             <a:avLst/>
           </a:prstGeom>
         </p:spPr>
       </p:pic>
-    </p:spTree>
-    <p:extLst>
-      <p:ext uri="{BB962C8B-B14F-4D97-AF65-F5344CB8AC3E}">
-        <p14:creationId xmlns:p14="http://schemas.microsoft.com/office/powerpoint/2010/main" val="1796382961"/>
-      </p:ext>
-    </p:extLst>
-  </p:cSld>
-  <p:clrMapOvr>
-    <a:masterClrMapping/>
-  </p:clrMapOvr>
-</p:sld>
-</file>
-
-<file path=ppt/slides/slide4.xml><?xml version="1.0" encoding="utf-8"?>
-<p:sld xmlns:a="http://schemas.openxmlformats.org/drawingml/2006/main" xmlns:r="http://schemas.openxmlformats.org/officeDocument/2006/relationships" xmlns:p="http://schemas.openxmlformats.org/presentationml/2006/main">
-  <p:cSld>
-    <p:spTree>
-      <p:nvGrpSpPr>
-        <p:cNvPr id="1" name="">
-          <a:extLst>
-            <a:ext uri="{FF2B5EF4-FFF2-40B4-BE49-F238E27FC236}">
-              <a16:creationId xmlns:a16="http://schemas.microsoft.com/office/drawing/2014/main" id="{2A645E8D-7E34-D6F0-404D-A00E25841E8C}"/>
-            </a:ext>
-          </a:extLst>
-        </p:cNvPr>
-        <p:cNvGrpSpPr/>
-        <p:nvPr/>
-      </p:nvGrpSpPr>
-      <p:grpSpPr>
-        <a:xfrm>
-          <a:off x="0" y="0"/>
-          <a:ext cx="0" cy="0"/>
-          <a:chOff x="0" y="0"/>
-          <a:chExt cx="0" cy="0"/>
-        </a:xfrm>
-      </p:grpSpPr>
+      <p:sp useBgFill="1">
+        <p:nvSpPr>
+          <p:cNvPr id="14" name="Rectangle 13">
+            <a:extLst>
+              <a:ext uri="{FF2B5EF4-FFF2-40B4-BE49-F238E27FC236}">
+                <a16:creationId xmlns:a16="http://schemas.microsoft.com/office/drawing/2014/main" id="{AF57AFEC-D2BD-419F-ADB8-F5B1A23F3112}"/>
+              </a:ext>
+              <a:ext uri="{C183D7F6-B498-43B3-948B-1728B52AA6E4}">
+                <adec:decorative xmlns:adec="http://schemas.microsoft.com/office/drawing/2017/decorative" val="1"/>
+              </a:ext>
+            </a:extLst>
+          </p:cNvPr>
+          <p:cNvSpPr>
+            <a:spLocks noGrp="1" noRot="1" noChangeAspect="1" noMove="1" noResize="1" noEditPoints="1" noAdjustHandles="1" noChangeArrowheads="1" noChangeShapeType="1" noTextEdit="1"/>
+          </p:cNvSpPr>
+          <p:nvPr>
+            <p:extLst>
+              <p:ext uri="{386F3935-93C4-4BCD-93E2-E3B085C9AB24}">
+                <p16:designElem xmlns:p16="http://schemas.microsoft.com/office/powerpoint/2015/main" val="1"/>
+              </p:ext>
+            </p:extLst>
+          </p:nvPr>
+        </p:nvSpPr>
+        <p:spPr>
+          <a:xfrm>
+            <a:off x="0" y="4572006"/>
+            <a:ext cx="12192000" cy="2285994"/>
+          </a:xfrm>
+          <a:prstGeom prst="rect">
+            <a:avLst/>
+          </a:prstGeom>
+          <a:ln>
+            <a:noFill/>
+          </a:ln>
+        </p:spPr>
+        <p:style>
+          <a:lnRef idx="2">
+            <a:schemeClr val="accent1">
+              <a:shade val="50000"/>
+            </a:schemeClr>
+          </a:lnRef>
+          <a:fillRef idx="1">
+            <a:schemeClr val="accent1"/>
+          </a:fillRef>
+          <a:effectRef idx="0">
+            <a:schemeClr val="accent1"/>
+          </a:effectRef>
+          <a:fontRef idx="minor">
+            <a:schemeClr val="lt1"/>
+          </a:fontRef>
+        </p:style>
+        <p:txBody>
+          <a:bodyPr rtlCol="0" anchor="ctr"/>
+          <a:lstStyle/>
+          <a:p>
+            <a:pPr algn="ctr"/>
+            <a:endParaRPr lang="en-US"/>
+          </a:p>
+        </p:txBody>
+      </p:sp>
       <p:sp>
         <p:nvSpPr>
           <p:cNvPr id="2" name="Title 1">
             <a:extLst>
               <a:ext uri="{FF2B5EF4-FFF2-40B4-BE49-F238E27FC236}">
-                <a16:creationId xmlns:a16="http://schemas.microsoft.com/office/drawing/2014/main" id="{629578D6-A0BD-02E7-92BE-8FDD299988A5}"/>
-              </a:ext>
-            </a:extLst>
-          </p:cNvPr>
-          <p:cNvSpPr>
-            <a:spLocks noGrp="1"/>
-          </p:cNvSpPr>
-          <p:nvPr>
-            <p:ph type="title"/>
-          </p:nvPr>
-        </p:nvSpPr>
-        <p:spPr/>
-        <p:txBody>
-          <a:bodyPr/>
-          <a:lstStyle/>
-          <a:p>
-            <a:r>
-              <a:rPr lang="en-US" dirty="0"/>
-              <a:t>Highlighted Phenomena</a:t>
-            </a:r>
-          </a:p>
-        </p:txBody>
-      </p:sp>
-      <p:sp>
-        <p:nvSpPr>
-          <p:cNvPr id="3" name="Content Placeholder 2">
-            <a:extLst>
-              <a:ext uri="{FF2B5EF4-FFF2-40B4-BE49-F238E27FC236}">
-                <a16:creationId xmlns:a16="http://schemas.microsoft.com/office/drawing/2014/main" id="{CF35B48D-0D79-788B-E4D3-7BA93B0CC370}"/>
-              </a:ext>
-            </a:extLst>
-          </p:cNvPr>
-          <p:cNvSpPr>
-            <a:spLocks noGrp="1"/>
-          </p:cNvSpPr>
-          <p:nvPr>
-            <p:ph idx="1"/>
-          </p:nvPr>
-        </p:nvSpPr>
-        <p:spPr/>
-        <p:txBody>
-          <a:bodyPr>
-            <a:normAutofit/>
-          </a:bodyPr>
-          <a:lstStyle/>
-          <a:p>
-            <a:pPr marL="342900" indent="-342900">
-              <a:buFont typeface="+mj-lt"/>
-              <a:buAutoNum type="arabicPeriod"/>
-            </a:pPr>
-            <a:r>
-              <a:rPr lang="bs-Cyrl-BA" dirty="0"/>
-              <a:t>Унесите овдје које ове феномене хоћете да ставите, шта мислите да је битно</a:t>
-            </a:r>
-            <a:endParaRPr lang="en-US" dirty="0"/>
-          </a:p>
-        </p:txBody>
-      </p:sp>
-    </p:spTree>
-    <p:extLst>
-      <p:ext uri="{BB962C8B-B14F-4D97-AF65-F5344CB8AC3E}">
-        <p14:creationId xmlns:p14="http://schemas.microsoft.com/office/powerpoint/2010/main" val="1792854989"/>
-      </p:ext>
-    </p:extLst>
-  </p:cSld>
-  <p:clrMapOvr>
-    <a:masterClrMapping/>
-  </p:clrMapOvr>
-</p:sld>
-</file>
-
-<file path=ppt/slides/slide5.xml><?xml version="1.0" encoding="utf-8"?>
-<p:sld xmlns:a="http://schemas.openxmlformats.org/drawingml/2006/main" xmlns:r="http://schemas.openxmlformats.org/officeDocument/2006/relationships" xmlns:p="http://schemas.openxmlformats.org/presentationml/2006/main">
-  <p:cSld>
-    <p:spTree>
-      <p:nvGrpSpPr>
-        <p:cNvPr id="1" name=""/>
-        <p:cNvGrpSpPr/>
-        <p:nvPr/>
-      </p:nvGrpSpPr>
-      <p:grpSpPr>
-        <a:xfrm>
-          <a:off x="0" y="0"/>
-          <a:ext cx="0" cy="0"/>
-          <a:chOff x="0" y="0"/>
-          <a:chExt cx="0" cy="0"/>
-        </a:xfrm>
-      </p:grpSpPr>
-      <p:sp>
-        <p:nvSpPr>
-          <p:cNvPr id="2" name="Title 1">
-            <a:extLst>
-              <a:ext uri="{FF2B5EF4-FFF2-40B4-BE49-F238E27FC236}">
-                <a16:creationId xmlns:a16="http://schemas.microsoft.com/office/drawing/2014/main" id="{77014C57-19B3-832C-1C67-BAA928A2DDAE}"/>
-              </a:ext>
-            </a:extLst>
-          </p:cNvPr>
-          <p:cNvSpPr>
-            <a:spLocks noGrp="1"/>
-          </p:cNvSpPr>
-          <p:nvPr>
-            <p:ph type="title"/>
-          </p:nvPr>
-        </p:nvSpPr>
-        <p:spPr/>
-        <p:txBody>
-          <a:bodyPr/>
-          <a:lstStyle/>
-          <a:p>
-            <a:r>
-              <a:rPr lang="en-US" dirty="0"/>
-              <a:t>[UC6] Create and Publish Internship Advertisement</a:t>
-            </a:r>
-          </a:p>
-        </p:txBody>
-      </p:sp>
-      <p:sp>
-        <p:nvSpPr>
-          <p:cNvPr id="3" name="Content Placeholder 2">
-            <a:extLst>
-              <a:ext uri="{FF2B5EF4-FFF2-40B4-BE49-F238E27FC236}">
-                <a16:creationId xmlns:a16="http://schemas.microsoft.com/office/drawing/2014/main" id="{4AFD7317-EEAD-3DEF-EE14-EABA7E4938D2}"/>
-              </a:ext>
-            </a:extLst>
-          </p:cNvPr>
-          <p:cNvSpPr>
-            <a:spLocks noGrp="1"/>
-          </p:cNvSpPr>
-          <p:nvPr>
-            <p:ph idx="1"/>
-          </p:nvPr>
-        </p:nvSpPr>
-        <p:spPr/>
-        <p:txBody>
-          <a:bodyPr>
-            <a:normAutofit fontScale="70000" lnSpcReduction="20000"/>
-          </a:bodyPr>
-          <a:lstStyle/>
-          <a:p>
-            <a:pPr marL="0" indent="0">
-              <a:buNone/>
-            </a:pPr>
-            <a:r>
-              <a:rPr lang="en-US" b="1" dirty="0"/>
-              <a:t>Actors</a:t>
-            </a:r>
-            <a:r>
-              <a:rPr lang="en-US" dirty="0"/>
-              <a:t>: Company Users </a:t>
-            </a:r>
-          </a:p>
-          <a:p>
-            <a:pPr marL="0" indent="0">
-              <a:buNone/>
-            </a:pPr>
-            <a:r>
-              <a:rPr lang="en-US" b="1" dirty="0"/>
-              <a:t>Preconditions</a:t>
-            </a:r>
-            <a:r>
-              <a:rPr lang="en-US" dirty="0"/>
-              <a:t>: The company user has successfully logged into the platform and is viewing the landing page. The company user has been externally verified by an admin. The company user has not reached the maximum number of advertisements.</a:t>
-            </a:r>
-          </a:p>
-          <a:p>
-            <a:pPr marL="0" indent="0">
-              <a:buNone/>
-            </a:pPr>
-            <a:r>
-              <a:rPr lang="en-US" b="1" dirty="0"/>
-              <a:t>Success Guarantee (Postconditions)</a:t>
-            </a:r>
-            <a:r>
-              <a:rPr lang="en-US" dirty="0"/>
-              <a:t>: The company user successfully published an Internship Advertisement.</a:t>
-            </a:r>
-          </a:p>
-          <a:p>
-            <a:pPr marL="0" indent="0">
-              <a:buNone/>
-            </a:pPr>
-            <a:r>
-              <a:rPr lang="en-US" b="1" dirty="0"/>
-              <a:t>Main Success Scenario (or Basic Flow)</a:t>
-            </a:r>
-            <a:r>
-              <a:rPr lang="en-US" dirty="0"/>
-              <a:t>:</a:t>
-            </a:r>
-          </a:p>
-          <a:p>
-            <a:pPr marL="0" indent="0">
-              <a:buNone/>
-            </a:pPr>
-            <a:r>
-              <a:rPr lang="en-US" dirty="0"/>
-              <a:t>1. The company user presses the large ’+’ button for creating a new advertisement.</a:t>
-            </a:r>
-          </a:p>
-          <a:p>
-            <a:pPr marL="0" indent="0">
-              <a:buNone/>
-            </a:pPr>
-            <a:r>
-              <a:rPr lang="en-US" dirty="0"/>
-              <a:t>2. The platform redirects the user to the advertisement creation page.</a:t>
-            </a:r>
-          </a:p>
-          <a:p>
-            <a:pPr marL="0" indent="0">
-              <a:buNone/>
-            </a:pPr>
-            <a:r>
-              <a:rPr lang="en-US" dirty="0"/>
-              <a:t>3. The company user enters the mandatory information required for advertisement creation.</a:t>
-            </a:r>
-          </a:p>
-          <a:p>
-            <a:pPr marL="0" indent="0">
-              <a:buNone/>
-            </a:pPr>
-            <a:r>
-              <a:rPr lang="en-US" dirty="0"/>
-              <a:t>4. The company user presses the ’Publish button’.</a:t>
-            </a:r>
-          </a:p>
-          <a:p>
-            <a:pPr marL="0" indent="0">
-              <a:buNone/>
-            </a:pPr>
-            <a:r>
-              <a:rPr lang="en-US" dirty="0"/>
-              <a:t>5. The company user is redirected to the landing page and informed that the advertisement has been published. The company user can see his newly published advertisement.</a:t>
-            </a:r>
-          </a:p>
-        </p:txBody>
-      </p:sp>
-    </p:spTree>
-    <p:extLst>
-      <p:ext uri="{BB962C8B-B14F-4D97-AF65-F5344CB8AC3E}">
-        <p14:creationId xmlns:p14="http://schemas.microsoft.com/office/powerpoint/2010/main" val="1656042441"/>
-      </p:ext>
-    </p:extLst>
-  </p:cSld>
-  <p:clrMapOvr>
-    <a:masterClrMapping/>
-  </p:clrMapOvr>
-</p:sld>
-</file>
-
-<file path=ppt/slides/slide6.xml><?xml version="1.0" encoding="utf-8"?>
-<p:sld xmlns:a="http://schemas.openxmlformats.org/drawingml/2006/main" xmlns:r="http://schemas.openxmlformats.org/officeDocument/2006/relationships" xmlns:p="http://schemas.openxmlformats.org/presentationml/2006/main">
-  <p:cSld>
-    <p:spTree>
-      <p:nvGrpSpPr>
-        <p:cNvPr id="1" name=""/>
-        <p:cNvGrpSpPr/>
-        <p:nvPr/>
-      </p:nvGrpSpPr>
-      <p:grpSpPr>
-        <a:xfrm>
-          <a:off x="0" y="0"/>
-          <a:ext cx="0" cy="0"/>
-          <a:chOff x="0" y="0"/>
-          <a:chExt cx="0" cy="0"/>
-        </a:xfrm>
-      </p:grpSpPr>
-      <p:sp>
-        <p:nvSpPr>
-          <p:cNvPr id="2" name="Title 1">
-            <a:extLst>
-              <a:ext uri="{FF2B5EF4-FFF2-40B4-BE49-F238E27FC236}">
-                <a16:creationId xmlns:a16="http://schemas.microsoft.com/office/drawing/2014/main" id="{8D5B74AC-13C4-7300-B603-7CEF8A8C288C}"/>
-              </a:ext>
-            </a:extLst>
-          </p:cNvPr>
-          <p:cNvSpPr>
-            <a:spLocks noGrp="1"/>
-          </p:cNvSpPr>
-          <p:nvPr>
-            <p:ph type="title"/>
-          </p:nvPr>
-        </p:nvSpPr>
-        <p:spPr/>
-        <p:txBody>
-          <a:bodyPr/>
-          <a:lstStyle/>
-          <a:p>
-            <a:r>
-              <a:rPr lang="en-US" dirty="0"/>
-              <a:t>[UC6] Extensions (or Alternative Flows):</a:t>
-            </a:r>
-          </a:p>
-        </p:txBody>
-      </p:sp>
-      <p:sp>
-        <p:nvSpPr>
-          <p:cNvPr id="3" name="Content Placeholder 2">
-            <a:extLst>
-              <a:ext uri="{FF2B5EF4-FFF2-40B4-BE49-F238E27FC236}">
-                <a16:creationId xmlns:a16="http://schemas.microsoft.com/office/drawing/2014/main" id="{32253C9C-A585-05AE-5F2A-CB8BB1A51714}"/>
-              </a:ext>
-            </a:extLst>
-          </p:cNvPr>
-          <p:cNvSpPr>
-            <a:spLocks noGrp="1"/>
-          </p:cNvSpPr>
-          <p:nvPr>
-            <p:ph idx="1"/>
-          </p:nvPr>
-        </p:nvSpPr>
-        <p:spPr/>
-        <p:txBody>
-          <a:bodyPr>
-            <a:normAutofit fontScale="85000" lnSpcReduction="20000"/>
-          </a:bodyPr>
-          <a:lstStyle/>
-          <a:p>
-            <a:pPr marL="0" indent="0">
-              <a:buNone/>
-            </a:pPr>
-            <a:r>
-              <a:rPr lang="en-US" dirty="0"/>
-              <a:t>*a. At any point, the user disconnects or the system fails:</a:t>
-            </a:r>
-          </a:p>
-          <a:p>
-            <a:pPr marL="0" indent="0">
-              <a:buNone/>
-            </a:pPr>
-            <a:r>
-              <a:rPr lang="en-US" dirty="0"/>
-              <a:t>     1. The user reconnects to the platform.</a:t>
-            </a:r>
-          </a:p>
-          <a:p>
-            <a:pPr marL="0" indent="0">
-              <a:buNone/>
-            </a:pPr>
-            <a:r>
-              <a:rPr lang="en-US" dirty="0"/>
-              <a:t>          1a. The platform fails to recover, or the user is unable to reconnect.</a:t>
-            </a:r>
-          </a:p>
-          <a:p>
-            <a:pPr marL="0" indent="0">
-              <a:buNone/>
-            </a:pPr>
-            <a:r>
-              <a:rPr lang="en-US" dirty="0"/>
-              <a:t>     2. The user is automatically logged back in.</a:t>
-            </a:r>
-          </a:p>
-          <a:p>
-            <a:pPr marL="0" indent="0">
-              <a:buNone/>
-            </a:pPr>
-            <a:r>
-              <a:rPr lang="en-US" dirty="0"/>
-              <a:t>     3. The user continues from the last saved checkpoint.</a:t>
-            </a:r>
-          </a:p>
-          <a:p>
-            <a:pPr marL="0" indent="0">
-              <a:buNone/>
-            </a:pPr>
-            <a:r>
-              <a:rPr lang="en-US" dirty="0"/>
-              <a:t>3a. The company user enters invalid information in the advertisement:</a:t>
-            </a:r>
-          </a:p>
-          <a:p>
-            <a:pPr marL="0" indent="0">
-              <a:buNone/>
-            </a:pPr>
-            <a:r>
-              <a:rPr lang="en-US" dirty="0"/>
-              <a:t>     1. The platform informs the company user that the change is not possible.</a:t>
-            </a:r>
-          </a:p>
-          <a:p>
-            <a:pPr marL="0" indent="0">
-              <a:buNone/>
-            </a:pPr>
-            <a:r>
-              <a:rPr lang="en-US" dirty="0"/>
-              <a:t>     2. The user corrects their action and proceeds with advertisement creation.</a:t>
-            </a:r>
-          </a:p>
-          <a:p>
-            <a:pPr marL="0" indent="0">
-              <a:buNone/>
-            </a:pPr>
-            <a:r>
-              <a:rPr lang="en-US" dirty="0"/>
-              <a:t>2a.; 5a. The platform is unable to redirect the user.</a:t>
-            </a:r>
-          </a:p>
-          <a:p>
-            <a:pPr marL="0" indent="0">
-              <a:buNone/>
-            </a:pPr>
-            <a:r>
-              <a:rPr lang="en-US" dirty="0"/>
-              <a:t>4a. The advertisement is unable to be published due to server error.</a:t>
-            </a:r>
-          </a:p>
-        </p:txBody>
-      </p:sp>
-    </p:spTree>
-    <p:extLst>
-      <p:ext uri="{BB962C8B-B14F-4D97-AF65-F5344CB8AC3E}">
-        <p14:creationId xmlns:p14="http://schemas.microsoft.com/office/powerpoint/2010/main" val="2534789356"/>
-      </p:ext>
-    </p:extLst>
-  </p:cSld>
-  <p:clrMapOvr>
-    <a:masterClrMapping/>
-  </p:clrMapOvr>
-</p:sld>
-</file>
-
-<file path=ppt/slides/slide7.xml><?xml version="1.0" encoding="utf-8"?>
-<p:sld xmlns:a="http://schemas.openxmlformats.org/drawingml/2006/main" xmlns:r="http://schemas.openxmlformats.org/officeDocument/2006/relationships" xmlns:p="http://schemas.openxmlformats.org/presentationml/2006/main">
-  <p:cSld>
-    <p:spTree>
-      <p:nvGrpSpPr>
-        <p:cNvPr id="1" name=""/>
-        <p:cNvGrpSpPr/>
-        <p:nvPr/>
-      </p:nvGrpSpPr>
-      <p:grpSpPr>
-        <a:xfrm>
-          <a:off x="0" y="0"/>
-          <a:ext cx="0" cy="0"/>
-          <a:chOff x="0" y="0"/>
-          <a:chExt cx="0" cy="0"/>
-        </a:xfrm>
-      </p:grpSpPr>
-      <p:pic>
-        <p:nvPicPr>
-          <p:cNvPr id="5" name="Content Placeholder 4" descr="A screenshot of a computer&#10;&#10;Description automatically generated">
-            <a:extLst>
-              <a:ext uri="{FF2B5EF4-FFF2-40B4-BE49-F238E27FC236}">
-                <a16:creationId xmlns:a16="http://schemas.microsoft.com/office/drawing/2014/main" id="{10590600-F2D2-7F97-D742-2D64206E6944}"/>
-              </a:ext>
-            </a:extLst>
-          </p:cNvPr>
-          <p:cNvPicPr>
-            <a:picLocks noGrp="1" noChangeAspect="1"/>
-          </p:cNvPicPr>
-          <p:nvPr>
-            <p:ph idx="1"/>
-          </p:nvPr>
-        </p:nvPicPr>
-        <p:blipFill>
-          <a:blip r:embed="rId2">
-            <a:extLst>
-              <a:ext uri="{28A0092B-C50C-407E-A947-70E740481C1C}">
-                <a14:useLocalDpi xmlns:a14="http://schemas.microsoft.com/office/drawing/2010/main" val="0"/>
-              </a:ext>
-            </a:extLst>
-          </a:blip>
-          <a:stretch>
-            <a:fillRect/>
-          </a:stretch>
-        </p:blipFill>
-        <p:spPr>
-          <a:xfrm>
-            <a:off x="1714376" y="160109"/>
-            <a:ext cx="8601199" cy="6537781"/>
-          </a:xfrm>
-        </p:spPr>
-      </p:pic>
-      <p:sp>
-        <p:nvSpPr>
-          <p:cNvPr id="6" name="Title 1">
-            <a:extLst>
-              <a:ext uri="{FF2B5EF4-FFF2-40B4-BE49-F238E27FC236}">
-                <a16:creationId xmlns:a16="http://schemas.microsoft.com/office/drawing/2014/main" id="{3AD00E0A-CF78-06E1-2C42-751BE12B9987}"/>
+                <a16:creationId xmlns:a16="http://schemas.microsoft.com/office/drawing/2014/main" id="{F36D8D36-E441-7145-81FB-FF263460AA90}"/>
               </a:ext>
             </a:extLst>
           </p:cNvPr>
@@ -17360,34 +18005,125 @@
         </p:nvSpPr>
         <p:spPr>
           <a:xfrm>
-            <a:off x="116852" y="244018"/>
-            <a:ext cx="2597773" cy="744766"/>
+            <a:off x="1052146" y="5194563"/>
+            <a:ext cx="5653454" cy="996321"/>
           </a:xfrm>
         </p:spPr>
         <p:txBody>
-          <a:bodyPr>
+          <a:bodyPr vert="horz" lIns="91440" tIns="45720" rIns="91440" bIns="45720" rtlCol="0" anchor="t">
             <a:normAutofit/>
           </a:bodyPr>
           <a:lstStyle/>
           <a:p>
             <a:r>
-              <a:rPr lang="en-US" sz="2400" dirty="0"/>
-              <a:t>[UC6] Use Case </a:t>
+              <a:rPr lang="en-US" sz="3400" cap="all"/>
+              <a:t>Thank you! Questions?</a:t>
             </a:r>
-            <a:br>
-              <a:rPr lang="en-US" sz="2400" dirty="0"/>
-            </a:br>
-            <a:r>
-              <a:rPr lang="en-US" sz="2400" dirty="0"/>
-              <a:t>Diagram</a:t>
-            </a:r>
+          </a:p>
+        </p:txBody>
+      </p:sp>
+      <p:cxnSp>
+        <p:nvCxnSpPr>
+          <p:cNvPr id="16" name="Straight Connector 15">
+            <a:extLst>
+              <a:ext uri="{FF2B5EF4-FFF2-40B4-BE49-F238E27FC236}">
+                <a16:creationId xmlns:a16="http://schemas.microsoft.com/office/drawing/2014/main" id="{B0AA360F-DECB-4836-8FB6-22C4BC3FB02D}"/>
+              </a:ext>
+              <a:ext uri="{C183D7F6-B498-43B3-948B-1728B52AA6E4}">
+                <adec:decorative xmlns:adec="http://schemas.microsoft.com/office/drawing/2017/decorative" val="1"/>
+              </a:ext>
+            </a:extLst>
+          </p:cNvPr>
+          <p:cNvCxnSpPr>
+            <a:cxnSpLocks noGrp="1" noRot="1" noChangeAspect="1" noMove="1" noResize="1" noEditPoints="1" noAdjustHandles="1" noChangeArrowheads="1" noChangeShapeType="1"/>
+          </p:cNvCxnSpPr>
+          <p:nvPr>
+            <p:extLst>
+              <p:ext uri="{386F3935-93C4-4BCD-93E2-E3B085C9AB24}">
+                <p16:designElem xmlns:p16="http://schemas.microsoft.com/office/powerpoint/2015/main" val="1"/>
+              </p:ext>
+            </p:extLst>
+          </p:nvPr>
+        </p:nvCxnSpPr>
+        <p:spPr>
+          <a:xfrm>
+            <a:off x="0" y="5303550"/>
+            <a:ext cx="804195" cy="0"/>
+          </a:xfrm>
+          <a:prstGeom prst="line">
+            <a:avLst/>
+          </a:prstGeom>
+          <a:ln w="85725">
+            <a:solidFill>
+              <a:schemeClr val="tx1"/>
+            </a:solidFill>
+          </a:ln>
+        </p:spPr>
+        <p:style>
+          <a:lnRef idx="1">
+            <a:schemeClr val="accent1"/>
+          </a:lnRef>
+          <a:fillRef idx="0">
+            <a:schemeClr val="accent1"/>
+          </a:fillRef>
+          <a:effectRef idx="0">
+            <a:schemeClr val="accent1"/>
+          </a:effectRef>
+          <a:fontRef idx="minor">
+            <a:schemeClr val="tx1"/>
+          </a:fontRef>
+        </p:style>
+      </p:cxnSp>
+      <p:sp>
+        <p:nvSpPr>
+          <p:cNvPr id="4" name="Slide Number Placeholder 3">
+            <a:extLst>
+              <a:ext uri="{FF2B5EF4-FFF2-40B4-BE49-F238E27FC236}">
+                <a16:creationId xmlns:a16="http://schemas.microsoft.com/office/drawing/2014/main" id="{9FE94DF2-1D40-ED9B-2306-10CC9AB89113}"/>
+              </a:ext>
+            </a:extLst>
+          </p:cNvPr>
+          <p:cNvSpPr>
+            <a:spLocks noGrp="1"/>
+          </p:cNvSpPr>
+          <p:nvPr>
+            <p:ph type="sldNum" sz="quarter" idx="12"/>
+          </p:nvPr>
+        </p:nvSpPr>
+        <p:spPr>
+          <a:xfrm>
+            <a:off x="10983190" y="6389688"/>
+            <a:ext cx="940296" cy="365125"/>
+          </a:xfrm>
+        </p:spPr>
+        <p:txBody>
+          <a:bodyPr vert="horz" lIns="91440" tIns="45720" rIns="91440" bIns="45720" rtlCol="0" anchor="ctr">
+            <a:normAutofit/>
+          </a:bodyPr>
+          <a:lstStyle/>
+          <a:p>
+            <a:pPr>
+              <a:spcAft>
+                <a:spcPts val="600"/>
+              </a:spcAft>
+            </a:pPr>
+            <a:fld id="{719D7796-F675-488F-AC46-C88938C80352}" type="slidenum">
+              <a:rPr lang="en-US" smtClean="0"/>
+              <a:pPr>
+                <a:spcAft>
+                  <a:spcPts val="600"/>
+                </a:spcAft>
+              </a:pPr>
+              <a:t>20</a:t>
+            </a:fld>
+            <a:endParaRPr lang="en-US"/>
           </a:p>
         </p:txBody>
       </p:sp>
     </p:spTree>
     <p:extLst>
       <p:ext uri="{BB962C8B-B14F-4D97-AF65-F5344CB8AC3E}">
-        <p14:creationId xmlns:p14="http://schemas.microsoft.com/office/powerpoint/2010/main" val="3961341605"/>
+        <p14:creationId xmlns:p14="http://schemas.microsoft.com/office/powerpoint/2010/main" val="1963093851"/>
       </p:ext>
     </p:extLst>
   </p:cSld>
@@ -17397,115 +18133,7 @@
 </p:sld>
 </file>
 
-<file path=ppt/slides/slide8.xml><?xml version="1.0" encoding="utf-8"?>
-<p:sld xmlns:a="http://schemas.openxmlformats.org/drawingml/2006/main" xmlns:r="http://schemas.openxmlformats.org/officeDocument/2006/relationships" xmlns:p="http://schemas.openxmlformats.org/presentationml/2006/main">
-  <p:cSld>
-    <p:spTree>
-      <p:nvGrpSpPr>
-        <p:cNvPr id="1" name=""/>
-        <p:cNvGrpSpPr/>
-        <p:nvPr/>
-      </p:nvGrpSpPr>
-      <p:grpSpPr>
-        <a:xfrm>
-          <a:off x="0" y="0"/>
-          <a:ext cx="0" cy="0"/>
-          <a:chOff x="0" y="0"/>
-          <a:chExt cx="0" cy="0"/>
-        </a:xfrm>
-      </p:grpSpPr>
-      <p:pic>
-        <p:nvPicPr>
-          <p:cNvPr id="5" name="Picture 4" descr="A diagram of a diagram&#10;&#10;Description automatically generated">
-            <a:extLst>
-              <a:ext uri="{FF2B5EF4-FFF2-40B4-BE49-F238E27FC236}">
-                <a16:creationId xmlns:a16="http://schemas.microsoft.com/office/drawing/2014/main" id="{3615CF17-AD62-859C-2631-543B0891ED22}"/>
-              </a:ext>
-            </a:extLst>
-          </p:cNvPr>
-          <p:cNvPicPr>
-            <a:picLocks noChangeAspect="1"/>
-          </p:cNvPicPr>
-          <p:nvPr/>
-        </p:nvPicPr>
-        <p:blipFill>
-          <a:blip r:embed="rId2">
-            <a:extLst>
-              <a:ext uri="{28A0092B-C50C-407E-A947-70E740481C1C}">
-                <a14:useLocalDpi xmlns:a14="http://schemas.microsoft.com/office/drawing/2010/main" val="0"/>
-              </a:ext>
-            </a:extLst>
-          </a:blip>
-          <a:stretch>
-            <a:fillRect/>
-          </a:stretch>
-        </p:blipFill>
-        <p:spPr>
-          <a:xfrm>
-            <a:off x="328612" y="1515559"/>
-            <a:ext cx="11534775" cy="4581525"/>
-          </a:xfrm>
-          <a:prstGeom prst="rect">
-            <a:avLst/>
-          </a:prstGeom>
-        </p:spPr>
-      </p:pic>
-      <p:sp>
-        <p:nvSpPr>
-          <p:cNvPr id="6" name="Title 1">
-            <a:extLst>
-              <a:ext uri="{FF2B5EF4-FFF2-40B4-BE49-F238E27FC236}">
-                <a16:creationId xmlns:a16="http://schemas.microsoft.com/office/drawing/2014/main" id="{6E577B74-631C-4750-6C47-ADD66C8D10FB}"/>
-              </a:ext>
-            </a:extLst>
-          </p:cNvPr>
-          <p:cNvSpPr>
-            <a:spLocks noGrp="1"/>
-          </p:cNvSpPr>
-          <p:nvPr>
-            <p:ph type="title"/>
-          </p:nvPr>
-        </p:nvSpPr>
-        <p:spPr>
-          <a:xfrm>
-            <a:off x="116852" y="244018"/>
-            <a:ext cx="3578848" cy="744766"/>
-          </a:xfrm>
-        </p:spPr>
-        <p:txBody>
-          <a:bodyPr>
-            <a:normAutofit fontScale="90000"/>
-          </a:bodyPr>
-          <a:lstStyle/>
-          <a:p>
-            <a:r>
-              <a:rPr lang="en-US" sz="2400" dirty="0"/>
-              <a:t>[UC6] Deployment View</a:t>
-            </a:r>
-            <a:br>
-              <a:rPr lang="en-US" sz="2400" dirty="0"/>
-            </a:br>
-            <a:r>
-              <a:rPr lang="en-US" sz="2400" dirty="0"/>
-              <a:t>Diagram</a:t>
-            </a:r>
-          </a:p>
-        </p:txBody>
-      </p:sp>
-    </p:spTree>
-    <p:extLst>
-      <p:ext uri="{BB962C8B-B14F-4D97-AF65-F5344CB8AC3E}">
-        <p14:creationId xmlns:p14="http://schemas.microsoft.com/office/powerpoint/2010/main" val="2996952182"/>
-      </p:ext>
-    </p:extLst>
-  </p:cSld>
-  <p:clrMapOvr>
-    <a:masterClrMapping/>
-  </p:clrMapOvr>
-</p:sld>
-</file>
-
-<file path=ppt/slides/slide9.xml><?xml version="1.0" encoding="utf-8"?>
+<file path=ppt/slides/slide3.xml><?xml version="1.0" encoding="utf-8"?>
 <p:sld xmlns:a="http://schemas.openxmlformats.org/drawingml/2006/main" xmlns:r="http://schemas.openxmlformats.org/officeDocument/2006/relationships" xmlns:p="http://schemas.openxmlformats.org/presentationml/2006/main">
   <p:cSld>
     <p:bg>
@@ -17530,12 +18158,64 @@
           <a:chExt cx="0" cy="0"/>
         </a:xfrm>
       </p:grpSpPr>
+      <p:cxnSp>
+        <p:nvCxnSpPr>
+          <p:cNvPr id="10" name="Straight Connector 9">
+            <a:extLst>
+              <a:ext uri="{FF2B5EF4-FFF2-40B4-BE49-F238E27FC236}">
+                <a16:creationId xmlns:a16="http://schemas.microsoft.com/office/drawing/2014/main" id="{D8689CE0-64D2-447C-9C1F-872D111D8AC3}"/>
+              </a:ext>
+              <a:ext uri="{C183D7F6-B498-43B3-948B-1728B52AA6E4}">
+                <adec:decorative xmlns:adec="http://schemas.microsoft.com/office/drawing/2017/decorative" val="1"/>
+              </a:ext>
+            </a:extLst>
+          </p:cNvPr>
+          <p:cNvCxnSpPr>
+            <a:cxnSpLocks noGrp="1" noRot="1" noChangeAspect="1" noMove="1" noResize="1" noEditPoints="1" noAdjustHandles="1" noChangeArrowheads="1" noChangeShapeType="1"/>
+          </p:cNvCxnSpPr>
+          <p:nvPr>
+            <p:extLst>
+              <p:ext uri="{386F3935-93C4-4BCD-93E2-E3B085C9AB24}">
+                <p16:designElem xmlns:p16="http://schemas.microsoft.com/office/powerpoint/2015/main" val="1"/>
+              </p:ext>
+            </p:extLst>
+          </p:nvPr>
+        </p:nvCxnSpPr>
+        <p:spPr>
+          <a:xfrm>
+            <a:off x="0" y="1185205"/>
+            <a:ext cx="804195" cy="0"/>
+          </a:xfrm>
+          <a:prstGeom prst="line">
+            <a:avLst/>
+          </a:prstGeom>
+          <a:ln w="85725">
+            <a:solidFill>
+              <a:schemeClr val="tx1"/>
+            </a:solidFill>
+          </a:ln>
+        </p:spPr>
+        <p:style>
+          <a:lnRef idx="1">
+            <a:schemeClr val="accent1"/>
+          </a:lnRef>
+          <a:fillRef idx="0">
+            <a:schemeClr val="accent1"/>
+          </a:fillRef>
+          <a:effectRef idx="0">
+            <a:schemeClr val="accent1"/>
+          </a:effectRef>
+          <a:fontRef idx="minor">
+            <a:schemeClr val="tx1"/>
+          </a:fontRef>
+        </p:style>
+      </p:cxnSp>
       <p:sp useBgFill="1">
         <p:nvSpPr>
-          <p:cNvPr id="9" name="Rectangle 8">
+          <p:cNvPr id="12" name="Rectangle 11">
             <a:extLst>
               <a:ext uri="{FF2B5EF4-FFF2-40B4-BE49-F238E27FC236}">
-                <a16:creationId xmlns:a16="http://schemas.microsoft.com/office/drawing/2014/main" id="{561B1731-39D9-4145-8343-C209E1F09BC7}"/>
+                <a16:creationId xmlns:a16="http://schemas.microsoft.com/office/drawing/2014/main" id="{902D1A37-7C2A-4258-95A8-919D781C6992}"/>
               </a:ext>
               <a:ext uri="{C183D7F6-B498-43B3-948B-1728B52AA6E4}">
                 <adec:decorative xmlns:adec="http://schemas.microsoft.com/office/drawing/2017/decorative" val="1"/>
@@ -17606,6 +18286,1434 @@
           </a:p>
         </p:txBody>
       </p:sp>
+      <p:pic>
+        <p:nvPicPr>
+          <p:cNvPr id="6" name="Picture 5" descr="Pen placed on top of a signature line">
+            <a:extLst>
+              <a:ext uri="{FF2B5EF4-FFF2-40B4-BE49-F238E27FC236}">
+                <a16:creationId xmlns:a16="http://schemas.microsoft.com/office/drawing/2014/main" id="{A3C9DD8A-7E53-7068-6239-2F318DCA9840}"/>
+              </a:ext>
+            </a:extLst>
+          </p:cNvPr>
+          <p:cNvPicPr>
+            <a:picLocks noChangeAspect="1"/>
+          </p:cNvPicPr>
+          <p:nvPr/>
+        </p:nvPicPr>
+        <p:blipFill>
+          <a:blip r:embed="rId2">
+            <a:alphaModFix/>
+          </a:blip>
+          <a:srcRect b="15730"/>
+          <a:stretch/>
+        </p:blipFill>
+        <p:spPr>
+          <a:xfrm>
+            <a:off x="20" y="10"/>
+            <a:ext cx="12191980" cy="6857990"/>
+          </a:xfrm>
+          <a:prstGeom prst="rect">
+            <a:avLst/>
+          </a:prstGeom>
+        </p:spPr>
+      </p:pic>
+      <p:sp>
+        <p:nvSpPr>
+          <p:cNvPr id="14" name="Rectangle 13">
+            <a:extLst>
+              <a:ext uri="{FF2B5EF4-FFF2-40B4-BE49-F238E27FC236}">
+                <a16:creationId xmlns:a16="http://schemas.microsoft.com/office/drawing/2014/main" id="{5C0776A0-F3D1-AEC9-DE44-3676E3568899}"/>
+              </a:ext>
+              <a:ext uri="{C183D7F6-B498-43B3-948B-1728B52AA6E4}">
+                <adec:decorative xmlns:adec="http://schemas.microsoft.com/office/drawing/2017/decorative" val="1"/>
+              </a:ext>
+            </a:extLst>
+          </p:cNvPr>
+          <p:cNvSpPr>
+            <a:spLocks noGrp="1" noRot="1" noChangeAspect="1" noMove="1" noResize="1" noEditPoints="1" noAdjustHandles="1" noChangeArrowheads="1" noChangeShapeType="1" noTextEdit="1"/>
+          </p:cNvSpPr>
+          <p:nvPr>
+            <p:extLst>
+              <p:ext uri="{386F3935-93C4-4BCD-93E2-E3B085C9AB24}">
+                <p16:designElem xmlns:p16="http://schemas.microsoft.com/office/powerpoint/2015/main" val="1"/>
+              </p:ext>
+            </p:extLst>
+          </p:nvPr>
+        </p:nvSpPr>
+        <p:spPr>
+          <a:xfrm rot="16200000">
+            <a:off x="1010651" y="-1010655"/>
+            <a:ext cx="6858003" cy="8879304"/>
+          </a:xfrm>
+          <a:prstGeom prst="rect">
+            <a:avLst/>
+          </a:prstGeom>
+          <a:gradFill>
+            <a:gsLst>
+              <a:gs pos="0">
+                <a:srgbClr val="000000">
+                  <a:alpha val="36000"/>
+                </a:srgbClr>
+              </a:gs>
+              <a:gs pos="51600">
+                <a:srgbClr val="000000">
+                  <a:alpha val="34000"/>
+                </a:srgbClr>
+              </a:gs>
+              <a:gs pos="100000">
+                <a:srgbClr val="000000">
+                  <a:alpha val="0"/>
+                </a:srgbClr>
+              </a:gs>
+            </a:gsLst>
+            <a:lin ang="5400000" scaled="1"/>
+          </a:gradFill>
+          <a:ln>
+            <a:noFill/>
+          </a:ln>
+        </p:spPr>
+        <p:style>
+          <a:lnRef idx="2">
+            <a:schemeClr val="accent1">
+              <a:shade val="50000"/>
+            </a:schemeClr>
+          </a:lnRef>
+          <a:fillRef idx="1">
+            <a:schemeClr val="accent1"/>
+          </a:fillRef>
+          <a:effectRef idx="0">
+            <a:schemeClr val="accent1"/>
+          </a:effectRef>
+          <a:fontRef idx="minor">
+            <a:schemeClr val="lt1"/>
+          </a:fontRef>
+        </p:style>
+        <p:txBody>
+          <a:bodyPr rtlCol="0" anchor="ctr"/>
+          <a:lstStyle/>
+          <a:p>
+            <a:pPr algn="ctr"/>
+            <a:endParaRPr lang="en-US"/>
+          </a:p>
+        </p:txBody>
+      </p:sp>
+      <p:sp>
+        <p:nvSpPr>
+          <p:cNvPr id="2" name="Title 1">
+            <a:extLst>
+              <a:ext uri="{FF2B5EF4-FFF2-40B4-BE49-F238E27FC236}">
+                <a16:creationId xmlns:a16="http://schemas.microsoft.com/office/drawing/2014/main" id="{5A626257-5245-3399-8083-AF34AC0F19D1}"/>
+              </a:ext>
+            </a:extLst>
+          </p:cNvPr>
+          <p:cNvSpPr>
+            <a:spLocks noGrp="1"/>
+          </p:cNvSpPr>
+          <p:nvPr>
+            <p:ph type="title"/>
+          </p:nvPr>
+        </p:nvSpPr>
+        <p:spPr>
+          <a:xfrm>
+            <a:off x="1059318" y="2223018"/>
+            <a:ext cx="7819987" cy="2579642"/>
+          </a:xfrm>
+        </p:spPr>
+        <p:txBody>
+          <a:bodyPr vert="horz" lIns="91440" tIns="45720" rIns="91440" bIns="45720" rtlCol="0" anchor="t">
+            <a:normAutofit/>
+          </a:bodyPr>
+          <a:lstStyle/>
+          <a:p>
+            <a:r>
+              <a:rPr lang="en-US" sz="4700" cap="all">
+                <a:solidFill>
+                  <a:srgbClr val="FFFFFF"/>
+                </a:solidFill>
+              </a:rPr>
+              <a:t>Requirements Analysis Specification Document (RASD)</a:t>
+            </a:r>
+          </a:p>
+        </p:txBody>
+      </p:sp>
+      <p:cxnSp>
+        <p:nvCxnSpPr>
+          <p:cNvPr id="16" name="Straight Connector 15">
+            <a:extLst>
+              <a:ext uri="{FF2B5EF4-FFF2-40B4-BE49-F238E27FC236}">
+                <a16:creationId xmlns:a16="http://schemas.microsoft.com/office/drawing/2014/main" id="{B0AA360F-DECB-4836-8FB6-22C4BC3FB02D}"/>
+              </a:ext>
+              <a:ext uri="{C183D7F6-B498-43B3-948B-1728B52AA6E4}">
+                <adec:decorative xmlns:adec="http://schemas.microsoft.com/office/drawing/2017/decorative" val="1"/>
+              </a:ext>
+            </a:extLst>
+          </p:cNvPr>
+          <p:cNvCxnSpPr>
+            <a:cxnSpLocks noGrp="1" noRot="1" noChangeAspect="1" noMove="1" noResize="1" noEditPoints="1" noAdjustHandles="1" noChangeArrowheads="1" noChangeShapeType="1"/>
+          </p:cNvCxnSpPr>
+          <p:nvPr>
+            <p:extLst>
+              <p:ext uri="{386F3935-93C4-4BCD-93E2-E3B085C9AB24}">
+                <p16:designElem xmlns:p16="http://schemas.microsoft.com/office/powerpoint/2015/main" val="1"/>
+              </p:ext>
+            </p:extLst>
+          </p:nvPr>
+        </p:nvCxnSpPr>
+        <p:spPr>
+          <a:xfrm>
+            <a:off x="0" y="2335591"/>
+            <a:ext cx="804195" cy="0"/>
+          </a:xfrm>
+          <a:prstGeom prst="line">
+            <a:avLst/>
+          </a:prstGeom>
+          <a:ln w="85725">
+            <a:solidFill>
+              <a:srgbClr val="FFFFFF"/>
+            </a:solidFill>
+          </a:ln>
+        </p:spPr>
+        <p:style>
+          <a:lnRef idx="1">
+            <a:schemeClr val="accent1"/>
+          </a:lnRef>
+          <a:fillRef idx="0">
+            <a:schemeClr val="accent1"/>
+          </a:fillRef>
+          <a:effectRef idx="0">
+            <a:schemeClr val="accent1"/>
+          </a:effectRef>
+          <a:fontRef idx="minor">
+            <a:schemeClr val="tx1"/>
+          </a:fontRef>
+        </p:style>
+      </p:cxnSp>
+      <p:sp>
+        <p:nvSpPr>
+          <p:cNvPr id="4" name="Slide Number Placeholder 3">
+            <a:extLst>
+              <a:ext uri="{FF2B5EF4-FFF2-40B4-BE49-F238E27FC236}">
+                <a16:creationId xmlns:a16="http://schemas.microsoft.com/office/drawing/2014/main" id="{2CBA86FF-E036-77BD-5F01-E67CDC1005A7}"/>
+              </a:ext>
+            </a:extLst>
+          </p:cNvPr>
+          <p:cNvSpPr>
+            <a:spLocks noGrp="1"/>
+          </p:cNvSpPr>
+          <p:nvPr>
+            <p:ph type="sldNum" sz="quarter" idx="12"/>
+          </p:nvPr>
+        </p:nvSpPr>
+        <p:spPr>
+          <a:xfrm>
+            <a:off x="10983190" y="6389688"/>
+            <a:ext cx="940296" cy="365125"/>
+          </a:xfrm>
+        </p:spPr>
+        <p:txBody>
+          <a:bodyPr vert="horz" lIns="91440" tIns="45720" rIns="91440" bIns="45720" rtlCol="0" anchor="ctr">
+            <a:normAutofit/>
+          </a:bodyPr>
+          <a:lstStyle/>
+          <a:p>
+            <a:pPr>
+              <a:spcAft>
+                <a:spcPts val="600"/>
+              </a:spcAft>
+            </a:pPr>
+            <a:fld id="{719D7796-F675-488F-AC46-C88938C80352}" type="slidenum">
+              <a:rPr lang="en-US">
+                <a:solidFill>
+                  <a:srgbClr val="FFFFFF"/>
+                </a:solidFill>
+              </a:rPr>
+              <a:pPr>
+                <a:spcAft>
+                  <a:spcPts val="600"/>
+                </a:spcAft>
+              </a:pPr>
+              <a:t>3</a:t>
+            </a:fld>
+            <a:endParaRPr lang="en-US">
+              <a:solidFill>
+                <a:srgbClr val="FFFFFF"/>
+              </a:solidFill>
+            </a:endParaRPr>
+          </a:p>
+        </p:txBody>
+      </p:sp>
+    </p:spTree>
+    <p:extLst>
+      <p:ext uri="{BB962C8B-B14F-4D97-AF65-F5344CB8AC3E}">
+        <p14:creationId xmlns:p14="http://schemas.microsoft.com/office/powerpoint/2010/main" val="1376108571"/>
+      </p:ext>
+    </p:extLst>
+  </p:cSld>
+  <p:clrMapOvr>
+    <a:masterClrMapping/>
+  </p:clrMapOvr>
+</p:sld>
+</file>
+
+<file path=ppt/slides/slide4.xml><?xml version="1.0" encoding="utf-8"?>
+<p:sld xmlns:a="http://schemas.openxmlformats.org/drawingml/2006/main" xmlns:r="http://schemas.openxmlformats.org/officeDocument/2006/relationships" xmlns:p="http://schemas.openxmlformats.org/presentationml/2006/main">
+  <p:cSld>
+    <p:bg>
+      <p:bgPr>
+        <a:solidFill>
+          <a:schemeClr val="bg1"/>
+        </a:solidFill>
+        <a:effectLst/>
+      </p:bgPr>
+    </p:bg>
+    <p:spTree>
+      <p:nvGrpSpPr>
+        <p:cNvPr id="1" name=""/>
+        <p:cNvGrpSpPr/>
+        <p:nvPr/>
+      </p:nvGrpSpPr>
+      <p:grpSpPr>
+        <a:xfrm>
+          <a:off x="0" y="0"/>
+          <a:ext cx="0" cy="0"/>
+          <a:chOff x="0" y="0"/>
+          <a:chExt cx="0" cy="0"/>
+        </a:xfrm>
+      </p:grpSpPr>
+      <p:sp useBgFill="1">
+        <p:nvSpPr>
+          <p:cNvPr id="9" name="Rectangle 8">
+            <a:extLst>
+              <a:ext uri="{FF2B5EF4-FFF2-40B4-BE49-F238E27FC236}">
+                <a16:creationId xmlns:a16="http://schemas.microsoft.com/office/drawing/2014/main" id="{561B1731-39D9-4145-8343-C209E1F09BC7}"/>
+              </a:ext>
+              <a:ext uri="{C183D7F6-B498-43B3-948B-1728B52AA6E4}">
+                <adec:decorative xmlns:adec="http://schemas.microsoft.com/office/drawing/2017/decorative" val="1"/>
+              </a:ext>
+            </a:extLst>
+          </p:cNvPr>
+          <p:cNvSpPr>
+            <a:spLocks noGrp="1" noRot="1" noChangeAspect="1" noMove="1" noResize="1" noEditPoints="1" noAdjustHandles="1" noChangeArrowheads="1" noChangeShapeType="1" noTextEdit="1"/>
+          </p:cNvSpPr>
+          <p:nvPr>
+            <p:extLst>
+              <p:ext uri="{386F3935-93C4-4BCD-93E2-E3B085C9AB24}">
+                <p16:designElem xmlns:p16="http://schemas.microsoft.com/office/powerpoint/2015/main" val="1"/>
+              </p:ext>
+            </p:extLst>
+          </p:nvPr>
+        </p:nvSpPr>
+        <p:spPr>
+          <a:xfrm>
+            <a:off x="0" y="0"/>
+            <a:ext cx="12192000" cy="6858000"/>
+          </a:xfrm>
+          <a:prstGeom prst="rect">
+            <a:avLst/>
+          </a:prstGeom>
+          <a:ln w="12700" cap="flat" cmpd="sng" algn="ctr">
+            <a:noFill/>
+            <a:prstDash val="solid"/>
+            <a:miter lim="800000"/>
+          </a:ln>
+          <a:effectLst/>
+          <a:extLst>
+            <a:ext uri="{91240B29-F687-4F45-9708-019B960494DF}">
+              <a14:hiddenLine xmlns:a14="http://schemas.microsoft.com/office/drawing/2010/main" w="12700" cap="flat" cmpd="sng" algn="ctr">
+                <a:solidFill>
+                  <a:schemeClr val="accent1">
+                    <a:shade val="50000"/>
+                  </a:schemeClr>
+                </a:solidFill>
+                <a:prstDash val="solid"/>
+                <a:miter lim="800000"/>
+              </a14:hiddenLine>
+            </a:ext>
+          </a:extLst>
+        </p:spPr>
+        <p:style>
+          <a:lnRef idx="2">
+            <a:schemeClr val="accent1">
+              <a:shade val="50000"/>
+            </a:schemeClr>
+          </a:lnRef>
+          <a:fillRef idx="1">
+            <a:schemeClr val="accent1"/>
+          </a:fillRef>
+          <a:effectRef idx="0">
+            <a:schemeClr val="accent1"/>
+          </a:effectRef>
+          <a:fontRef idx="minor">
+            <a:schemeClr val="lt1"/>
+          </a:fontRef>
+        </p:style>
+        <p:txBody>
+          <a:bodyPr rtlCol="0" anchor="ctr"/>
+          <a:lstStyle/>
+          <a:p>
+            <a:pPr algn="ctr"/>
+            <a:endParaRPr lang="en-US"/>
+          </a:p>
+        </p:txBody>
+      </p:sp>
+      <p:sp>
+        <p:nvSpPr>
+          <p:cNvPr id="2" name="Title 1">
+            <a:extLst>
+              <a:ext uri="{FF2B5EF4-FFF2-40B4-BE49-F238E27FC236}">
+                <a16:creationId xmlns:a16="http://schemas.microsoft.com/office/drawing/2014/main" id="{42A46EC9-EF3E-33D1-2FB6-A32B9D0C1DDC}"/>
+              </a:ext>
+            </a:extLst>
+          </p:cNvPr>
+          <p:cNvSpPr>
+            <a:spLocks noGrp="1"/>
+          </p:cNvSpPr>
+          <p:nvPr>
+            <p:ph type="title"/>
+          </p:nvPr>
+        </p:nvSpPr>
+        <p:spPr>
+          <a:xfrm>
+            <a:off x="1091203" y="1069848"/>
+            <a:ext cx="6308775" cy="2049620"/>
+          </a:xfrm>
+        </p:spPr>
+        <p:txBody>
+          <a:bodyPr>
+            <a:normAutofit/>
+          </a:bodyPr>
+          <a:lstStyle/>
+          <a:p>
+            <a:r>
+              <a:rPr lang="en-US" sz="6000" dirty="0"/>
+              <a:t>Goals</a:t>
+            </a:r>
+          </a:p>
+        </p:txBody>
+      </p:sp>
+      <p:cxnSp>
+        <p:nvCxnSpPr>
+          <p:cNvPr id="11" name="Straight Connector 10">
+            <a:extLst>
+              <a:ext uri="{FF2B5EF4-FFF2-40B4-BE49-F238E27FC236}">
+                <a16:creationId xmlns:a16="http://schemas.microsoft.com/office/drawing/2014/main" id="{F0748755-DDBC-46D0-91EC-1212A8EE2B40}"/>
+              </a:ext>
+              <a:ext uri="{C183D7F6-B498-43B3-948B-1728B52AA6E4}">
+                <adec:decorative xmlns:adec="http://schemas.microsoft.com/office/drawing/2017/decorative" val="1"/>
+              </a:ext>
+            </a:extLst>
+          </p:cNvPr>
+          <p:cNvCxnSpPr>
+            <a:cxnSpLocks noGrp="1" noRot="1" noChangeAspect="1" noMove="1" noResize="1" noEditPoints="1" noAdjustHandles="1" noChangeArrowheads="1" noChangeShapeType="1"/>
+          </p:cNvCxnSpPr>
+          <p:nvPr>
+            <p:extLst>
+              <p:ext uri="{386F3935-93C4-4BCD-93E2-E3B085C9AB24}">
+                <p16:designElem xmlns:p16="http://schemas.microsoft.com/office/powerpoint/2015/main" val="1"/>
+              </p:ext>
+            </p:extLst>
+          </p:nvPr>
+        </p:nvCxnSpPr>
+        <p:spPr>
+          <a:xfrm>
+            <a:off x="0" y="1186683"/>
+            <a:ext cx="804195" cy="0"/>
+          </a:xfrm>
+          <a:prstGeom prst="line">
+            <a:avLst/>
+          </a:prstGeom>
+          <a:ln w="85725">
+            <a:solidFill>
+              <a:schemeClr val="tx1"/>
+            </a:solidFill>
+          </a:ln>
+        </p:spPr>
+        <p:style>
+          <a:lnRef idx="1">
+            <a:schemeClr val="accent1"/>
+          </a:lnRef>
+          <a:fillRef idx="0">
+            <a:schemeClr val="accent1"/>
+          </a:fillRef>
+          <a:effectRef idx="0">
+            <a:schemeClr val="accent1"/>
+          </a:effectRef>
+          <a:fontRef idx="minor">
+            <a:schemeClr val="tx1"/>
+          </a:fontRef>
+        </p:style>
+      </p:cxnSp>
+      <p:sp>
+        <p:nvSpPr>
+          <p:cNvPr id="3" name="Content Placeholder 2">
+            <a:extLst>
+              <a:ext uri="{FF2B5EF4-FFF2-40B4-BE49-F238E27FC236}">
+                <a16:creationId xmlns:a16="http://schemas.microsoft.com/office/drawing/2014/main" id="{3A65EB41-B088-0F37-9863-9E22A5D7DE1D}"/>
+              </a:ext>
+            </a:extLst>
+          </p:cNvPr>
+          <p:cNvSpPr>
+            <a:spLocks noGrp="1"/>
+          </p:cNvSpPr>
+          <p:nvPr>
+            <p:ph idx="1"/>
+          </p:nvPr>
+        </p:nvSpPr>
+        <p:spPr>
+          <a:xfrm>
+            <a:off x="1097280" y="2066925"/>
+            <a:ext cx="6223996" cy="4219575"/>
+          </a:xfrm>
+        </p:spPr>
+        <p:txBody>
+          <a:bodyPr>
+            <a:normAutofit lnSpcReduction="10000"/>
+          </a:bodyPr>
+          <a:lstStyle/>
+          <a:p>
+            <a:pPr marL="342900" indent="-342900">
+              <a:lnSpc>
+                <a:spcPct val="120000"/>
+              </a:lnSpc>
+              <a:buFont typeface="+mj-lt"/>
+              <a:buAutoNum type="arabicPeriod"/>
+            </a:pPr>
+            <a:r>
+              <a:rPr lang="en-US" sz="1200" dirty="0"/>
+              <a:t>Companies create internship advertisement.</a:t>
+            </a:r>
+          </a:p>
+          <a:p>
+            <a:pPr marL="342900" indent="-342900">
+              <a:lnSpc>
+                <a:spcPct val="120000"/>
+              </a:lnSpc>
+              <a:buFont typeface="+mj-lt"/>
+              <a:buAutoNum type="arabicPeriod"/>
+            </a:pPr>
+            <a:r>
+              <a:rPr lang="en-US" sz="1200" dirty="0"/>
+              <a:t>Students find appropriate internship and initiate contact with the selected company.</a:t>
+            </a:r>
+          </a:p>
+          <a:p>
+            <a:pPr marL="342900" indent="-342900">
+              <a:lnSpc>
+                <a:spcPct val="120000"/>
+              </a:lnSpc>
+              <a:buFont typeface="+mj-lt"/>
+              <a:buAutoNum type="arabicPeriod"/>
+            </a:pPr>
+            <a:r>
+              <a:rPr lang="en-US" sz="1200" dirty="0"/>
+              <a:t>Students become interns in the companies in order to gain experience in the desired area of industry.</a:t>
+            </a:r>
+          </a:p>
+          <a:p>
+            <a:pPr marL="342900" indent="-342900">
+              <a:lnSpc>
+                <a:spcPct val="120000"/>
+              </a:lnSpc>
+              <a:buFont typeface="+mj-lt"/>
+              <a:buAutoNum type="arabicPeriod"/>
+            </a:pPr>
+            <a:r>
+              <a:rPr lang="en-US" sz="1200" dirty="0"/>
+              <a:t>The platform provides a transparent and fair selection process where companies can evaluate and select suitable candidates.</a:t>
+            </a:r>
+          </a:p>
+          <a:p>
+            <a:pPr marL="342900" indent="-342900">
+              <a:lnSpc>
+                <a:spcPct val="120000"/>
+              </a:lnSpc>
+              <a:buFont typeface="+mj-lt"/>
+              <a:buAutoNum type="arabicPeriod"/>
+            </a:pPr>
+            <a:r>
+              <a:rPr lang="en-US" sz="1200" dirty="0"/>
+              <a:t>The platform offers a recommendation system that matches students to internships based on their CVs, skills, and preferences, as well as company requirements.</a:t>
+            </a:r>
+          </a:p>
+          <a:p>
+            <a:pPr marL="342900" indent="-342900">
+              <a:lnSpc>
+                <a:spcPct val="120000"/>
+              </a:lnSpc>
+              <a:buFont typeface="+mj-lt"/>
+              <a:buAutoNum type="arabicPeriod"/>
+            </a:pPr>
+            <a:r>
+              <a:rPr lang="en-US" sz="1200" dirty="0"/>
+              <a:t>The platform allows universities to monitor internships to ensure alignment with academic standards.</a:t>
+            </a:r>
+          </a:p>
+          <a:p>
+            <a:pPr marL="342900" indent="-342900">
+              <a:lnSpc>
+                <a:spcPct val="120000"/>
+              </a:lnSpc>
+              <a:buFont typeface="+mj-lt"/>
+              <a:buAutoNum type="arabicPeriod"/>
+            </a:pPr>
+            <a:r>
+              <a:rPr lang="en-US" sz="1200" dirty="0"/>
+              <a:t>The platform collects feedback from both students and companies to improve the platform’s functionality.</a:t>
+            </a:r>
+          </a:p>
+          <a:p>
+            <a:pPr marL="342900" indent="-342900">
+              <a:lnSpc>
+                <a:spcPct val="120000"/>
+              </a:lnSpc>
+              <a:buFont typeface="+mj-lt"/>
+              <a:buAutoNum type="arabicPeriod"/>
+            </a:pPr>
+            <a:r>
+              <a:rPr lang="en-US" sz="1200" dirty="0"/>
+              <a:t>Ensure a safe and supportive environment by providing students with mechanisms to file complaints and enabling universities to resolve them.</a:t>
+            </a:r>
+          </a:p>
+        </p:txBody>
+      </p:sp>
+      <p:pic>
+        <p:nvPicPr>
+          <p:cNvPr id="5" name="Picture 4" descr="People at the meeting desk">
+            <a:extLst>
+              <a:ext uri="{FF2B5EF4-FFF2-40B4-BE49-F238E27FC236}">
+                <a16:creationId xmlns:a16="http://schemas.microsoft.com/office/drawing/2014/main" id="{F6224CE8-5FDA-FFA0-4A11-A5A3F073082D}"/>
+              </a:ext>
+            </a:extLst>
+          </p:cNvPr>
+          <p:cNvPicPr>
+            <a:picLocks noChangeAspect="1"/>
+          </p:cNvPicPr>
+          <p:nvPr/>
+        </p:nvPicPr>
+        <p:blipFill>
+          <a:blip r:embed="rId2"/>
+          <a:srcRect l="30299" r="39701"/>
+          <a:stretch/>
+        </p:blipFill>
+        <p:spPr>
+          <a:xfrm>
+            <a:off x="8534400" y="10"/>
+            <a:ext cx="3657601" cy="6857990"/>
+          </a:xfrm>
+          <a:prstGeom prst="rect">
+            <a:avLst/>
+          </a:prstGeom>
+        </p:spPr>
+      </p:pic>
+      <p:sp>
+        <p:nvSpPr>
+          <p:cNvPr id="4" name="Slide Number Placeholder 3">
+            <a:extLst>
+              <a:ext uri="{FF2B5EF4-FFF2-40B4-BE49-F238E27FC236}">
+                <a16:creationId xmlns:a16="http://schemas.microsoft.com/office/drawing/2014/main" id="{A890F627-8CAC-49EA-00F6-9645150E2C68}"/>
+              </a:ext>
+            </a:extLst>
+          </p:cNvPr>
+          <p:cNvSpPr>
+            <a:spLocks noGrp="1"/>
+          </p:cNvSpPr>
+          <p:nvPr>
+            <p:ph type="sldNum" sz="quarter" idx="12"/>
+          </p:nvPr>
+        </p:nvSpPr>
+        <p:spPr/>
+        <p:txBody>
+          <a:bodyPr/>
+          <a:lstStyle/>
+          <a:p>
+            <a:fld id="{719D7796-F675-488F-AC46-C88938C80352}" type="slidenum">
+              <a:rPr lang="en-US" smtClean="0"/>
+              <a:t>4</a:t>
+            </a:fld>
+            <a:endParaRPr lang="en-US"/>
+          </a:p>
+        </p:txBody>
+      </p:sp>
+    </p:spTree>
+    <p:extLst>
+      <p:ext uri="{BB962C8B-B14F-4D97-AF65-F5344CB8AC3E}">
+        <p14:creationId xmlns:p14="http://schemas.microsoft.com/office/powerpoint/2010/main" val="1796382961"/>
+      </p:ext>
+    </p:extLst>
+  </p:cSld>
+  <p:clrMapOvr>
+    <a:masterClrMapping/>
+  </p:clrMapOvr>
+</p:sld>
+</file>
+
+<file path=ppt/slides/slide5.xml><?xml version="1.0" encoding="utf-8"?>
+<p:sld xmlns:a="http://schemas.openxmlformats.org/drawingml/2006/main" xmlns:r="http://schemas.openxmlformats.org/officeDocument/2006/relationships" xmlns:p="http://schemas.openxmlformats.org/presentationml/2006/main">
+  <p:cSld>
+    <p:spTree>
+      <p:nvGrpSpPr>
+        <p:cNvPr id="1" name="">
+          <a:extLst>
+            <a:ext uri="{FF2B5EF4-FFF2-40B4-BE49-F238E27FC236}">
+              <a16:creationId xmlns:a16="http://schemas.microsoft.com/office/drawing/2014/main" id="{2A645E8D-7E34-D6F0-404D-A00E25841E8C}"/>
+            </a:ext>
+          </a:extLst>
+        </p:cNvPr>
+        <p:cNvGrpSpPr/>
+        <p:nvPr/>
+      </p:nvGrpSpPr>
+      <p:grpSpPr>
+        <a:xfrm>
+          <a:off x="0" y="0"/>
+          <a:ext cx="0" cy="0"/>
+          <a:chOff x="0" y="0"/>
+          <a:chExt cx="0" cy="0"/>
+        </a:xfrm>
+      </p:grpSpPr>
+      <p:sp>
+        <p:nvSpPr>
+          <p:cNvPr id="2" name="Title 1">
+            <a:extLst>
+              <a:ext uri="{FF2B5EF4-FFF2-40B4-BE49-F238E27FC236}">
+                <a16:creationId xmlns:a16="http://schemas.microsoft.com/office/drawing/2014/main" id="{629578D6-A0BD-02E7-92BE-8FDD299988A5}"/>
+              </a:ext>
+            </a:extLst>
+          </p:cNvPr>
+          <p:cNvSpPr>
+            <a:spLocks noGrp="1"/>
+          </p:cNvSpPr>
+          <p:nvPr>
+            <p:ph type="title"/>
+          </p:nvPr>
+        </p:nvSpPr>
+        <p:spPr/>
+        <p:txBody>
+          <a:bodyPr/>
+          <a:lstStyle/>
+          <a:p>
+            <a:r>
+              <a:rPr lang="en-US" dirty="0"/>
+              <a:t>Highlighted Phenomena</a:t>
+            </a:r>
+          </a:p>
+        </p:txBody>
+      </p:sp>
+      <p:sp>
+        <p:nvSpPr>
+          <p:cNvPr id="3" name="Content Placeholder 2">
+            <a:extLst>
+              <a:ext uri="{FF2B5EF4-FFF2-40B4-BE49-F238E27FC236}">
+                <a16:creationId xmlns:a16="http://schemas.microsoft.com/office/drawing/2014/main" id="{CF35B48D-0D79-788B-E4D3-7BA93B0CC370}"/>
+              </a:ext>
+            </a:extLst>
+          </p:cNvPr>
+          <p:cNvSpPr>
+            <a:spLocks noGrp="1"/>
+          </p:cNvSpPr>
+          <p:nvPr>
+            <p:ph idx="1"/>
+          </p:nvPr>
+        </p:nvSpPr>
+        <p:spPr/>
+        <p:txBody>
+          <a:bodyPr>
+            <a:normAutofit/>
+          </a:bodyPr>
+          <a:lstStyle/>
+          <a:p>
+            <a:pPr marL="342900" indent="-342900">
+              <a:buFont typeface="+mj-lt"/>
+              <a:buAutoNum type="arabicPeriod"/>
+            </a:pPr>
+            <a:r>
+              <a:rPr lang="bs-Cyrl-BA" dirty="0"/>
+              <a:t>Унесите овдје које ове феномене хоћете да ставите, шта мислите да је битно</a:t>
+            </a:r>
+            <a:endParaRPr lang="en-US" dirty="0"/>
+          </a:p>
+        </p:txBody>
+      </p:sp>
+      <p:sp>
+        <p:nvSpPr>
+          <p:cNvPr id="4" name="Slide Number Placeholder 3">
+            <a:extLst>
+              <a:ext uri="{FF2B5EF4-FFF2-40B4-BE49-F238E27FC236}">
+                <a16:creationId xmlns:a16="http://schemas.microsoft.com/office/drawing/2014/main" id="{8F78C32F-EB98-6EAE-0DE3-C38DD56154DD}"/>
+              </a:ext>
+            </a:extLst>
+          </p:cNvPr>
+          <p:cNvSpPr>
+            <a:spLocks noGrp="1"/>
+          </p:cNvSpPr>
+          <p:nvPr>
+            <p:ph type="sldNum" sz="quarter" idx="12"/>
+          </p:nvPr>
+        </p:nvSpPr>
+        <p:spPr/>
+        <p:txBody>
+          <a:bodyPr/>
+          <a:lstStyle/>
+          <a:p>
+            <a:fld id="{719D7796-F675-488F-AC46-C88938C80352}" type="slidenum">
+              <a:rPr lang="en-US" smtClean="0"/>
+              <a:t>5</a:t>
+            </a:fld>
+            <a:endParaRPr lang="en-US"/>
+          </a:p>
+        </p:txBody>
+      </p:sp>
+    </p:spTree>
+    <p:extLst>
+      <p:ext uri="{BB962C8B-B14F-4D97-AF65-F5344CB8AC3E}">
+        <p14:creationId xmlns:p14="http://schemas.microsoft.com/office/powerpoint/2010/main" val="1792854989"/>
+      </p:ext>
+    </p:extLst>
+  </p:cSld>
+  <p:clrMapOvr>
+    <a:masterClrMapping/>
+  </p:clrMapOvr>
+</p:sld>
+</file>
+
+<file path=ppt/slides/slide6.xml><?xml version="1.0" encoding="utf-8"?>
+<p:sld xmlns:a="http://schemas.openxmlformats.org/drawingml/2006/main" xmlns:r="http://schemas.openxmlformats.org/officeDocument/2006/relationships" xmlns:p="http://schemas.openxmlformats.org/presentationml/2006/main">
+  <p:cSld>
+    <p:spTree>
+      <p:nvGrpSpPr>
+        <p:cNvPr id="1" name=""/>
+        <p:cNvGrpSpPr/>
+        <p:nvPr/>
+      </p:nvGrpSpPr>
+      <p:grpSpPr>
+        <a:xfrm>
+          <a:off x="0" y="0"/>
+          <a:ext cx="0" cy="0"/>
+          <a:chOff x="0" y="0"/>
+          <a:chExt cx="0" cy="0"/>
+        </a:xfrm>
+      </p:grpSpPr>
+      <p:sp>
+        <p:nvSpPr>
+          <p:cNvPr id="2" name="Title 1">
+            <a:extLst>
+              <a:ext uri="{FF2B5EF4-FFF2-40B4-BE49-F238E27FC236}">
+                <a16:creationId xmlns:a16="http://schemas.microsoft.com/office/drawing/2014/main" id="{77014C57-19B3-832C-1C67-BAA928A2DDAE}"/>
+              </a:ext>
+            </a:extLst>
+          </p:cNvPr>
+          <p:cNvSpPr>
+            <a:spLocks noGrp="1"/>
+          </p:cNvSpPr>
+          <p:nvPr>
+            <p:ph type="title"/>
+          </p:nvPr>
+        </p:nvSpPr>
+        <p:spPr/>
+        <p:txBody>
+          <a:bodyPr/>
+          <a:lstStyle/>
+          <a:p>
+            <a:r>
+              <a:rPr lang="en-US" dirty="0"/>
+              <a:t>[UC6] Create and Publish Internship Advertisement</a:t>
+            </a:r>
+          </a:p>
+        </p:txBody>
+      </p:sp>
+      <p:sp>
+        <p:nvSpPr>
+          <p:cNvPr id="3" name="Content Placeholder 2">
+            <a:extLst>
+              <a:ext uri="{FF2B5EF4-FFF2-40B4-BE49-F238E27FC236}">
+                <a16:creationId xmlns:a16="http://schemas.microsoft.com/office/drawing/2014/main" id="{4AFD7317-EEAD-3DEF-EE14-EABA7E4938D2}"/>
+              </a:ext>
+            </a:extLst>
+          </p:cNvPr>
+          <p:cNvSpPr>
+            <a:spLocks noGrp="1"/>
+          </p:cNvSpPr>
+          <p:nvPr>
+            <p:ph idx="1"/>
+          </p:nvPr>
+        </p:nvSpPr>
+        <p:spPr/>
+        <p:txBody>
+          <a:bodyPr>
+            <a:normAutofit fontScale="70000" lnSpcReduction="20000"/>
+          </a:bodyPr>
+          <a:lstStyle/>
+          <a:p>
+            <a:pPr marL="0" indent="0">
+              <a:buNone/>
+            </a:pPr>
+            <a:r>
+              <a:rPr lang="en-US" b="1" dirty="0"/>
+              <a:t>Actors</a:t>
+            </a:r>
+            <a:r>
+              <a:rPr lang="en-US" dirty="0"/>
+              <a:t>: Company Users </a:t>
+            </a:r>
+          </a:p>
+          <a:p>
+            <a:pPr marL="0" indent="0">
+              <a:buNone/>
+            </a:pPr>
+            <a:r>
+              <a:rPr lang="en-US" b="1" dirty="0"/>
+              <a:t>Preconditions</a:t>
+            </a:r>
+            <a:r>
+              <a:rPr lang="en-US" dirty="0"/>
+              <a:t>: The company user has successfully logged into the platform and is viewing the landing page. The company user has been externally verified by an admin. The company user has not reached the maximum number of advertisements.</a:t>
+            </a:r>
+          </a:p>
+          <a:p>
+            <a:pPr marL="0" indent="0">
+              <a:buNone/>
+            </a:pPr>
+            <a:r>
+              <a:rPr lang="en-US" b="1" dirty="0"/>
+              <a:t>Success Guarantee (Postconditions)</a:t>
+            </a:r>
+            <a:r>
+              <a:rPr lang="en-US" dirty="0"/>
+              <a:t>: The company user successfully published an Internship Advertisement.</a:t>
+            </a:r>
+          </a:p>
+          <a:p>
+            <a:pPr marL="0" indent="0">
+              <a:buNone/>
+            </a:pPr>
+            <a:r>
+              <a:rPr lang="en-US" b="1" dirty="0"/>
+              <a:t>Main Success Scenario (or Basic Flow)</a:t>
+            </a:r>
+            <a:r>
+              <a:rPr lang="en-US" dirty="0"/>
+              <a:t>:</a:t>
+            </a:r>
+          </a:p>
+          <a:p>
+            <a:pPr marL="0" indent="0">
+              <a:buNone/>
+            </a:pPr>
+            <a:r>
+              <a:rPr lang="en-US" dirty="0"/>
+              <a:t>1. The company user presses the large ’+’ button for creating a new advertisement.</a:t>
+            </a:r>
+          </a:p>
+          <a:p>
+            <a:pPr marL="0" indent="0">
+              <a:buNone/>
+            </a:pPr>
+            <a:r>
+              <a:rPr lang="en-US" dirty="0"/>
+              <a:t>2. The platform redirects the user to the advertisement creation page.</a:t>
+            </a:r>
+          </a:p>
+          <a:p>
+            <a:pPr marL="0" indent="0">
+              <a:buNone/>
+            </a:pPr>
+            <a:r>
+              <a:rPr lang="en-US" dirty="0"/>
+              <a:t>3. The company user enters the mandatory information required for advertisement creation.</a:t>
+            </a:r>
+          </a:p>
+          <a:p>
+            <a:pPr marL="0" indent="0">
+              <a:buNone/>
+            </a:pPr>
+            <a:r>
+              <a:rPr lang="en-US" dirty="0"/>
+              <a:t>4. The company user presses the ’Publish button’.</a:t>
+            </a:r>
+          </a:p>
+          <a:p>
+            <a:pPr marL="0" indent="0">
+              <a:buNone/>
+            </a:pPr>
+            <a:r>
+              <a:rPr lang="en-US" dirty="0"/>
+              <a:t>5. The company user is redirected to the landing page and informed that the advertisement has been published. The company user can see his newly published advertisement.</a:t>
+            </a:r>
+          </a:p>
+        </p:txBody>
+      </p:sp>
+      <p:sp>
+        <p:nvSpPr>
+          <p:cNvPr id="4" name="Slide Number Placeholder 3">
+            <a:extLst>
+              <a:ext uri="{FF2B5EF4-FFF2-40B4-BE49-F238E27FC236}">
+                <a16:creationId xmlns:a16="http://schemas.microsoft.com/office/drawing/2014/main" id="{EEFB9112-90AB-0334-49FE-CCE262B3B479}"/>
+              </a:ext>
+            </a:extLst>
+          </p:cNvPr>
+          <p:cNvSpPr>
+            <a:spLocks noGrp="1"/>
+          </p:cNvSpPr>
+          <p:nvPr>
+            <p:ph type="sldNum" sz="quarter" idx="12"/>
+          </p:nvPr>
+        </p:nvSpPr>
+        <p:spPr/>
+        <p:txBody>
+          <a:bodyPr/>
+          <a:lstStyle/>
+          <a:p>
+            <a:fld id="{719D7796-F675-488F-AC46-C88938C80352}" type="slidenum">
+              <a:rPr lang="en-US" smtClean="0"/>
+              <a:t>6</a:t>
+            </a:fld>
+            <a:endParaRPr lang="en-US"/>
+          </a:p>
+        </p:txBody>
+      </p:sp>
+    </p:spTree>
+    <p:extLst>
+      <p:ext uri="{BB962C8B-B14F-4D97-AF65-F5344CB8AC3E}">
+        <p14:creationId xmlns:p14="http://schemas.microsoft.com/office/powerpoint/2010/main" val="1656042441"/>
+      </p:ext>
+    </p:extLst>
+  </p:cSld>
+  <p:clrMapOvr>
+    <a:masterClrMapping/>
+  </p:clrMapOvr>
+</p:sld>
+</file>
+
+<file path=ppt/slides/slide7.xml><?xml version="1.0" encoding="utf-8"?>
+<p:sld xmlns:a="http://schemas.openxmlformats.org/drawingml/2006/main" xmlns:r="http://schemas.openxmlformats.org/officeDocument/2006/relationships" xmlns:p="http://schemas.openxmlformats.org/presentationml/2006/main">
+  <p:cSld>
+    <p:spTree>
+      <p:nvGrpSpPr>
+        <p:cNvPr id="1" name=""/>
+        <p:cNvGrpSpPr/>
+        <p:nvPr/>
+      </p:nvGrpSpPr>
+      <p:grpSpPr>
+        <a:xfrm>
+          <a:off x="0" y="0"/>
+          <a:ext cx="0" cy="0"/>
+          <a:chOff x="0" y="0"/>
+          <a:chExt cx="0" cy="0"/>
+        </a:xfrm>
+      </p:grpSpPr>
+      <p:sp>
+        <p:nvSpPr>
+          <p:cNvPr id="2" name="Title 1">
+            <a:extLst>
+              <a:ext uri="{FF2B5EF4-FFF2-40B4-BE49-F238E27FC236}">
+                <a16:creationId xmlns:a16="http://schemas.microsoft.com/office/drawing/2014/main" id="{8D5B74AC-13C4-7300-B603-7CEF8A8C288C}"/>
+              </a:ext>
+            </a:extLst>
+          </p:cNvPr>
+          <p:cNvSpPr>
+            <a:spLocks noGrp="1"/>
+          </p:cNvSpPr>
+          <p:nvPr>
+            <p:ph type="title"/>
+          </p:nvPr>
+        </p:nvSpPr>
+        <p:spPr/>
+        <p:txBody>
+          <a:bodyPr/>
+          <a:lstStyle/>
+          <a:p>
+            <a:r>
+              <a:rPr lang="en-US" dirty="0"/>
+              <a:t>[UC6] Extensions (or Alternative Flows):</a:t>
+            </a:r>
+          </a:p>
+        </p:txBody>
+      </p:sp>
+      <p:sp>
+        <p:nvSpPr>
+          <p:cNvPr id="3" name="Content Placeholder 2">
+            <a:extLst>
+              <a:ext uri="{FF2B5EF4-FFF2-40B4-BE49-F238E27FC236}">
+                <a16:creationId xmlns:a16="http://schemas.microsoft.com/office/drawing/2014/main" id="{32253C9C-A585-05AE-5F2A-CB8BB1A51714}"/>
+              </a:ext>
+            </a:extLst>
+          </p:cNvPr>
+          <p:cNvSpPr>
+            <a:spLocks noGrp="1"/>
+          </p:cNvSpPr>
+          <p:nvPr>
+            <p:ph idx="1"/>
+          </p:nvPr>
+        </p:nvSpPr>
+        <p:spPr/>
+        <p:txBody>
+          <a:bodyPr>
+            <a:normAutofit fontScale="85000" lnSpcReduction="20000"/>
+          </a:bodyPr>
+          <a:lstStyle/>
+          <a:p>
+            <a:pPr marL="0" indent="0">
+              <a:buNone/>
+            </a:pPr>
+            <a:r>
+              <a:rPr lang="en-US" dirty="0"/>
+              <a:t>*a. At any point, the user disconnects or the system fails:</a:t>
+            </a:r>
+          </a:p>
+          <a:p>
+            <a:pPr marL="0" indent="0">
+              <a:buNone/>
+            </a:pPr>
+            <a:r>
+              <a:rPr lang="en-US" dirty="0"/>
+              <a:t>     1. The user reconnects to the platform.</a:t>
+            </a:r>
+          </a:p>
+          <a:p>
+            <a:pPr marL="0" indent="0">
+              <a:buNone/>
+            </a:pPr>
+            <a:r>
+              <a:rPr lang="en-US" dirty="0"/>
+              <a:t>          1a. The platform fails to recover, or the user is unable to reconnect.</a:t>
+            </a:r>
+          </a:p>
+          <a:p>
+            <a:pPr marL="0" indent="0">
+              <a:buNone/>
+            </a:pPr>
+            <a:r>
+              <a:rPr lang="en-US" dirty="0"/>
+              <a:t>     2. The user is automatically logged back in.</a:t>
+            </a:r>
+          </a:p>
+          <a:p>
+            <a:pPr marL="0" indent="0">
+              <a:buNone/>
+            </a:pPr>
+            <a:r>
+              <a:rPr lang="en-US" dirty="0"/>
+              <a:t>     3. The user continues from the last saved checkpoint.</a:t>
+            </a:r>
+          </a:p>
+          <a:p>
+            <a:pPr marL="0" indent="0">
+              <a:buNone/>
+            </a:pPr>
+            <a:r>
+              <a:rPr lang="en-US" dirty="0"/>
+              <a:t>3a. The company user enters invalid information in the advertisement:</a:t>
+            </a:r>
+          </a:p>
+          <a:p>
+            <a:pPr marL="0" indent="0">
+              <a:buNone/>
+            </a:pPr>
+            <a:r>
+              <a:rPr lang="en-US" dirty="0"/>
+              <a:t>     1. The platform informs the company user that the change is not possible.</a:t>
+            </a:r>
+          </a:p>
+          <a:p>
+            <a:pPr marL="0" indent="0">
+              <a:buNone/>
+            </a:pPr>
+            <a:r>
+              <a:rPr lang="en-US" dirty="0"/>
+              <a:t>     2. The user corrects their action and proceeds with advertisement creation.</a:t>
+            </a:r>
+          </a:p>
+          <a:p>
+            <a:pPr marL="0" indent="0">
+              <a:buNone/>
+            </a:pPr>
+            <a:r>
+              <a:rPr lang="en-US" dirty="0"/>
+              <a:t>2a.; 5a. The platform is unable to redirect the user.</a:t>
+            </a:r>
+          </a:p>
+          <a:p>
+            <a:pPr marL="0" indent="0">
+              <a:buNone/>
+            </a:pPr>
+            <a:r>
+              <a:rPr lang="en-US" dirty="0"/>
+              <a:t>4a. The advertisement is unable to be published due to server error.</a:t>
+            </a:r>
+          </a:p>
+        </p:txBody>
+      </p:sp>
+      <p:sp>
+        <p:nvSpPr>
+          <p:cNvPr id="4" name="Slide Number Placeholder 3">
+            <a:extLst>
+              <a:ext uri="{FF2B5EF4-FFF2-40B4-BE49-F238E27FC236}">
+                <a16:creationId xmlns:a16="http://schemas.microsoft.com/office/drawing/2014/main" id="{B2FF8916-06BE-60BF-228F-3190F81BAA3F}"/>
+              </a:ext>
+            </a:extLst>
+          </p:cNvPr>
+          <p:cNvSpPr>
+            <a:spLocks noGrp="1"/>
+          </p:cNvSpPr>
+          <p:nvPr>
+            <p:ph type="sldNum" sz="quarter" idx="12"/>
+          </p:nvPr>
+        </p:nvSpPr>
+        <p:spPr/>
+        <p:txBody>
+          <a:bodyPr/>
+          <a:lstStyle/>
+          <a:p>
+            <a:fld id="{719D7796-F675-488F-AC46-C88938C80352}" type="slidenum">
+              <a:rPr lang="en-US" smtClean="0"/>
+              <a:t>7</a:t>
+            </a:fld>
+            <a:endParaRPr lang="en-US"/>
+          </a:p>
+        </p:txBody>
+      </p:sp>
+    </p:spTree>
+    <p:extLst>
+      <p:ext uri="{BB962C8B-B14F-4D97-AF65-F5344CB8AC3E}">
+        <p14:creationId xmlns:p14="http://schemas.microsoft.com/office/powerpoint/2010/main" val="2534789356"/>
+      </p:ext>
+    </p:extLst>
+  </p:cSld>
+  <p:clrMapOvr>
+    <a:masterClrMapping/>
+  </p:clrMapOvr>
+</p:sld>
+</file>
+
+<file path=ppt/slides/slide8.xml><?xml version="1.0" encoding="utf-8"?>
+<p:sld xmlns:a="http://schemas.openxmlformats.org/drawingml/2006/main" xmlns:r="http://schemas.openxmlformats.org/officeDocument/2006/relationships" xmlns:p="http://schemas.openxmlformats.org/presentationml/2006/main">
+  <p:cSld>
+    <p:spTree>
+      <p:nvGrpSpPr>
+        <p:cNvPr id="1" name=""/>
+        <p:cNvGrpSpPr/>
+        <p:nvPr/>
+      </p:nvGrpSpPr>
+      <p:grpSpPr>
+        <a:xfrm>
+          <a:off x="0" y="0"/>
+          <a:ext cx="0" cy="0"/>
+          <a:chOff x="0" y="0"/>
+          <a:chExt cx="0" cy="0"/>
+        </a:xfrm>
+      </p:grpSpPr>
+      <p:pic>
+        <p:nvPicPr>
+          <p:cNvPr id="5" name="Content Placeholder 4" descr="A screenshot of a computer&#10;&#10;Description automatically generated">
+            <a:extLst>
+              <a:ext uri="{FF2B5EF4-FFF2-40B4-BE49-F238E27FC236}">
+                <a16:creationId xmlns:a16="http://schemas.microsoft.com/office/drawing/2014/main" id="{10590600-F2D2-7F97-D742-2D64206E6944}"/>
+              </a:ext>
+            </a:extLst>
+          </p:cNvPr>
+          <p:cNvPicPr>
+            <a:picLocks noGrp="1" noChangeAspect="1"/>
+          </p:cNvPicPr>
+          <p:nvPr>
+            <p:ph idx="1"/>
+          </p:nvPr>
+        </p:nvPicPr>
+        <p:blipFill>
+          <a:blip r:embed="rId2">
+            <a:extLst>
+              <a:ext uri="{28A0092B-C50C-407E-A947-70E740481C1C}">
+                <a14:useLocalDpi xmlns:a14="http://schemas.microsoft.com/office/drawing/2010/main" val="0"/>
+              </a:ext>
+            </a:extLst>
+          </a:blip>
+          <a:stretch>
+            <a:fillRect/>
+          </a:stretch>
+        </p:blipFill>
+        <p:spPr>
+          <a:xfrm>
+            <a:off x="1714376" y="160109"/>
+            <a:ext cx="8601199" cy="6537781"/>
+          </a:xfrm>
+        </p:spPr>
+      </p:pic>
+      <p:sp>
+        <p:nvSpPr>
+          <p:cNvPr id="6" name="Title 1">
+            <a:extLst>
+              <a:ext uri="{FF2B5EF4-FFF2-40B4-BE49-F238E27FC236}">
+                <a16:creationId xmlns:a16="http://schemas.microsoft.com/office/drawing/2014/main" id="{3AD00E0A-CF78-06E1-2C42-751BE12B9987}"/>
+              </a:ext>
+            </a:extLst>
+          </p:cNvPr>
+          <p:cNvSpPr>
+            <a:spLocks noGrp="1"/>
+          </p:cNvSpPr>
+          <p:nvPr>
+            <p:ph type="title"/>
+          </p:nvPr>
+        </p:nvSpPr>
+        <p:spPr>
+          <a:xfrm>
+            <a:off x="116852" y="244018"/>
+            <a:ext cx="2597773" cy="744766"/>
+          </a:xfrm>
+        </p:spPr>
+        <p:txBody>
+          <a:bodyPr>
+            <a:normAutofit/>
+          </a:bodyPr>
+          <a:lstStyle/>
+          <a:p>
+            <a:r>
+              <a:rPr lang="en-US" sz="2400" dirty="0"/>
+              <a:t>[UC6] Use Case Diagram</a:t>
+            </a:r>
+          </a:p>
+        </p:txBody>
+      </p:sp>
+      <p:sp>
+        <p:nvSpPr>
+          <p:cNvPr id="2" name="Slide Number Placeholder 1">
+            <a:extLst>
+              <a:ext uri="{FF2B5EF4-FFF2-40B4-BE49-F238E27FC236}">
+                <a16:creationId xmlns:a16="http://schemas.microsoft.com/office/drawing/2014/main" id="{A86FE0C7-285F-9DA4-1DD1-C4D358E148CF}"/>
+              </a:ext>
+            </a:extLst>
+          </p:cNvPr>
+          <p:cNvSpPr>
+            <a:spLocks noGrp="1"/>
+          </p:cNvSpPr>
+          <p:nvPr>
+            <p:ph type="sldNum" sz="quarter" idx="12"/>
+          </p:nvPr>
+        </p:nvSpPr>
+        <p:spPr/>
+        <p:txBody>
+          <a:bodyPr/>
+          <a:lstStyle/>
+          <a:p>
+            <a:fld id="{719D7796-F675-488F-AC46-C88938C80352}" type="slidenum">
+              <a:rPr lang="en-US" smtClean="0"/>
+              <a:t>8</a:t>
+            </a:fld>
+            <a:endParaRPr lang="en-US"/>
+          </a:p>
+        </p:txBody>
+      </p:sp>
+    </p:spTree>
+    <p:extLst>
+      <p:ext uri="{BB962C8B-B14F-4D97-AF65-F5344CB8AC3E}">
+        <p14:creationId xmlns:p14="http://schemas.microsoft.com/office/powerpoint/2010/main" val="3961341605"/>
+      </p:ext>
+    </p:extLst>
+  </p:cSld>
+  <p:clrMapOvr>
+    <a:masterClrMapping/>
+  </p:clrMapOvr>
+</p:sld>
+</file>
+
+<file path=ppt/slides/slide9.xml><?xml version="1.0" encoding="utf-8"?>
+<p:sld xmlns:a="http://schemas.openxmlformats.org/drawingml/2006/main" xmlns:r="http://schemas.openxmlformats.org/officeDocument/2006/relationships" xmlns:p="http://schemas.openxmlformats.org/presentationml/2006/main">
+  <p:cSld>
+    <p:bg>
+      <p:bgPr>
+        <a:solidFill>
+          <a:schemeClr val="bg1"/>
+        </a:solidFill>
+        <a:effectLst/>
+      </p:bgPr>
+    </p:bg>
+    <p:spTree>
+      <p:nvGrpSpPr>
+        <p:cNvPr id="1" name=""/>
+        <p:cNvGrpSpPr/>
+        <p:nvPr/>
+      </p:nvGrpSpPr>
+      <p:grpSpPr>
+        <a:xfrm>
+          <a:off x="0" y="0"/>
+          <a:ext cx="0" cy="0"/>
+          <a:chOff x="0" y="0"/>
+          <a:chExt cx="0" cy="0"/>
+        </a:xfrm>
+      </p:grpSpPr>
+      <p:sp useBgFill="1">
+        <p:nvSpPr>
+          <p:cNvPr id="9" name="Rectangle 8">
+            <a:extLst>
+              <a:ext uri="{FF2B5EF4-FFF2-40B4-BE49-F238E27FC236}">
+                <a16:creationId xmlns:a16="http://schemas.microsoft.com/office/drawing/2014/main" id="{561B1731-39D9-4145-8343-C209E1F09BC7}"/>
+              </a:ext>
+              <a:ext uri="{C183D7F6-B498-43B3-948B-1728B52AA6E4}">
+                <adec:decorative xmlns:adec="http://schemas.microsoft.com/office/drawing/2017/decorative" val="1"/>
+              </a:ext>
+            </a:extLst>
+          </p:cNvPr>
+          <p:cNvSpPr>
+            <a:spLocks noGrp="1" noRot="1" noChangeAspect="1" noMove="1" noResize="1" noEditPoints="1" noAdjustHandles="1" noChangeArrowheads="1" noChangeShapeType="1" noTextEdit="1"/>
+          </p:cNvSpPr>
+          <p:nvPr>
+            <p:extLst>
+              <p:ext uri="{386F3935-93C4-4BCD-93E2-E3B085C9AB24}">
+                <p16:designElem xmlns:p16="http://schemas.microsoft.com/office/powerpoint/2015/main" val="1"/>
+              </p:ext>
+            </p:extLst>
+          </p:nvPr>
+        </p:nvSpPr>
+        <p:spPr>
+          <a:xfrm>
+            <a:off x="0" y="0"/>
+            <a:ext cx="12192000" cy="6858000"/>
+          </a:xfrm>
+          <a:prstGeom prst="rect">
+            <a:avLst/>
+          </a:prstGeom>
+          <a:ln w="12700" cap="flat" cmpd="sng" algn="ctr">
+            <a:noFill/>
+            <a:prstDash val="solid"/>
+            <a:miter lim="800000"/>
+          </a:ln>
+          <a:effectLst/>
+          <a:extLst>
+            <a:ext uri="{91240B29-F687-4F45-9708-019B960494DF}">
+              <a14:hiddenLine xmlns:a14="http://schemas.microsoft.com/office/drawing/2010/main" w="12700" cap="flat" cmpd="sng" algn="ctr">
+                <a:solidFill>
+                  <a:schemeClr val="accent1">
+                    <a:shade val="50000"/>
+                  </a:schemeClr>
+                </a:solidFill>
+                <a:prstDash val="solid"/>
+                <a:miter lim="800000"/>
+              </a14:hiddenLine>
+            </a:ext>
+          </a:extLst>
+        </p:spPr>
+        <p:style>
+          <a:lnRef idx="2">
+            <a:schemeClr val="accent1">
+              <a:shade val="50000"/>
+            </a:schemeClr>
+          </a:lnRef>
+          <a:fillRef idx="1">
+            <a:schemeClr val="accent1"/>
+          </a:fillRef>
+          <a:effectRef idx="0">
+            <a:schemeClr val="accent1"/>
+          </a:effectRef>
+          <a:fontRef idx="minor">
+            <a:schemeClr val="lt1"/>
+          </a:fontRef>
+        </p:style>
+        <p:txBody>
+          <a:bodyPr rtlCol="0" anchor="ctr"/>
+          <a:lstStyle/>
+          <a:p>
+            <a:pPr algn="ctr"/>
+            <a:endParaRPr lang="en-US"/>
+          </a:p>
+        </p:txBody>
+      </p:sp>
       <p:sp>
         <p:nvSpPr>
           <p:cNvPr id="2" name="Title 1">
@@ -17742,7 +19850,7 @@
             </a:pPr>
             <a:r>
               <a:rPr lang="en-US" sz="1600" dirty="0"/>
-              <a:t>Registration of Students</a:t>
+              <a:t>Registration of Students [3]</a:t>
             </a:r>
           </a:p>
           <a:p>
@@ -17755,7 +19863,7 @@
             </a:pPr>
             <a:r>
               <a:rPr lang="en-US" sz="1600" dirty="0"/>
-              <a:t>Registration of Companies</a:t>
+              <a:t>Registration of Companies [6]</a:t>
             </a:r>
           </a:p>
           <a:p>
@@ -17768,7 +19876,7 @@
             </a:pPr>
             <a:r>
               <a:rPr lang="en-US" sz="1600" dirty="0"/>
-              <a:t>Registration of Universities</a:t>
+              <a:t>Registration of Universities [3]</a:t>
             </a:r>
           </a:p>
           <a:p>
@@ -17781,7 +19889,7 @@
             </a:pPr>
             <a:r>
               <a:rPr lang="en-US" sz="1600" dirty="0"/>
-              <a:t>Profile Management</a:t>
+              <a:t>Profile Management [7]</a:t>
             </a:r>
           </a:p>
           <a:p>
@@ -17794,7 +19902,7 @@
             </a:pPr>
             <a:r>
               <a:rPr lang="en-US" sz="1600" dirty="0"/>
-              <a:t>Internship Advertisement Creation and Management</a:t>
+              <a:t>Internship Advertisement Creation and Management [6]</a:t>
             </a:r>
           </a:p>
           <a:p>
@@ -17807,7 +19915,7 @@
             </a:pPr>
             <a:r>
               <a:rPr lang="en-US" sz="1600" dirty="0"/>
-              <a:t>Internship Search, Application, and Management of Applications</a:t>
+              <a:t>Internship Search, Application, and Management of Applications [9]</a:t>
             </a:r>
           </a:p>
           <a:p>
@@ -17820,7 +19928,7 @@
             </a:pPr>
             <a:r>
               <a:rPr lang="en-US" sz="1600" dirty="0"/>
-              <a:t>Internship Monitoring, Complaint Management &amp; Feedback System</a:t>
+              <a:t>Internship Monitoring, Complaint Management &amp; Feedback System [5]</a:t>
             </a:r>
           </a:p>
         </p:txBody>
@@ -17854,6 +19962,35 @@
           </a:prstGeom>
         </p:spPr>
       </p:pic>
+      <p:sp>
+        <p:nvSpPr>
+          <p:cNvPr id="4" name="Slide Number Placeholder 3">
+            <a:extLst>
+              <a:ext uri="{FF2B5EF4-FFF2-40B4-BE49-F238E27FC236}">
+                <a16:creationId xmlns:a16="http://schemas.microsoft.com/office/drawing/2014/main" id="{9A9CE519-74E4-7955-F13C-3392F5D2F410}"/>
+              </a:ext>
+            </a:extLst>
+          </p:cNvPr>
+          <p:cNvSpPr>
+            <a:spLocks noGrp="1"/>
+          </p:cNvSpPr>
+          <p:nvPr>
+            <p:ph type="sldNum" sz="quarter" idx="12"/>
+          </p:nvPr>
+        </p:nvSpPr>
+        <p:spPr/>
+        <p:txBody>
+          <a:bodyPr/>
+          <a:lstStyle/>
+          <a:p>
+            <a:fld id="{719D7796-F675-488F-AC46-C88938C80352}" type="slidenum">
+              <a:rPr lang="en-US" smtClean="0"/>
+              <a:t>9</a:t>
+            </a:fld>
+            <a:endParaRPr lang="en-US"/>
+          </a:p>
+        </p:txBody>
+      </p:sp>
     </p:spTree>
     <p:extLst>
       <p:ext uri="{BB962C8B-B14F-4D97-AF65-F5344CB8AC3E}">
@@ -18066,4 +20203,319 @@
     </a:ext>
   </a:extLst>
 </a:theme>
+</file>
+
+<file path=ppt/theme/theme2.xml><?xml version="1.0" encoding="utf-8"?>
+<a:theme xmlns:a="http://schemas.openxmlformats.org/drawingml/2006/main" name="Office Theme">
+  <a:themeElements>
+    <a:clrScheme name="Office">
+      <a:dk1>
+        <a:sysClr val="windowText" lastClr="000000"/>
+      </a:dk1>
+      <a:lt1>
+        <a:sysClr val="window" lastClr="FFFFFF"/>
+      </a:lt1>
+      <a:dk2>
+        <a:srgbClr val="0E2841"/>
+      </a:dk2>
+      <a:lt2>
+        <a:srgbClr val="E8E8E8"/>
+      </a:lt2>
+      <a:accent1>
+        <a:srgbClr val="156082"/>
+      </a:accent1>
+      <a:accent2>
+        <a:srgbClr val="E97132"/>
+      </a:accent2>
+      <a:accent3>
+        <a:srgbClr val="196B24"/>
+      </a:accent3>
+      <a:accent4>
+        <a:srgbClr val="0F9ED5"/>
+      </a:accent4>
+      <a:accent5>
+        <a:srgbClr val="A02B93"/>
+      </a:accent5>
+      <a:accent6>
+        <a:srgbClr val="4EA72E"/>
+      </a:accent6>
+      <a:hlink>
+        <a:srgbClr val="467886"/>
+      </a:hlink>
+      <a:folHlink>
+        <a:srgbClr val="96607D"/>
+      </a:folHlink>
+    </a:clrScheme>
+    <a:fontScheme name="Office">
+      <a:majorFont>
+        <a:latin typeface="Aptos Display" panose="02110004020202020204"/>
+        <a:ea typeface=""/>
+        <a:cs typeface=""/>
+        <a:font script="Jpan" typeface="游ゴシック Light"/>
+        <a:font script="Hang" typeface="맑은 고딕"/>
+        <a:font script="Hans" typeface="等线 Light"/>
+        <a:font script="Hant" typeface="新細明體"/>
+        <a:font script="Arab" typeface="Times New Roman"/>
+        <a:font script="Hebr" typeface="Times New Roman"/>
+        <a:font script="Thai" typeface="Angsana New"/>
+        <a:font script="Ethi" typeface="Nyala"/>
+        <a:font script="Beng" typeface="Vrinda"/>
+        <a:font script="Gujr" typeface="Shruti"/>
+        <a:font script="Khmr" typeface="MoolBoran"/>
+        <a:font script="Knda" typeface="Tunga"/>
+        <a:font script="Guru" typeface="Raavi"/>
+        <a:font script="Cans" typeface="Euphemia"/>
+        <a:font script="Cher" typeface="Plantagenet Cherokee"/>
+        <a:font script="Yiii" typeface="Microsoft Yi Baiti"/>
+        <a:font script="Tibt" typeface="Microsoft Himalaya"/>
+        <a:font script="Thaa" typeface="MV Boli"/>
+        <a:font script="Deva" typeface="Mangal"/>
+        <a:font script="Telu" typeface="Gautami"/>
+        <a:font script="Taml" typeface="Latha"/>
+        <a:font script="Syrc" typeface="Estrangelo Edessa"/>
+        <a:font script="Orya" typeface="Kalinga"/>
+        <a:font script="Mlym" typeface="Kartika"/>
+        <a:font script="Laoo" typeface="DokChampa"/>
+        <a:font script="Sinh" typeface="Iskoola Pota"/>
+        <a:font script="Mong" typeface="Mongolian Baiti"/>
+        <a:font script="Viet" typeface="Times New Roman"/>
+        <a:font script="Uigh" typeface="Microsoft Uighur"/>
+        <a:font script="Geor" typeface="Sylfaen"/>
+        <a:font script="Armn" typeface="Arial"/>
+        <a:font script="Bugi" typeface="Leelawadee UI"/>
+        <a:font script="Bopo" typeface="Microsoft JhengHei"/>
+        <a:font script="Java" typeface="Javanese Text"/>
+        <a:font script="Lisu" typeface="Segoe UI"/>
+        <a:font script="Mymr" typeface="Myanmar Text"/>
+        <a:font script="Nkoo" typeface="Ebrima"/>
+        <a:font script="Olck" typeface="Nirmala UI"/>
+        <a:font script="Osma" typeface="Ebrima"/>
+        <a:font script="Phag" typeface="Phagspa"/>
+        <a:font script="Syrn" typeface="Estrangelo Edessa"/>
+        <a:font script="Syrj" typeface="Estrangelo Edessa"/>
+        <a:font script="Syre" typeface="Estrangelo Edessa"/>
+        <a:font script="Sora" typeface="Nirmala UI"/>
+        <a:font script="Tale" typeface="Microsoft Tai Le"/>
+        <a:font script="Talu" typeface="Microsoft New Tai Lue"/>
+        <a:font script="Tfng" typeface="Ebrima"/>
+      </a:majorFont>
+      <a:minorFont>
+        <a:latin typeface="Aptos" panose="02110004020202020204"/>
+        <a:ea typeface=""/>
+        <a:cs typeface=""/>
+        <a:font script="Jpan" typeface="游ゴシック"/>
+        <a:font script="Hang" typeface="맑은 고딕"/>
+        <a:font script="Hans" typeface="等线"/>
+        <a:font script="Hant" typeface="新細明體"/>
+        <a:font script="Arab" typeface="Arial"/>
+        <a:font script="Hebr" typeface="Arial"/>
+        <a:font script="Thai" typeface="Cordia New"/>
+        <a:font script="Ethi" typeface="Nyala"/>
+        <a:font script="Beng" typeface="Vrinda"/>
+        <a:font script="Gujr" typeface="Shruti"/>
+        <a:font script="Khmr" typeface="DaunPenh"/>
+        <a:font script="Knda" typeface="Tunga"/>
+        <a:font script="Guru" typeface="Raavi"/>
+        <a:font script="Cans" typeface="Euphemia"/>
+        <a:font script="Cher" typeface="Plantagenet Cherokee"/>
+        <a:font script="Yiii" typeface="Microsoft Yi Baiti"/>
+        <a:font script="Tibt" typeface="Microsoft Himalaya"/>
+        <a:font script="Thaa" typeface="MV Boli"/>
+        <a:font script="Deva" typeface="Mangal"/>
+        <a:font script="Telu" typeface="Gautami"/>
+        <a:font script="Taml" typeface="Latha"/>
+        <a:font script="Syrc" typeface="Estrangelo Edessa"/>
+        <a:font script="Orya" typeface="Kalinga"/>
+        <a:font script="Mlym" typeface="Kartika"/>
+        <a:font script="Laoo" typeface="DokChampa"/>
+        <a:font script="Sinh" typeface="Iskoola Pota"/>
+        <a:font script="Mong" typeface="Mongolian Baiti"/>
+        <a:font script="Viet" typeface="Arial"/>
+        <a:font script="Uigh" typeface="Microsoft Uighur"/>
+        <a:font script="Geor" typeface="Sylfaen"/>
+        <a:font script="Armn" typeface="Arial"/>
+        <a:font script="Bugi" typeface="Leelawadee UI"/>
+        <a:font script="Bopo" typeface="Microsoft JhengHei"/>
+        <a:font script="Java" typeface="Javanese Text"/>
+        <a:font script="Lisu" typeface="Segoe UI"/>
+        <a:font script="Mymr" typeface="Myanmar Text"/>
+        <a:font script="Nkoo" typeface="Ebrima"/>
+        <a:font script="Olck" typeface="Nirmala UI"/>
+        <a:font script="Osma" typeface="Ebrima"/>
+        <a:font script="Phag" typeface="Phagspa"/>
+        <a:font script="Syrn" typeface="Estrangelo Edessa"/>
+        <a:font script="Syrj" typeface="Estrangelo Edessa"/>
+        <a:font script="Syre" typeface="Estrangelo Edessa"/>
+        <a:font script="Sora" typeface="Nirmala UI"/>
+        <a:font script="Tale" typeface="Microsoft Tai Le"/>
+        <a:font script="Talu" typeface="Microsoft New Tai Lue"/>
+        <a:font script="Tfng" typeface="Ebrima"/>
+      </a:minorFont>
+    </a:fontScheme>
+    <a:fmtScheme name="Office">
+      <a:fillStyleLst>
+        <a:solidFill>
+          <a:schemeClr val="phClr"/>
+        </a:solidFill>
+        <a:gradFill rotWithShape="1">
+          <a:gsLst>
+            <a:gs pos="0">
+              <a:schemeClr val="phClr">
+                <a:lumMod val="110000"/>
+                <a:satMod val="105000"/>
+                <a:tint val="67000"/>
+              </a:schemeClr>
+            </a:gs>
+            <a:gs pos="50000">
+              <a:schemeClr val="phClr">
+                <a:lumMod val="105000"/>
+                <a:satMod val="103000"/>
+                <a:tint val="73000"/>
+              </a:schemeClr>
+            </a:gs>
+            <a:gs pos="100000">
+              <a:schemeClr val="phClr">
+                <a:lumMod val="105000"/>
+                <a:satMod val="109000"/>
+                <a:tint val="81000"/>
+              </a:schemeClr>
+            </a:gs>
+          </a:gsLst>
+          <a:lin ang="5400000" scaled="0"/>
+        </a:gradFill>
+        <a:gradFill rotWithShape="1">
+          <a:gsLst>
+            <a:gs pos="0">
+              <a:schemeClr val="phClr">
+                <a:satMod val="103000"/>
+                <a:lumMod val="102000"/>
+                <a:tint val="94000"/>
+              </a:schemeClr>
+            </a:gs>
+            <a:gs pos="50000">
+              <a:schemeClr val="phClr">
+                <a:satMod val="110000"/>
+                <a:lumMod val="100000"/>
+                <a:shade val="100000"/>
+              </a:schemeClr>
+            </a:gs>
+            <a:gs pos="100000">
+              <a:schemeClr val="phClr">
+                <a:lumMod val="99000"/>
+                <a:satMod val="120000"/>
+                <a:shade val="78000"/>
+              </a:schemeClr>
+            </a:gs>
+          </a:gsLst>
+          <a:lin ang="5400000" scaled="0"/>
+        </a:gradFill>
+      </a:fillStyleLst>
+      <a:lnStyleLst>
+        <a:ln w="12700" cap="flat" cmpd="sng" algn="ctr">
+          <a:solidFill>
+            <a:schemeClr val="phClr"/>
+          </a:solidFill>
+          <a:prstDash val="solid"/>
+          <a:miter lim="800000"/>
+        </a:ln>
+        <a:ln w="19050" cap="flat" cmpd="sng" algn="ctr">
+          <a:solidFill>
+            <a:schemeClr val="phClr"/>
+          </a:solidFill>
+          <a:prstDash val="solid"/>
+          <a:miter lim="800000"/>
+        </a:ln>
+        <a:ln w="25400" cap="flat" cmpd="sng" algn="ctr">
+          <a:solidFill>
+            <a:schemeClr val="phClr"/>
+          </a:solidFill>
+          <a:prstDash val="solid"/>
+          <a:miter lim="800000"/>
+        </a:ln>
+      </a:lnStyleLst>
+      <a:effectStyleLst>
+        <a:effectStyle>
+          <a:effectLst/>
+        </a:effectStyle>
+        <a:effectStyle>
+          <a:effectLst/>
+        </a:effectStyle>
+        <a:effectStyle>
+          <a:effectLst>
+            <a:outerShdw blurRad="57150" dist="19050" dir="5400000" algn="ctr" rotWithShape="0">
+              <a:srgbClr val="000000">
+                <a:alpha val="63000"/>
+              </a:srgbClr>
+            </a:outerShdw>
+          </a:effectLst>
+        </a:effectStyle>
+      </a:effectStyleLst>
+      <a:bgFillStyleLst>
+        <a:solidFill>
+          <a:schemeClr val="phClr"/>
+        </a:solidFill>
+        <a:solidFill>
+          <a:schemeClr val="phClr">
+            <a:tint val="95000"/>
+            <a:satMod val="170000"/>
+          </a:schemeClr>
+        </a:solidFill>
+        <a:gradFill rotWithShape="1">
+          <a:gsLst>
+            <a:gs pos="0">
+              <a:schemeClr val="phClr">
+                <a:tint val="93000"/>
+                <a:satMod val="150000"/>
+                <a:shade val="98000"/>
+                <a:lumMod val="102000"/>
+              </a:schemeClr>
+            </a:gs>
+            <a:gs pos="50000">
+              <a:schemeClr val="phClr">
+                <a:tint val="98000"/>
+                <a:satMod val="130000"/>
+                <a:shade val="90000"/>
+                <a:lumMod val="103000"/>
+              </a:schemeClr>
+            </a:gs>
+            <a:gs pos="100000">
+              <a:schemeClr val="phClr">
+                <a:shade val="63000"/>
+                <a:satMod val="120000"/>
+              </a:schemeClr>
+            </a:gs>
+          </a:gsLst>
+          <a:lin ang="5400000" scaled="0"/>
+        </a:gradFill>
+      </a:bgFillStyleLst>
+    </a:fmtScheme>
+  </a:themeElements>
+  <a:objectDefaults>
+    <a:lnDef>
+      <a:spPr/>
+      <a:bodyPr/>
+      <a:lstStyle/>
+      <a:style>
+        <a:lnRef idx="2">
+          <a:schemeClr val="accent1"/>
+        </a:lnRef>
+        <a:fillRef idx="0">
+          <a:schemeClr val="accent1"/>
+        </a:fillRef>
+        <a:effectRef idx="1">
+          <a:schemeClr val="accent1"/>
+        </a:effectRef>
+        <a:fontRef idx="minor">
+          <a:schemeClr val="tx1"/>
+        </a:fontRef>
+      </a:style>
+    </a:lnDef>
+  </a:objectDefaults>
+  <a:extraClrSchemeLst/>
+  <a:extLst>
+    <a:ext uri="{05A4C25C-085E-4340-85A3-A5531E510DB2}">
+      <thm15:themeFamily xmlns:thm15="http://schemas.microsoft.com/office/thememl/2012/main" name="Office Theme" id="{2E142A2C-CD16-42D6-873A-C26D2A0506FA}" vid="{1BDDFF52-6CD6-40A5-AB3C-68EB2F1E4D0A}"/>
+    </a:ext>
+  </a:extLst>
+</a:theme>
 </file>